--- a/hough transform/hough transform ver1.pptx
+++ b/hough transform/hough transform ver1.pptx
@@ -5,7 +5,7 @@
     <p:sldMasterId id="2147483648" r:id="rId1"/>
   </p:sldMasterIdLst>
   <p:notesMasterIdLst>
-    <p:notesMasterId r:id="rId15"/>
+    <p:notesMasterId r:id="rId18"/>
   </p:notesMasterIdLst>
   <p:sldIdLst>
     <p:sldId id="256" r:id="rId2"/>
@@ -18,9 +18,12 @@
     <p:sldId id="262" r:id="rId9"/>
     <p:sldId id="263" r:id="rId10"/>
     <p:sldId id="268" r:id="rId11"/>
-    <p:sldId id="266" r:id="rId12"/>
-    <p:sldId id="267" r:id="rId13"/>
-    <p:sldId id="264" r:id="rId14"/>
+    <p:sldId id="269" r:id="rId12"/>
+    <p:sldId id="266" r:id="rId13"/>
+    <p:sldId id="267" r:id="rId14"/>
+    <p:sldId id="264" r:id="rId15"/>
+    <p:sldId id="270" r:id="rId16"/>
+    <p:sldId id="271" r:id="rId17"/>
   </p:sldIdLst>
   <p:sldSz cx="9144000" cy="6858000" type="screen4x3"/>
   <p:notesSz cx="6858000" cy="9144000"/>
@@ -204,7 +207,8 @@
           <a:p>
             <a:fld id="{E98F2347-B9B1-43DD-B42B-FDBFF7F4384D}" type="datetimeFigureOut">
               <a:rPr lang="ko-KR" altLang="en-US" smtClean="0"/>
-              <a:t>2018-07-30</a:t>
+              <a:pPr/>
+              <a:t>2018-07-31</a:t>
             </a:fld>
             <a:endParaRPr lang="ko-KR" altLang="en-US"/>
           </a:p>
@@ -363,6 +367,7 @@
           <a:p>
             <a:fld id="{AF9CF4A2-DFF9-4793-A1D7-5C2FD70A993D}" type="slidenum">
               <a:rPr lang="ko-KR" altLang="en-US" smtClean="0"/>
+              <a:pPr/>
               <a:t>‹#›</a:t>
             </a:fld>
             <a:endParaRPr lang="ko-KR" altLang="en-US"/>
@@ -372,7 +377,7 @@
     </p:spTree>
     <p:extLst>
       <p:ext uri="{BB962C8B-B14F-4D97-AF65-F5344CB8AC3E}">
-        <p14:creationId xmlns:p14="http://schemas.microsoft.com/office/powerpoint/2010/main" val="1458759009"/>
+        <p14:creationId xmlns:p14="http://schemas.microsoft.com/office/powerpoint/2010/main" xmlns="" val="1458759009"/>
       </p:ext>
     </p:extLst>
   </p:cSld>
@@ -537,6 +542,7 @@
           <a:p>
             <a:fld id="{AF9CF4A2-DFF9-4793-A1D7-5C2FD70A993D}" type="slidenum">
               <a:rPr lang="ko-KR" altLang="en-US" smtClean="0"/>
+              <a:pPr/>
               <a:t>3</a:t>
             </a:fld>
             <a:endParaRPr lang="ko-KR" altLang="en-US"/>
@@ -546,7 +552,7 @@
     </p:spTree>
     <p:extLst>
       <p:ext uri="{BB962C8B-B14F-4D97-AF65-F5344CB8AC3E}">
-        <p14:creationId xmlns:p14="http://schemas.microsoft.com/office/powerpoint/2010/main" val="481486606"/>
+        <p14:creationId xmlns:p14="http://schemas.microsoft.com/office/powerpoint/2010/main" xmlns="" val="481486606"/>
       </p:ext>
     </p:extLst>
   </p:cSld>
@@ -687,7 +693,8 @@
           <a:p>
             <a:fld id="{EF788394-B629-4511-9349-FD8338CD4544}" type="datetimeFigureOut">
               <a:rPr lang="ko-KR" altLang="en-US" smtClean="0"/>
-              <a:t>2018-07-30</a:t>
+              <a:pPr/>
+              <a:t>2018-07-31</a:t>
             </a:fld>
             <a:endParaRPr lang="ko-KR" altLang="en-US"/>
           </a:p>
@@ -729,6 +736,7 @@
           <a:p>
             <a:fld id="{F6AB8B11-0966-47DB-A5B9-EE08C264254B}" type="slidenum">
               <a:rPr lang="ko-KR" altLang="en-US" smtClean="0"/>
+              <a:pPr/>
               <a:t>‹#›</a:t>
             </a:fld>
             <a:endParaRPr lang="ko-KR" altLang="en-US"/>
@@ -738,7 +746,7 @@
     </p:spTree>
     <p:extLst>
       <p:ext uri="{BB962C8B-B14F-4D97-AF65-F5344CB8AC3E}">
-        <p14:creationId xmlns:p14="http://schemas.microsoft.com/office/powerpoint/2010/main" val="2198731872"/>
+        <p14:creationId xmlns:p14="http://schemas.microsoft.com/office/powerpoint/2010/main" xmlns="" val="2198731872"/>
       </p:ext>
     </p:extLst>
   </p:cSld>
@@ -857,7 +865,8 @@
           <a:p>
             <a:fld id="{EF788394-B629-4511-9349-FD8338CD4544}" type="datetimeFigureOut">
               <a:rPr lang="ko-KR" altLang="en-US" smtClean="0"/>
-              <a:t>2018-07-30</a:t>
+              <a:pPr/>
+              <a:t>2018-07-31</a:t>
             </a:fld>
             <a:endParaRPr lang="ko-KR" altLang="en-US"/>
           </a:p>
@@ -899,6 +908,7 @@
           <a:p>
             <a:fld id="{F6AB8B11-0966-47DB-A5B9-EE08C264254B}" type="slidenum">
               <a:rPr lang="ko-KR" altLang="en-US" smtClean="0"/>
+              <a:pPr/>
               <a:t>‹#›</a:t>
             </a:fld>
             <a:endParaRPr lang="ko-KR" altLang="en-US"/>
@@ -908,7 +918,7 @@
     </p:spTree>
     <p:extLst>
       <p:ext uri="{BB962C8B-B14F-4D97-AF65-F5344CB8AC3E}">
-        <p14:creationId xmlns:p14="http://schemas.microsoft.com/office/powerpoint/2010/main" val="2471533085"/>
+        <p14:creationId xmlns:p14="http://schemas.microsoft.com/office/powerpoint/2010/main" xmlns="" val="2471533085"/>
       </p:ext>
     </p:extLst>
   </p:cSld>
@@ -1037,7 +1047,8 @@
           <a:p>
             <a:fld id="{EF788394-B629-4511-9349-FD8338CD4544}" type="datetimeFigureOut">
               <a:rPr lang="ko-KR" altLang="en-US" smtClean="0"/>
-              <a:t>2018-07-30</a:t>
+              <a:pPr/>
+              <a:t>2018-07-31</a:t>
             </a:fld>
             <a:endParaRPr lang="ko-KR" altLang="en-US"/>
           </a:p>
@@ -1079,6 +1090,7 @@
           <a:p>
             <a:fld id="{F6AB8B11-0966-47DB-A5B9-EE08C264254B}" type="slidenum">
               <a:rPr lang="ko-KR" altLang="en-US" smtClean="0"/>
+              <a:pPr/>
               <a:t>‹#›</a:t>
             </a:fld>
             <a:endParaRPr lang="ko-KR" altLang="en-US"/>
@@ -1088,7 +1100,7 @@
     </p:spTree>
     <p:extLst>
       <p:ext uri="{BB962C8B-B14F-4D97-AF65-F5344CB8AC3E}">
-        <p14:creationId xmlns:p14="http://schemas.microsoft.com/office/powerpoint/2010/main" val="1613960709"/>
+        <p14:creationId xmlns:p14="http://schemas.microsoft.com/office/powerpoint/2010/main" xmlns="" val="1613960709"/>
       </p:ext>
     </p:extLst>
   </p:cSld>
@@ -1207,7 +1219,8 @@
           <a:p>
             <a:fld id="{EF788394-B629-4511-9349-FD8338CD4544}" type="datetimeFigureOut">
               <a:rPr lang="ko-KR" altLang="en-US" smtClean="0"/>
-              <a:t>2018-07-30</a:t>
+              <a:pPr/>
+              <a:t>2018-07-31</a:t>
             </a:fld>
             <a:endParaRPr lang="ko-KR" altLang="en-US"/>
           </a:p>
@@ -1249,6 +1262,7 @@
           <a:p>
             <a:fld id="{F6AB8B11-0966-47DB-A5B9-EE08C264254B}" type="slidenum">
               <a:rPr lang="ko-KR" altLang="en-US" smtClean="0"/>
+              <a:pPr/>
               <a:t>‹#›</a:t>
             </a:fld>
             <a:endParaRPr lang="ko-KR" altLang="en-US"/>
@@ -1258,7 +1272,7 @@
     </p:spTree>
     <p:extLst>
       <p:ext uri="{BB962C8B-B14F-4D97-AF65-F5344CB8AC3E}">
-        <p14:creationId xmlns:p14="http://schemas.microsoft.com/office/powerpoint/2010/main" val="2237841291"/>
+        <p14:creationId xmlns:p14="http://schemas.microsoft.com/office/powerpoint/2010/main" xmlns="" val="2237841291"/>
       </p:ext>
     </p:extLst>
   </p:cSld>
@@ -1453,7 +1467,8 @@
           <a:p>
             <a:fld id="{EF788394-B629-4511-9349-FD8338CD4544}" type="datetimeFigureOut">
               <a:rPr lang="ko-KR" altLang="en-US" smtClean="0"/>
-              <a:t>2018-07-30</a:t>
+              <a:pPr/>
+              <a:t>2018-07-31</a:t>
             </a:fld>
             <a:endParaRPr lang="ko-KR" altLang="en-US"/>
           </a:p>
@@ -1495,6 +1510,7 @@
           <a:p>
             <a:fld id="{F6AB8B11-0966-47DB-A5B9-EE08C264254B}" type="slidenum">
               <a:rPr lang="ko-KR" altLang="en-US" smtClean="0"/>
+              <a:pPr/>
               <a:t>‹#›</a:t>
             </a:fld>
             <a:endParaRPr lang="ko-KR" altLang="en-US"/>
@@ -1504,7 +1520,7 @@
     </p:spTree>
     <p:extLst>
       <p:ext uri="{BB962C8B-B14F-4D97-AF65-F5344CB8AC3E}">
-        <p14:creationId xmlns:p14="http://schemas.microsoft.com/office/powerpoint/2010/main" val="3294631850"/>
+        <p14:creationId xmlns:p14="http://schemas.microsoft.com/office/powerpoint/2010/main" xmlns="" val="3294631850"/>
       </p:ext>
     </p:extLst>
   </p:cSld>
@@ -1685,7 +1701,8 @@
           <a:p>
             <a:fld id="{EF788394-B629-4511-9349-FD8338CD4544}" type="datetimeFigureOut">
               <a:rPr lang="ko-KR" altLang="en-US" smtClean="0"/>
-              <a:t>2018-07-30</a:t>
+              <a:pPr/>
+              <a:t>2018-07-31</a:t>
             </a:fld>
             <a:endParaRPr lang="ko-KR" altLang="en-US"/>
           </a:p>
@@ -1727,6 +1744,7 @@
           <a:p>
             <a:fld id="{F6AB8B11-0966-47DB-A5B9-EE08C264254B}" type="slidenum">
               <a:rPr lang="ko-KR" altLang="en-US" smtClean="0"/>
+              <a:pPr/>
               <a:t>‹#›</a:t>
             </a:fld>
             <a:endParaRPr lang="ko-KR" altLang="en-US"/>
@@ -1736,7 +1754,7 @@
     </p:spTree>
     <p:extLst>
       <p:ext uri="{BB962C8B-B14F-4D97-AF65-F5344CB8AC3E}">
-        <p14:creationId xmlns:p14="http://schemas.microsoft.com/office/powerpoint/2010/main" val="1410486831"/>
+        <p14:creationId xmlns:p14="http://schemas.microsoft.com/office/powerpoint/2010/main" xmlns="" val="1410486831"/>
       </p:ext>
     </p:extLst>
   </p:cSld>
@@ -2052,7 +2070,8 @@
           <a:p>
             <a:fld id="{EF788394-B629-4511-9349-FD8338CD4544}" type="datetimeFigureOut">
               <a:rPr lang="ko-KR" altLang="en-US" smtClean="0"/>
-              <a:t>2018-07-30</a:t>
+              <a:pPr/>
+              <a:t>2018-07-31</a:t>
             </a:fld>
             <a:endParaRPr lang="ko-KR" altLang="en-US"/>
           </a:p>
@@ -2094,6 +2113,7 @@
           <a:p>
             <a:fld id="{F6AB8B11-0966-47DB-A5B9-EE08C264254B}" type="slidenum">
               <a:rPr lang="ko-KR" altLang="en-US" smtClean="0"/>
+              <a:pPr/>
               <a:t>‹#›</a:t>
             </a:fld>
             <a:endParaRPr lang="ko-KR" altLang="en-US"/>
@@ -2103,7 +2123,7 @@
     </p:spTree>
     <p:extLst>
       <p:ext uri="{BB962C8B-B14F-4D97-AF65-F5344CB8AC3E}">
-        <p14:creationId xmlns:p14="http://schemas.microsoft.com/office/powerpoint/2010/main" val="841733362"/>
+        <p14:creationId xmlns:p14="http://schemas.microsoft.com/office/powerpoint/2010/main" xmlns="" val="841733362"/>
       </p:ext>
     </p:extLst>
   </p:cSld>
@@ -2170,7 +2190,8 @@
           <a:p>
             <a:fld id="{EF788394-B629-4511-9349-FD8338CD4544}" type="datetimeFigureOut">
               <a:rPr lang="ko-KR" altLang="en-US" smtClean="0"/>
-              <a:t>2018-07-30</a:t>
+              <a:pPr/>
+              <a:t>2018-07-31</a:t>
             </a:fld>
             <a:endParaRPr lang="ko-KR" altLang="en-US"/>
           </a:p>
@@ -2212,6 +2233,7 @@
           <a:p>
             <a:fld id="{F6AB8B11-0966-47DB-A5B9-EE08C264254B}" type="slidenum">
               <a:rPr lang="ko-KR" altLang="en-US" smtClean="0"/>
+              <a:pPr/>
               <a:t>‹#›</a:t>
             </a:fld>
             <a:endParaRPr lang="ko-KR" altLang="en-US"/>
@@ -2221,7 +2243,7 @@
     </p:spTree>
     <p:extLst>
       <p:ext uri="{BB962C8B-B14F-4D97-AF65-F5344CB8AC3E}">
-        <p14:creationId xmlns:p14="http://schemas.microsoft.com/office/powerpoint/2010/main" val="2953962516"/>
+        <p14:creationId xmlns:p14="http://schemas.microsoft.com/office/powerpoint/2010/main" xmlns="" val="2953962516"/>
       </p:ext>
     </p:extLst>
   </p:cSld>
@@ -2265,7 +2287,8 @@
           <a:p>
             <a:fld id="{EF788394-B629-4511-9349-FD8338CD4544}" type="datetimeFigureOut">
               <a:rPr lang="ko-KR" altLang="en-US" smtClean="0"/>
-              <a:t>2018-07-30</a:t>
+              <a:pPr/>
+              <a:t>2018-07-31</a:t>
             </a:fld>
             <a:endParaRPr lang="ko-KR" altLang="en-US"/>
           </a:p>
@@ -2307,6 +2330,7 @@
           <a:p>
             <a:fld id="{F6AB8B11-0966-47DB-A5B9-EE08C264254B}" type="slidenum">
               <a:rPr lang="ko-KR" altLang="en-US" smtClean="0"/>
+              <a:pPr/>
               <a:t>‹#›</a:t>
             </a:fld>
             <a:endParaRPr lang="ko-KR" altLang="en-US"/>
@@ -2316,7 +2340,7 @@
     </p:spTree>
     <p:extLst>
       <p:ext uri="{BB962C8B-B14F-4D97-AF65-F5344CB8AC3E}">
-        <p14:creationId xmlns:p14="http://schemas.microsoft.com/office/powerpoint/2010/main" val="294430269"/>
+        <p14:creationId xmlns:p14="http://schemas.microsoft.com/office/powerpoint/2010/main" xmlns="" val="294430269"/>
       </p:ext>
     </p:extLst>
   </p:cSld>
@@ -2542,7 +2566,8 @@
           <a:p>
             <a:fld id="{EF788394-B629-4511-9349-FD8338CD4544}" type="datetimeFigureOut">
               <a:rPr lang="ko-KR" altLang="en-US" smtClean="0"/>
-              <a:t>2018-07-30</a:t>
+              <a:pPr/>
+              <a:t>2018-07-31</a:t>
             </a:fld>
             <a:endParaRPr lang="ko-KR" altLang="en-US"/>
           </a:p>
@@ -2584,6 +2609,7 @@
           <a:p>
             <a:fld id="{F6AB8B11-0966-47DB-A5B9-EE08C264254B}" type="slidenum">
               <a:rPr lang="ko-KR" altLang="en-US" smtClean="0"/>
+              <a:pPr/>
               <a:t>‹#›</a:t>
             </a:fld>
             <a:endParaRPr lang="ko-KR" altLang="en-US"/>
@@ -2593,7 +2619,7 @@
     </p:spTree>
     <p:extLst>
       <p:ext uri="{BB962C8B-B14F-4D97-AF65-F5344CB8AC3E}">
-        <p14:creationId xmlns:p14="http://schemas.microsoft.com/office/powerpoint/2010/main" val="510757519"/>
+        <p14:creationId xmlns:p14="http://schemas.microsoft.com/office/powerpoint/2010/main" xmlns="" val="510757519"/>
       </p:ext>
     </p:extLst>
   </p:cSld>
@@ -2795,7 +2821,8 @@
           <a:p>
             <a:fld id="{EF788394-B629-4511-9349-FD8338CD4544}" type="datetimeFigureOut">
               <a:rPr lang="ko-KR" altLang="en-US" smtClean="0"/>
-              <a:t>2018-07-30</a:t>
+              <a:pPr/>
+              <a:t>2018-07-31</a:t>
             </a:fld>
             <a:endParaRPr lang="ko-KR" altLang="en-US"/>
           </a:p>
@@ -2837,6 +2864,7 @@
           <a:p>
             <a:fld id="{F6AB8B11-0966-47DB-A5B9-EE08C264254B}" type="slidenum">
               <a:rPr lang="ko-KR" altLang="en-US" smtClean="0"/>
+              <a:pPr/>
               <a:t>‹#›</a:t>
             </a:fld>
             <a:endParaRPr lang="ko-KR" altLang="en-US"/>
@@ -2846,7 +2874,7 @@
     </p:spTree>
     <p:extLst>
       <p:ext uri="{BB962C8B-B14F-4D97-AF65-F5344CB8AC3E}">
-        <p14:creationId xmlns:p14="http://schemas.microsoft.com/office/powerpoint/2010/main" val="953964621"/>
+        <p14:creationId xmlns:p14="http://schemas.microsoft.com/office/powerpoint/2010/main" xmlns="" val="953964621"/>
       </p:ext>
     </p:extLst>
   </p:cSld>
@@ -3008,7 +3036,8 @@
           <a:p>
             <a:fld id="{EF788394-B629-4511-9349-FD8338CD4544}" type="datetimeFigureOut">
               <a:rPr lang="ko-KR" altLang="en-US" smtClean="0"/>
-              <a:t>2018-07-30</a:t>
+              <a:pPr/>
+              <a:t>2018-07-31</a:t>
             </a:fld>
             <a:endParaRPr lang="ko-KR" altLang="en-US"/>
           </a:p>
@@ -3086,6 +3115,7 @@
           <a:p>
             <a:fld id="{F6AB8B11-0966-47DB-A5B9-EE08C264254B}" type="slidenum">
               <a:rPr lang="ko-KR" altLang="en-US" smtClean="0"/>
+              <a:pPr/>
               <a:t>‹#›</a:t>
             </a:fld>
             <a:endParaRPr lang="ko-KR" altLang="en-US"/>
@@ -3095,7 +3125,7 @@
     </p:spTree>
     <p:extLst>
       <p:ext uri="{BB962C8B-B14F-4D97-AF65-F5344CB8AC3E}">
-        <p14:creationId xmlns:p14="http://schemas.microsoft.com/office/powerpoint/2010/main" val="2513469507"/>
+        <p14:creationId xmlns:p14="http://schemas.microsoft.com/office/powerpoint/2010/main" xmlns="" val="2513469507"/>
       </p:ext>
     </p:extLst>
   </p:cSld>
@@ -3458,7 +3488,7 @@
     </p:spTree>
     <p:extLst>
       <p:ext uri="{BB962C8B-B14F-4D97-AF65-F5344CB8AC3E}">
-        <p14:creationId xmlns:p14="http://schemas.microsoft.com/office/powerpoint/2010/main" val="2916377460"/>
+        <p14:creationId xmlns:p14="http://schemas.microsoft.com/office/powerpoint/2010/main" xmlns="" val="2916377460"/>
       </p:ext>
     </p:extLst>
   </p:cSld>
@@ -3524,8 +3554,24 @@
           <a:lstStyle/>
           <a:p>
             <a:r>
+              <a:rPr lang="en-US" altLang="ko-KR" dirty="0" smtClean="0"/>
+              <a:t>Original </a:t>
+            </a:r>
+            <a:r>
+              <a:rPr lang="en-US" altLang="ko-KR" dirty="0" err="1" smtClean="0"/>
+              <a:t>hough</a:t>
+            </a:r>
+            <a:r>
+              <a:rPr lang="en-US" altLang="ko-KR" dirty="0" smtClean="0"/>
+              <a:t> : </a:t>
+            </a:r>
+            <a:r>
               <a:rPr lang="ko-KR" altLang="en-US" dirty="0" smtClean="0"/>
-              <a:t>시간이 오래 걸림 </a:t>
+              <a:t>시간이 </a:t>
+            </a:r>
+            <a:r>
+              <a:rPr lang="ko-KR" altLang="en-US" dirty="0" smtClean="0"/>
+              <a:t>오래 걸림 </a:t>
             </a:r>
             <a:endParaRPr lang="en-US" altLang="ko-KR" dirty="0" smtClean="0"/>
           </a:p>
@@ -3644,7 +3690,7 @@
     </p:spTree>
     <p:extLst>
       <p:ext uri="{BB962C8B-B14F-4D97-AF65-F5344CB8AC3E}">
-        <p14:creationId xmlns:p14="http://schemas.microsoft.com/office/powerpoint/2010/main" val="1091594488"/>
+        <p14:creationId xmlns:p14="http://schemas.microsoft.com/office/powerpoint/2010/main" xmlns="" val="1091594488"/>
       </p:ext>
     </p:extLst>
   </p:cSld>
@@ -3695,7 +3741,7 @@
           <a:p>
             <a:r>
               <a:rPr lang="en-US" altLang="ko-KR" dirty="0" smtClean="0"/>
-              <a:t>Hough Line transform</a:t>
+              <a:t>Algorithm</a:t>
             </a:r>
             <a:endParaRPr lang="ko-KR" altLang="en-US" dirty="0"/>
           </a:p>
@@ -3714,92 +3760,44 @@
         <p:spPr/>
         <p:txBody>
           <a:bodyPr>
-            <a:normAutofit fontScale="85000" lnSpcReduction="20000"/>
+            <a:normAutofit fontScale="77500" lnSpcReduction="20000"/>
           </a:bodyPr>
           <a:lstStyle/>
           <a:p>
             <a:r>
               <a:rPr lang="en-US" altLang="ko-KR" dirty="0" smtClean="0"/>
-              <a:t>Python: cv2.HoughLines(image, rho, theta, threshold[, lines[, </a:t>
-            </a:r>
-            <a:r>
-              <a:rPr lang="en-US" altLang="ko-KR" dirty="0" err="1" smtClean="0"/>
-              <a:t>srn</a:t>
-            </a:r>
-            <a:r>
-              <a:rPr lang="en-US" altLang="ko-KR" dirty="0" smtClean="0"/>
-              <a:t>[, </a:t>
-            </a:r>
-            <a:r>
-              <a:rPr lang="en-US" altLang="ko-KR" dirty="0" err="1" smtClean="0"/>
-              <a:t>stn</a:t>
-            </a:r>
-            <a:r>
-              <a:rPr lang="en-US" altLang="ko-KR" dirty="0" smtClean="0"/>
-              <a:t>[, </a:t>
-            </a:r>
-            <a:r>
-              <a:rPr lang="en-US" altLang="ko-KR" dirty="0" err="1" smtClean="0"/>
-              <a:t>min_theta</a:t>
-            </a:r>
-            <a:r>
-              <a:rPr lang="en-US" altLang="ko-KR" dirty="0" smtClean="0"/>
-              <a:t>[, </a:t>
-            </a:r>
-            <a:r>
-              <a:rPr lang="en-US" altLang="ko-KR" dirty="0" err="1" smtClean="0"/>
-              <a:t>max_theta</a:t>
-            </a:r>
-            <a:r>
-              <a:rPr lang="en-US" altLang="ko-KR" dirty="0" smtClean="0"/>
-              <a:t>]]]]]) → lines</a:t>
-            </a:r>
-          </a:p>
-          <a:p>
-            <a:pPr lvl="1"/>
-            <a:r>
-              <a:rPr lang="en-US" altLang="ko-KR" dirty="0" smtClean="0"/>
-              <a:t>Image : 8bit, single channel binary</a:t>
-            </a:r>
-          </a:p>
-          <a:p>
-            <a:pPr lvl="1"/>
-            <a:r>
-              <a:rPr lang="en-US" altLang="ko-KR" dirty="0" smtClean="0"/>
-              <a:t>Lines : output vector of lines (rho, theta)</a:t>
-            </a:r>
-          </a:p>
-          <a:p>
-            <a:pPr lvl="1"/>
-            <a:r>
-              <a:rPr lang="en-US" altLang="ko-KR" dirty="0" smtClean="0"/>
-              <a:t>Rho : distance resolution in pixels</a:t>
-            </a:r>
-          </a:p>
-          <a:p>
-            <a:pPr lvl="1"/>
-            <a:r>
-              <a:rPr lang="en-US" altLang="ko-KR" dirty="0" smtClean="0"/>
-              <a:t>Theta : angle resolution</a:t>
-            </a:r>
-            <a:r>
-              <a:rPr lang="en-US" altLang="ko-KR" dirty="0"/>
+              <a:t>Input check, </a:t>
+            </a:r>
+            <a:r>
+              <a:rPr lang="ko-KR" altLang="en-US" dirty="0" smtClean="0"/>
+              <a:t>비어있으면 끝</a:t>
+            </a:r>
+            <a:endParaRPr lang="en-US" altLang="ko-KR" dirty="0" smtClean="0"/>
+          </a:p>
+          <a:p>
+            <a:r>
+              <a:rPr lang="en-US" altLang="ko-KR" dirty="0" smtClean="0"/>
+              <a:t>1</a:t>
+            </a:r>
+            <a:r>
+              <a:rPr lang="ko-KR" altLang="en-US" dirty="0" smtClean="0"/>
+              <a:t>개 </a:t>
+            </a:r>
+            <a:r>
+              <a:rPr lang="en-US" altLang="ko-KR" dirty="0" smtClean="0"/>
+              <a:t>pixel</a:t>
+            </a:r>
+            <a:r>
+              <a:rPr lang="ko-KR" altLang="en-US" dirty="0" smtClean="0"/>
               <a:t> </a:t>
             </a:r>
             <a:r>
-              <a:rPr lang="en-US" altLang="ko-KR" dirty="0" smtClean="0"/>
-              <a:t>in radian</a:t>
-            </a:r>
-          </a:p>
-          <a:p>
-            <a:pPr lvl="1"/>
-            <a:r>
-              <a:rPr lang="en-US" altLang="ko-KR" dirty="0" err="1" smtClean="0"/>
-              <a:t>Srn</a:t>
-            </a:r>
-            <a:r>
-              <a:rPr lang="en-US" altLang="ko-KR" dirty="0" smtClean="0"/>
-              <a:t> : for the multi-scale </a:t>
+              <a:rPr lang="ko-KR" altLang="en-US" dirty="0" smtClean="0"/>
+              <a:t>선택</a:t>
+            </a:r>
+            <a:r>
+              <a:rPr lang="en-US" altLang="ko-KR" dirty="0" smtClean="0"/>
+              <a:t>, </a:t>
             </a:r>
             <a:r>
               <a:rPr lang="en-US" altLang="ko-KR" dirty="0" err="1" smtClean="0"/>
@@ -3807,99 +3805,198 @@
             </a:r>
             <a:r>
               <a:rPr lang="en-US" altLang="ko-KR" dirty="0" smtClean="0"/>
-              <a:t> transform</a:t>
-            </a:r>
+              <a:t> </a:t>
+            </a:r>
+            <a:r>
+              <a:rPr lang="ko-KR" altLang="en-US" dirty="0" smtClean="0"/>
+              <a:t>실행</a:t>
+            </a:r>
+            <a:endParaRPr lang="en-US" altLang="ko-KR" dirty="0" smtClean="0"/>
+          </a:p>
+          <a:p>
+            <a:r>
+              <a:rPr lang="ko-KR" altLang="en-US" dirty="0" smtClean="0"/>
+              <a:t>해당 </a:t>
+            </a:r>
+            <a:r>
+              <a:rPr lang="en-US" altLang="ko-KR" dirty="0" smtClean="0"/>
+              <a:t>pixel </a:t>
+            </a:r>
+            <a:r>
+              <a:rPr lang="ko-KR" altLang="en-US" dirty="0" smtClean="0"/>
+              <a:t>제거</a:t>
+            </a:r>
+            <a:endParaRPr lang="en-US" altLang="ko-KR" dirty="0" smtClean="0"/>
+          </a:p>
+          <a:p>
+            <a:r>
+              <a:rPr lang="en-US" altLang="ko-KR" dirty="0" smtClean="0"/>
+              <a:t>Hough space</a:t>
+            </a:r>
+            <a:r>
+              <a:rPr lang="ko-KR" altLang="en-US" dirty="0" smtClean="0"/>
+              <a:t>에서 새 </a:t>
+            </a:r>
+            <a:r>
+              <a:rPr lang="en-US" altLang="ko-KR" dirty="0" smtClean="0"/>
+              <a:t>pixel</a:t>
+            </a:r>
+            <a:r>
+              <a:rPr lang="ko-KR" altLang="en-US" dirty="0" smtClean="0"/>
+              <a:t>에 의해 변경된 값들 중 </a:t>
+            </a:r>
+            <a:r>
+              <a:rPr lang="en-US" altLang="ko-KR" dirty="0" smtClean="0"/>
+              <a:t>highest peak</a:t>
+            </a:r>
+            <a:r>
+              <a:rPr lang="ko-KR" altLang="en-US" dirty="0" smtClean="0"/>
+              <a:t>이 </a:t>
+            </a:r>
+            <a:r>
+              <a:rPr lang="en-US" altLang="ko-KR" dirty="0" smtClean="0"/>
+              <a:t>threshold</a:t>
+            </a:r>
+            <a:r>
+              <a:rPr lang="ko-KR" altLang="en-US" dirty="0" smtClean="0"/>
+              <a:t>보다 큰지 확인</a:t>
+            </a:r>
+            <a:r>
+              <a:rPr lang="en-US" altLang="ko-KR" dirty="0" smtClean="0"/>
+              <a:t>. </a:t>
+            </a:r>
+            <a:endParaRPr lang="en-US" altLang="ko-KR" dirty="0" smtClean="0"/>
           </a:p>
           <a:p>
             <a:pPr lvl="1"/>
             <a:r>
+              <a:rPr lang="ko-KR" altLang="en-US" dirty="0" err="1" smtClean="0"/>
+              <a:t>안그러면</a:t>
+            </a:r>
+            <a:r>
+              <a:rPr lang="ko-KR" altLang="en-US" dirty="0" smtClean="0"/>
+              <a:t> </a:t>
+            </a:r>
+            <a:r>
+              <a:rPr lang="en-US" altLang="ko-KR" dirty="0" smtClean="0"/>
+              <a:t>1</a:t>
+            </a:r>
+            <a:r>
+              <a:rPr lang="ko-KR" altLang="en-US" dirty="0" smtClean="0"/>
+              <a:t>로 되돌아감</a:t>
+            </a:r>
+            <a:r>
+              <a:rPr lang="en-US" altLang="ko-KR" dirty="0" smtClean="0"/>
+              <a:t>. </a:t>
+            </a:r>
+          </a:p>
+          <a:p>
+            <a:r>
+              <a:rPr lang="ko-KR" altLang="en-US" dirty="0" smtClean="0"/>
+              <a:t>위의 </a:t>
+            </a:r>
+            <a:r>
+              <a:rPr lang="en-US" altLang="ko-KR" dirty="0" smtClean="0"/>
+              <a:t>line</a:t>
+            </a:r>
+            <a:r>
+              <a:rPr lang="ko-KR" altLang="en-US" dirty="0" smtClean="0"/>
+              <a:t>에서 가장 긴 </a:t>
+            </a:r>
+            <a:r>
+              <a:rPr lang="en-US" altLang="ko-KR" dirty="0" smtClean="0"/>
+              <a:t>segment </a:t>
+            </a:r>
+            <a:r>
+              <a:rPr lang="ko-KR" altLang="en-US" dirty="0" smtClean="0"/>
+              <a:t>찾음</a:t>
+            </a:r>
+            <a:r>
+              <a:rPr lang="en-US" altLang="ko-KR" dirty="0" smtClean="0"/>
+              <a:t>. </a:t>
+            </a:r>
+          </a:p>
+          <a:p>
+            <a:r>
+              <a:rPr lang="en-US" altLang="ko-KR" dirty="0" smtClean="0"/>
+              <a:t>Input image</a:t>
+            </a:r>
+            <a:r>
+              <a:rPr lang="ko-KR" altLang="en-US" dirty="0" smtClean="0"/>
+              <a:t>에서 </a:t>
+            </a:r>
+            <a:r>
+              <a:rPr lang="en-US" altLang="ko-KR" dirty="0" smtClean="0"/>
+              <a:t>pixel </a:t>
+            </a:r>
+            <a:r>
+              <a:rPr lang="ko-KR" altLang="en-US" dirty="0" smtClean="0"/>
+              <a:t>제거</a:t>
+            </a:r>
+            <a:endParaRPr lang="en-US" altLang="ko-KR" dirty="0" smtClean="0"/>
+          </a:p>
+          <a:p>
+            <a:r>
+              <a:rPr lang="en-US" altLang="ko-KR" dirty="0" smtClean="0"/>
+              <a:t>‘</a:t>
+            </a:r>
+            <a:r>
               <a:rPr lang="en-US" altLang="ko-KR" dirty="0" err="1" smtClean="0"/>
-              <a:t>Stn</a:t>
-            </a:r>
-            <a:r>
-              <a:rPr lang="en-US" altLang="ko-KR" dirty="0" smtClean="0"/>
-              <a:t> : for multi-scale </a:t>
-            </a:r>
-            <a:r>
-              <a:rPr lang="en-US" altLang="ko-KR" dirty="0" err="1" smtClean="0"/>
-              <a:t>hough</a:t>
-            </a:r>
-            <a:r>
-              <a:rPr lang="en-US" altLang="ko-KR" dirty="0" smtClean="0"/>
-              <a:t> transform</a:t>
-            </a:r>
-          </a:p>
-          <a:p>
-            <a:pPr lvl="1"/>
-            <a:r>
-              <a:rPr lang="en-US" altLang="ko-KR" dirty="0" err="1" smtClean="0"/>
-              <a:t>Min_theta</a:t>
-            </a:r>
-            <a:r>
-              <a:rPr lang="en-US" altLang="ko-KR" dirty="0" smtClean="0"/>
-              <a:t> : minimum angle to check</a:t>
-            </a:r>
-          </a:p>
-          <a:p>
-            <a:pPr lvl="1"/>
-            <a:r>
-              <a:rPr lang="en-US" altLang="ko-KR" dirty="0" err="1" smtClean="0"/>
-              <a:t>Max_theta</a:t>
-            </a:r>
-            <a:r>
-              <a:rPr lang="en-US" altLang="ko-KR" dirty="0" smtClean="0"/>
-              <a:t> : maximum angle for </a:t>
-            </a:r>
-            <a:r>
-              <a:rPr lang="en-US" altLang="ko-KR" dirty="0" err="1" smtClean="0"/>
-              <a:t>theck</a:t>
+              <a:t>Unvote</a:t>
+            </a:r>
+            <a:r>
+              <a:rPr lang="en-US" altLang="ko-KR" dirty="0" smtClean="0"/>
+              <a:t>’ from the accumulator all the pixels from the line that have previously voted</a:t>
+            </a:r>
+          </a:p>
+          <a:p>
+            <a:r>
+              <a:rPr lang="en-US" altLang="ko-KR" dirty="0" smtClean="0"/>
+              <a:t>Line segment</a:t>
+            </a:r>
+            <a:r>
+              <a:rPr lang="ko-KR" altLang="en-US" dirty="0" smtClean="0"/>
+              <a:t>가 </a:t>
+            </a:r>
+            <a:r>
+              <a:rPr lang="en-US" altLang="ko-KR" dirty="0" smtClean="0"/>
+              <a:t>minimum length</a:t>
+            </a:r>
+            <a:r>
+              <a:rPr lang="ko-KR" altLang="en-US" dirty="0" smtClean="0"/>
+              <a:t>보다 작으면 </a:t>
+            </a:r>
+            <a:r>
+              <a:rPr lang="en-US" altLang="ko-KR" dirty="0" smtClean="0"/>
+              <a:t>output list</a:t>
+            </a:r>
+            <a:r>
+              <a:rPr lang="ko-KR" altLang="en-US" dirty="0" smtClean="0"/>
+              <a:t>에 넣기</a:t>
             </a:r>
             <a:endParaRPr lang="en-US" altLang="ko-KR" dirty="0" smtClean="0"/>
           </a:p>
           <a:p>
-            <a:pPr lvl="1"/>
-            <a:endParaRPr lang="en-US" altLang="ko-KR" dirty="0"/>
-          </a:p>
-          <a:p>
-            <a:pPr lvl="1"/>
-            <a:r>
-              <a:rPr lang="en-US" altLang="ko-KR" dirty="0" smtClean="0"/>
-              <a:t>CV_HOUGH_STANDARD</a:t>
-            </a:r>
-          </a:p>
-          <a:p>
-            <a:pPr lvl="1"/>
-            <a:r>
-              <a:rPr lang="en-US" altLang="ko-KR" dirty="0" smtClean="0"/>
-              <a:t>CV_HOUGH_PROBABILISTIC</a:t>
-            </a:r>
-          </a:p>
-          <a:p>
-            <a:pPr lvl="1"/>
-            <a:r>
-              <a:rPr lang="en-US" altLang="ko-KR" dirty="0" smtClean="0"/>
-              <a:t>CV_HOUGH_MULTI_SCALE</a:t>
+            <a:r>
+              <a:rPr lang="en-US" altLang="ko-KR" dirty="0" smtClean="0"/>
+              <a:t>1</a:t>
+            </a:r>
+            <a:r>
+              <a:rPr lang="ko-KR" altLang="en-US" dirty="0" smtClean="0"/>
+              <a:t>로 감</a:t>
+            </a:r>
+            <a:r>
+              <a:rPr lang="en-US" altLang="ko-KR" dirty="0" smtClean="0"/>
+              <a:t>. </a:t>
             </a:r>
           </a:p>
         </p:txBody>
       </p:sp>
     </p:spTree>
-    <p:extLst>
-      <p:ext uri="{BB962C8B-B14F-4D97-AF65-F5344CB8AC3E}">
-        <p14:creationId xmlns:p14="http://schemas.microsoft.com/office/powerpoint/2010/main" val="4185180122"/>
-      </p:ext>
-    </p:extLst>
   </p:cSld>
   <p:clrMapOvr>
     <a:masterClrMapping/>
   </p:clrMapOvr>
-  <p:timing>
-    <p:tnLst>
-      <p:par>
-        <p:cTn id="1" dur="indefinite" restart="never" nodeType="tmRoot"/>
-      </p:par>
-    </p:tnLst>
-  </p:timing>
 </p:sld>
 </file>
 
@@ -3936,35 +4033,45 @@
           <a:lstStyle/>
           <a:p>
             <a:r>
+              <a:rPr lang="en-US" altLang="ko-KR" dirty="0" smtClean="0"/>
+              <a:t>Hough Line transform</a:t>
+            </a:r>
+            <a:endParaRPr lang="ko-KR" altLang="en-US" dirty="0"/>
+          </a:p>
+        </p:txBody>
+      </p:sp>
+      <p:sp>
+        <p:nvSpPr>
+          <p:cNvPr id="3" name="내용 개체 틀 2"/>
+          <p:cNvSpPr>
+            <a:spLocks noGrp="1"/>
+          </p:cNvSpPr>
+          <p:nvPr>
+            <p:ph idx="1"/>
+          </p:nvPr>
+        </p:nvSpPr>
+        <p:spPr/>
+        <p:txBody>
+          <a:bodyPr>
+            <a:normAutofit fontScale="85000" lnSpcReduction="20000"/>
+          </a:bodyPr>
+          <a:lstStyle/>
+          <a:p>
+            <a:r>
+              <a:rPr lang="en-US" altLang="ko-KR" dirty="0" smtClean="0"/>
+              <a:t>Python: cv2.HoughLines(image, rho, theta, threshold[, lines[, </a:t>
+            </a:r>
+            <a:r>
               <a:rPr lang="en-US" altLang="ko-KR" dirty="0" err="1" smtClean="0"/>
-              <a:t>HoughLinesP</a:t>
-            </a:r>
-            <a:endParaRPr lang="ko-KR" altLang="en-US" dirty="0"/>
-          </a:p>
-        </p:txBody>
-      </p:sp>
-      <p:sp>
-        <p:nvSpPr>
-          <p:cNvPr id="3" name="내용 개체 틀 2"/>
-          <p:cNvSpPr>
-            <a:spLocks noGrp="1"/>
-          </p:cNvSpPr>
-          <p:nvPr>
-            <p:ph idx="1"/>
-          </p:nvPr>
-        </p:nvSpPr>
-        <p:spPr/>
-        <p:txBody>
-          <a:bodyPr/>
-          <a:lstStyle/>
-          <a:p>
-            <a:r>
-              <a:rPr lang="en-US" altLang="ko-KR" dirty="0" smtClean="0"/>
-              <a:t>Python: cv2.HoughLinesP(image, rho, theta, threshold[, lines[, </a:t>
+              <a:t>srn</a:t>
+            </a:r>
+            <a:r>
+              <a:rPr lang="en-US" altLang="ko-KR" dirty="0" smtClean="0"/>
+              <a:t>[, </a:t>
             </a:r>
             <a:r>
               <a:rPr lang="en-US" altLang="ko-KR" dirty="0" err="1" smtClean="0"/>
-              <a:t>minLineLength</a:t>
+              <a:t>stn</a:t>
             </a:r>
             <a:r>
               <a:rPr lang="en-US" altLang="ko-KR" dirty="0" smtClean="0"/>
@@ -3972,20 +4079,153 @@
             </a:r>
             <a:r>
               <a:rPr lang="en-US" altLang="ko-KR" dirty="0" err="1" smtClean="0"/>
-              <a:t>maxLineGap</a:t>
-            </a:r>
-            <a:r>
-              <a:rPr lang="en-US" altLang="ko-KR" dirty="0" smtClean="0"/>
-              <a:t>]]]) → lines</a:t>
-            </a:r>
-            <a:endParaRPr lang="ko-KR" altLang="en-US" dirty="0"/>
+              <a:t>min_theta</a:t>
+            </a:r>
+            <a:r>
+              <a:rPr lang="en-US" altLang="ko-KR" dirty="0" smtClean="0"/>
+              <a:t>[, </a:t>
+            </a:r>
+            <a:r>
+              <a:rPr lang="en-US" altLang="ko-KR" dirty="0" err="1" smtClean="0"/>
+              <a:t>max_theta</a:t>
+            </a:r>
+            <a:r>
+              <a:rPr lang="en-US" altLang="ko-KR" dirty="0" smtClean="0"/>
+              <a:t>]]]]]) → lines</a:t>
+            </a:r>
+          </a:p>
+          <a:p>
+            <a:pPr lvl="1"/>
+            <a:r>
+              <a:rPr lang="en-US" altLang="ko-KR" dirty="0" smtClean="0"/>
+              <a:t>Image : 8bit, single channel binary</a:t>
+            </a:r>
+          </a:p>
+          <a:p>
+            <a:pPr lvl="1"/>
+            <a:r>
+              <a:rPr lang="en-US" altLang="ko-KR" dirty="0" smtClean="0"/>
+              <a:t>Lines : output vector of lines (rho, theta)</a:t>
+            </a:r>
+          </a:p>
+          <a:p>
+            <a:pPr lvl="1"/>
+            <a:r>
+              <a:rPr lang="en-US" altLang="ko-KR" dirty="0" smtClean="0"/>
+              <a:t>Rho : distance resolution in pixels</a:t>
+            </a:r>
+          </a:p>
+          <a:p>
+            <a:pPr lvl="1"/>
+            <a:r>
+              <a:rPr lang="en-US" altLang="ko-KR" dirty="0" smtClean="0"/>
+              <a:t>Theta : angle resolution</a:t>
+            </a:r>
+            <a:r>
+              <a:rPr lang="en-US" altLang="ko-KR" dirty="0"/>
+              <a:t> </a:t>
+            </a:r>
+            <a:r>
+              <a:rPr lang="en-US" altLang="ko-KR" dirty="0" smtClean="0"/>
+              <a:t>in radian</a:t>
+            </a:r>
+          </a:p>
+          <a:p>
+            <a:pPr lvl="1"/>
+            <a:r>
+              <a:rPr lang="en-US" altLang="ko-KR" dirty="0" err="1" smtClean="0"/>
+              <a:t>Srn</a:t>
+            </a:r>
+            <a:r>
+              <a:rPr lang="en-US" altLang="ko-KR" dirty="0" smtClean="0"/>
+              <a:t> : for the multi-scale </a:t>
+            </a:r>
+            <a:r>
+              <a:rPr lang="en-US" altLang="ko-KR" dirty="0" err="1" smtClean="0"/>
+              <a:t>hough</a:t>
+            </a:r>
+            <a:r>
+              <a:rPr lang="en-US" altLang="ko-KR" dirty="0" smtClean="0"/>
+              <a:t> transform</a:t>
+            </a:r>
+          </a:p>
+          <a:p>
+            <a:pPr lvl="1"/>
+            <a:r>
+              <a:rPr lang="en-US" altLang="ko-KR" dirty="0" err="1" smtClean="0"/>
+              <a:t>Stn</a:t>
+            </a:r>
+            <a:r>
+              <a:rPr lang="en-US" altLang="ko-KR" dirty="0" smtClean="0"/>
+              <a:t> : for multi-scale </a:t>
+            </a:r>
+            <a:r>
+              <a:rPr lang="en-US" altLang="ko-KR" dirty="0" err="1" smtClean="0"/>
+              <a:t>hough</a:t>
+            </a:r>
+            <a:r>
+              <a:rPr lang="en-US" altLang="ko-KR" dirty="0" smtClean="0"/>
+              <a:t> transform</a:t>
+            </a:r>
+          </a:p>
+          <a:p>
+            <a:pPr lvl="1"/>
+            <a:r>
+              <a:rPr lang="en-US" altLang="ko-KR" dirty="0" err="1" smtClean="0"/>
+              <a:t>Min_theta</a:t>
+            </a:r>
+            <a:r>
+              <a:rPr lang="en-US" altLang="ko-KR" dirty="0" smtClean="0"/>
+              <a:t> : minimum angle to check</a:t>
+            </a:r>
+          </a:p>
+          <a:p>
+            <a:pPr lvl="1"/>
+            <a:r>
+              <a:rPr lang="en-US" altLang="ko-KR" dirty="0" err="1" smtClean="0"/>
+              <a:t>Max_theta</a:t>
+            </a:r>
+            <a:r>
+              <a:rPr lang="en-US" altLang="ko-KR" dirty="0" smtClean="0"/>
+              <a:t> : maximum angle for </a:t>
+            </a:r>
+            <a:r>
+              <a:rPr lang="en-US" altLang="ko-KR" dirty="0" err="1" smtClean="0"/>
+              <a:t>theck</a:t>
+            </a:r>
+            <a:endParaRPr lang="en-US" altLang="ko-KR" dirty="0" smtClean="0"/>
+          </a:p>
+          <a:p>
+            <a:pPr lvl="1"/>
+            <a:endParaRPr lang="en-US" altLang="ko-KR" dirty="0"/>
+          </a:p>
+          <a:p>
+            <a:pPr lvl="1"/>
+            <a:r>
+              <a:rPr lang="en-US" altLang="ko-KR" dirty="0" smtClean="0"/>
+              <a:t>CV_HOUGH_STANDARD</a:t>
+            </a:r>
+          </a:p>
+          <a:p>
+            <a:pPr lvl="1"/>
+            <a:r>
+              <a:rPr lang="en-US" altLang="ko-KR" dirty="0" smtClean="0"/>
+              <a:t>CV_HOUGH_PROBABILISTIC</a:t>
+            </a:r>
+          </a:p>
+          <a:p>
+            <a:pPr lvl="1"/>
+            <a:r>
+              <a:rPr lang="en-US" altLang="ko-KR" dirty="0" smtClean="0"/>
+              <a:t>CV_HOUGH_MULTI_SCALE</a:t>
+            </a:r>
           </a:p>
         </p:txBody>
       </p:sp>
     </p:spTree>
     <p:extLst>
       <p:ext uri="{BB962C8B-B14F-4D97-AF65-F5344CB8AC3E}">
-        <p14:creationId xmlns:p14="http://schemas.microsoft.com/office/powerpoint/2010/main" val="792329231"/>
+        <p14:creationId xmlns:p14="http://schemas.microsoft.com/office/powerpoint/2010/main" xmlns="" val="4185180122"/>
       </p:ext>
     </p:extLst>
   </p:cSld>
@@ -4034,7 +4274,11 @@
           <a:bodyPr/>
           <a:lstStyle/>
           <a:p>
-            <a:endParaRPr lang="ko-KR" altLang="en-US"/>
+            <a:r>
+              <a:rPr lang="en-US" altLang="ko-KR" dirty="0" err="1" smtClean="0"/>
+              <a:t>HoughLinesP</a:t>
+            </a:r>
+            <a:endParaRPr lang="ko-KR" altLang="en-US" dirty="0"/>
           </a:p>
         </p:txBody>
       </p:sp>
@@ -4055,7 +4299,23 @@
           <a:p>
             <a:r>
               <a:rPr lang="en-US" altLang="ko-KR" dirty="0" smtClean="0"/>
-              <a:t>http://homepages.inf.ed.ac.uk/amos/hough.html</a:t>
+              <a:t>Python: cv2.HoughLinesP(image, rho, theta, threshold[, lines[, </a:t>
+            </a:r>
+            <a:r>
+              <a:rPr lang="en-US" altLang="ko-KR" dirty="0" err="1" smtClean="0"/>
+              <a:t>minLineLength</a:t>
+            </a:r>
+            <a:r>
+              <a:rPr lang="en-US" altLang="ko-KR" dirty="0" smtClean="0"/>
+              <a:t>[, </a:t>
+            </a:r>
+            <a:r>
+              <a:rPr lang="en-US" altLang="ko-KR" dirty="0" err="1" smtClean="0"/>
+              <a:t>maxLineGap</a:t>
+            </a:r>
+            <a:r>
+              <a:rPr lang="en-US" altLang="ko-KR" dirty="0" smtClean="0"/>
+              <a:t>]]]) → lines</a:t>
             </a:r>
             <a:endParaRPr lang="ko-KR" altLang="en-US" dirty="0"/>
           </a:p>
@@ -4064,7 +4324,7 @@
     </p:spTree>
     <p:extLst>
       <p:ext uri="{BB962C8B-B14F-4D97-AF65-F5344CB8AC3E}">
-        <p14:creationId xmlns:p14="http://schemas.microsoft.com/office/powerpoint/2010/main" val="2496624278"/>
+        <p14:creationId xmlns:p14="http://schemas.microsoft.com/office/powerpoint/2010/main" xmlns="" val="792329231"/>
       </p:ext>
     </p:extLst>
   </p:cSld>
@@ -4078,6 +4338,439 @@
       </p:par>
     </p:tnLst>
   </p:timing>
+</p:sld>
+</file>
+
+<file path=ppt/slides/slide14.xml><?xml version="1.0" encoding="utf-8"?>
+<p:sld xmlns:a="http://schemas.openxmlformats.org/drawingml/2006/main" xmlns:r="http://schemas.openxmlformats.org/officeDocument/2006/relationships" xmlns:p="http://schemas.openxmlformats.org/presentationml/2006/main">
+  <p:cSld>
+    <p:spTree>
+      <p:nvGrpSpPr>
+        <p:cNvPr id="1" name=""/>
+        <p:cNvGrpSpPr/>
+        <p:nvPr/>
+      </p:nvGrpSpPr>
+      <p:grpSpPr>
+        <a:xfrm>
+          <a:off x="0" y="0"/>
+          <a:ext cx="0" cy="0"/>
+          <a:chOff x="0" y="0"/>
+          <a:chExt cx="0" cy="0"/>
+        </a:xfrm>
+      </p:grpSpPr>
+      <p:sp>
+        <p:nvSpPr>
+          <p:cNvPr id="2" name="제목 1"/>
+          <p:cNvSpPr>
+            <a:spLocks noGrp="1"/>
+          </p:cNvSpPr>
+          <p:nvPr>
+            <p:ph type="title"/>
+          </p:nvPr>
+        </p:nvSpPr>
+        <p:spPr/>
+        <p:txBody>
+          <a:bodyPr/>
+          <a:lstStyle/>
+          <a:p>
+            <a:endParaRPr lang="ko-KR" altLang="en-US"/>
+          </a:p>
+        </p:txBody>
+      </p:sp>
+      <p:sp>
+        <p:nvSpPr>
+          <p:cNvPr id="3" name="내용 개체 틀 2"/>
+          <p:cNvSpPr>
+            <a:spLocks noGrp="1"/>
+          </p:cNvSpPr>
+          <p:nvPr>
+            <p:ph idx="1"/>
+          </p:nvPr>
+        </p:nvSpPr>
+        <p:spPr/>
+        <p:txBody>
+          <a:bodyPr/>
+          <a:lstStyle/>
+          <a:p>
+            <a:r>
+              <a:rPr lang="en-US" altLang="ko-KR" dirty="0" smtClean="0"/>
+              <a:t>http://homepages.inf.ed.ac.uk/amos/hough.html</a:t>
+            </a:r>
+            <a:endParaRPr lang="ko-KR" altLang="en-US" dirty="0"/>
+          </a:p>
+        </p:txBody>
+      </p:sp>
+    </p:spTree>
+    <p:extLst>
+      <p:ext uri="{BB962C8B-B14F-4D97-AF65-F5344CB8AC3E}">
+        <p14:creationId xmlns:p14="http://schemas.microsoft.com/office/powerpoint/2010/main" xmlns="" val="2496624278"/>
+      </p:ext>
+    </p:extLst>
+  </p:cSld>
+  <p:clrMapOvr>
+    <a:masterClrMapping/>
+  </p:clrMapOvr>
+  <p:timing>
+    <p:tnLst>
+      <p:par>
+        <p:cTn id="1" dur="indefinite" restart="never" nodeType="tmRoot"/>
+      </p:par>
+    </p:tnLst>
+  </p:timing>
+</p:sld>
+</file>
+
+<file path=ppt/slides/slide15.xml><?xml version="1.0" encoding="utf-8"?>
+<p:sld xmlns:a="http://schemas.openxmlformats.org/drawingml/2006/main" xmlns:r="http://schemas.openxmlformats.org/officeDocument/2006/relationships" xmlns:p="http://schemas.openxmlformats.org/presentationml/2006/main">
+  <p:cSld>
+    <p:spTree>
+      <p:nvGrpSpPr>
+        <p:cNvPr id="1" name=""/>
+        <p:cNvGrpSpPr/>
+        <p:nvPr/>
+      </p:nvGrpSpPr>
+      <p:grpSpPr>
+        <a:xfrm>
+          <a:off x="0" y="0"/>
+          <a:ext cx="0" cy="0"/>
+          <a:chOff x="0" y="0"/>
+          <a:chExt cx="0" cy="0"/>
+        </a:xfrm>
+      </p:grpSpPr>
+      <p:sp>
+        <p:nvSpPr>
+          <p:cNvPr id="2" name="제목 1"/>
+          <p:cNvSpPr>
+            <a:spLocks noGrp="1"/>
+          </p:cNvSpPr>
+          <p:nvPr>
+            <p:ph type="title"/>
+          </p:nvPr>
+        </p:nvSpPr>
+        <p:spPr/>
+        <p:txBody>
+          <a:bodyPr/>
+          <a:lstStyle/>
+          <a:p>
+            <a:r>
+              <a:rPr lang="en-US" altLang="ko-KR" dirty="0" err="1" smtClean="0"/>
+              <a:t>HoughCircles</a:t>
+            </a:r>
+            <a:endParaRPr lang="ko-KR" altLang="en-US" dirty="0"/>
+          </a:p>
+        </p:txBody>
+      </p:sp>
+      <p:sp>
+        <p:nvSpPr>
+          <p:cNvPr id="3" name="내용 개체 틀 2"/>
+          <p:cNvSpPr>
+            <a:spLocks noGrp="1"/>
+          </p:cNvSpPr>
+          <p:nvPr>
+            <p:ph idx="1"/>
+          </p:nvPr>
+        </p:nvSpPr>
+        <p:spPr/>
+        <p:txBody>
+          <a:bodyPr>
+            <a:normAutofit/>
+          </a:bodyPr>
+          <a:lstStyle/>
+          <a:p>
+            <a:r>
+              <a:rPr lang="en-US" altLang="ko-KR" sz="2000" dirty="0" smtClean="0"/>
+              <a:t>cv2.HoughCircles(image, method, </a:t>
+            </a:r>
+            <a:r>
+              <a:rPr lang="en-US" altLang="ko-KR" sz="2000" dirty="0" err="1" smtClean="0"/>
+              <a:t>dp</a:t>
+            </a:r>
+            <a:r>
+              <a:rPr lang="en-US" altLang="ko-KR" sz="2000" dirty="0" smtClean="0"/>
+              <a:t>, </a:t>
+            </a:r>
+            <a:r>
+              <a:rPr lang="en-US" altLang="ko-KR" sz="2000" dirty="0" err="1" smtClean="0"/>
+              <a:t>minDist</a:t>
+            </a:r>
+            <a:r>
+              <a:rPr lang="en-US" altLang="ko-KR" sz="2000" dirty="0" smtClean="0"/>
+              <a:t>[, circles[, param1[, param2[, </a:t>
+            </a:r>
+            <a:r>
+              <a:rPr lang="en-US" altLang="ko-KR" sz="2000" dirty="0" err="1" smtClean="0"/>
+              <a:t>minRadius</a:t>
+            </a:r>
+            <a:r>
+              <a:rPr lang="en-US" altLang="ko-KR" sz="2000" dirty="0" smtClean="0"/>
+              <a:t>[, </a:t>
+            </a:r>
+            <a:r>
+              <a:rPr lang="en-US" altLang="ko-KR" sz="2000" dirty="0" err="1" smtClean="0"/>
+              <a:t>maxRadius</a:t>
+            </a:r>
+            <a:r>
+              <a:rPr lang="en-US" altLang="ko-KR" sz="2000" dirty="0" smtClean="0"/>
+              <a:t>]]]]]) </a:t>
+            </a:r>
+            <a:r>
+              <a:rPr lang="en-US" altLang="ko-KR" sz="2000" dirty="0" smtClean="0"/>
+              <a:t>→ </a:t>
+            </a:r>
+            <a:r>
+              <a:rPr lang="en-US" altLang="ko-KR" sz="2000" dirty="0" smtClean="0"/>
+              <a:t>circles</a:t>
+            </a:r>
+          </a:p>
+          <a:p>
+            <a:pPr lvl="1"/>
+            <a:r>
+              <a:rPr lang="en-US" altLang="ko-KR" sz="1600" dirty="0" smtClean="0"/>
+              <a:t>Image : 8bit, </a:t>
+            </a:r>
+            <a:r>
+              <a:rPr lang="en-US" altLang="ko-KR" sz="1600" dirty="0" err="1" smtClean="0"/>
+              <a:t>sigle</a:t>
+            </a:r>
+            <a:r>
+              <a:rPr lang="en-US" altLang="ko-KR" sz="1600" dirty="0" smtClean="0"/>
+              <a:t> channel, grayscale</a:t>
+            </a:r>
+          </a:p>
+          <a:p>
+            <a:pPr lvl="1"/>
+            <a:r>
+              <a:rPr lang="en-US" altLang="ko-KR" sz="1600" dirty="0" smtClean="0"/>
+              <a:t>Circles : output vectors of found circle</a:t>
+            </a:r>
+            <a:r>
+              <a:rPr lang="ko-KR" altLang="en-US" sz="1600" dirty="0" smtClean="0"/>
+              <a:t> </a:t>
+            </a:r>
+            <a:r>
+              <a:rPr lang="en-US" altLang="ko-KR" sz="1600" dirty="0" smtClean="0"/>
+              <a:t>(x, y, rad.)</a:t>
+            </a:r>
+          </a:p>
+          <a:p>
+            <a:pPr lvl="1"/>
+            <a:r>
+              <a:rPr lang="en-US" altLang="ko-KR" sz="1600" dirty="0" smtClean="0"/>
+              <a:t>Method : detection method</a:t>
+            </a:r>
+          </a:p>
+          <a:p>
+            <a:pPr lvl="2"/>
+            <a:r>
+              <a:rPr lang="en-US" altLang="ko-KR" sz="1200" dirty="0" smtClean="0"/>
+              <a:t>The only method : CV_HOUGH_GRADIENT</a:t>
+            </a:r>
+          </a:p>
+          <a:p>
+            <a:pPr lvl="1"/>
+            <a:r>
+              <a:rPr lang="en-US" altLang="ko-KR" sz="1600" dirty="0" err="1" smtClean="0"/>
+              <a:t>dp</a:t>
+            </a:r>
+            <a:r>
+              <a:rPr lang="en-US" altLang="ko-KR" sz="1600" dirty="0" smtClean="0"/>
+              <a:t> : inverse ratio of accumulator </a:t>
+            </a:r>
+            <a:r>
+              <a:rPr lang="en-US" altLang="ko-KR" sz="1600" dirty="0" err="1" smtClean="0"/>
+              <a:t>reolution</a:t>
+            </a:r>
+            <a:r>
+              <a:rPr lang="en-US" altLang="ko-KR" sz="1600" dirty="0" smtClean="0"/>
+              <a:t> to the image resolution </a:t>
+            </a:r>
+          </a:p>
+          <a:p>
+            <a:pPr lvl="1"/>
+            <a:r>
+              <a:rPr lang="en-US" altLang="ko-KR" sz="1600" dirty="0" err="1" smtClean="0"/>
+              <a:t>minDist</a:t>
+            </a:r>
+            <a:r>
+              <a:rPr lang="en-US" altLang="ko-KR" sz="1600" dirty="0" smtClean="0"/>
+              <a:t> : minimum distance between the </a:t>
+            </a:r>
+            <a:r>
+              <a:rPr lang="en-US" altLang="ko-KR" sz="1600" dirty="0" err="1" smtClean="0"/>
+              <a:t>centor</a:t>
+            </a:r>
+            <a:r>
+              <a:rPr lang="en-US" altLang="ko-KR" sz="1600" dirty="0" smtClean="0"/>
+              <a:t> of detected circles</a:t>
+            </a:r>
+          </a:p>
+          <a:p>
+            <a:pPr lvl="1"/>
+            <a:r>
+              <a:rPr lang="en-US" altLang="ko-KR" sz="1600" dirty="0" smtClean="0"/>
+              <a:t>Param1 : first method-specified parameter</a:t>
+            </a:r>
+          </a:p>
+          <a:p>
+            <a:pPr lvl="2"/>
+            <a:r>
+              <a:rPr lang="en-US" altLang="ko-KR" sz="1200" dirty="0" smtClean="0"/>
+              <a:t>CV_HOUGH_GRADIENT : higher threshold of the two passed to the canny()</a:t>
+            </a:r>
+          </a:p>
+          <a:p>
+            <a:pPr lvl="1"/>
+            <a:r>
+              <a:rPr lang="en-US" altLang="ko-KR" sz="1600" dirty="0" smtClean="0"/>
+              <a:t>Param2 : second method-specified parameter</a:t>
+            </a:r>
+          </a:p>
+          <a:p>
+            <a:pPr lvl="2"/>
+            <a:r>
+              <a:rPr lang="en-US" altLang="ko-KR" sz="1200" dirty="0" smtClean="0"/>
+              <a:t>CV_HOUGH_GRADINET : threshold for circle </a:t>
+            </a:r>
+            <a:r>
+              <a:rPr lang="en-US" altLang="ko-KR" sz="1200" dirty="0" err="1" smtClean="0"/>
+              <a:t>centor</a:t>
+            </a:r>
+            <a:r>
+              <a:rPr lang="en-US" altLang="ko-KR" sz="1200" dirty="0" smtClean="0"/>
+              <a:t> at the detection stage. </a:t>
+            </a:r>
+          </a:p>
+          <a:p>
+            <a:pPr lvl="2"/>
+            <a:r>
+              <a:rPr lang="en-US" altLang="ko-KR" sz="1200" dirty="0" smtClean="0"/>
+              <a:t>Smaller, more false circles may detected</a:t>
+            </a:r>
+          </a:p>
+          <a:p>
+            <a:endParaRPr lang="en-US" altLang="ko-KR" sz="2000" dirty="0" smtClean="0"/>
+          </a:p>
+        </p:txBody>
+      </p:sp>
+    </p:spTree>
+  </p:cSld>
+  <p:clrMapOvr>
+    <a:masterClrMapping/>
+  </p:clrMapOvr>
+</p:sld>
+</file>
+
+<file path=ppt/slides/slide16.xml><?xml version="1.0" encoding="utf-8"?>
+<p:sld xmlns:a="http://schemas.openxmlformats.org/drawingml/2006/main" xmlns:r="http://schemas.openxmlformats.org/officeDocument/2006/relationships" xmlns:p="http://schemas.openxmlformats.org/presentationml/2006/main">
+  <p:cSld>
+    <p:spTree>
+      <p:nvGrpSpPr>
+        <p:cNvPr id="1" name=""/>
+        <p:cNvGrpSpPr/>
+        <p:nvPr/>
+      </p:nvGrpSpPr>
+      <p:grpSpPr>
+        <a:xfrm>
+          <a:off x="0" y="0"/>
+          <a:ext cx="0" cy="0"/>
+          <a:chOff x="0" y="0"/>
+          <a:chExt cx="0" cy="0"/>
+        </a:xfrm>
+      </p:grpSpPr>
+      <p:sp>
+        <p:nvSpPr>
+          <p:cNvPr id="2" name="제목 1"/>
+          <p:cNvSpPr>
+            <a:spLocks noGrp="1"/>
+          </p:cNvSpPr>
+          <p:nvPr>
+            <p:ph type="title"/>
+          </p:nvPr>
+        </p:nvSpPr>
+        <p:spPr/>
+        <p:txBody>
+          <a:bodyPr/>
+          <a:lstStyle/>
+          <a:p>
+            <a:r>
+              <a:rPr lang="en-US" altLang="ko-KR" dirty="0" smtClean="0"/>
+              <a:t>Parameter </a:t>
+            </a:r>
+            <a:r>
+              <a:rPr lang="ko-KR" altLang="en-US" dirty="0" smtClean="0"/>
+              <a:t>잡기 어려움</a:t>
+            </a:r>
+            <a:endParaRPr lang="ko-KR" altLang="en-US" dirty="0"/>
+          </a:p>
+        </p:txBody>
+      </p:sp>
+      <p:sp>
+        <p:nvSpPr>
+          <p:cNvPr id="3" name="내용 개체 틀 2"/>
+          <p:cNvSpPr>
+            <a:spLocks noGrp="1"/>
+          </p:cNvSpPr>
+          <p:nvPr>
+            <p:ph idx="1"/>
+          </p:nvPr>
+        </p:nvSpPr>
+        <p:spPr/>
+        <p:txBody>
+          <a:bodyPr/>
+          <a:lstStyle/>
+          <a:p>
+            <a:r>
+              <a:rPr lang="en-US" altLang="ko-KR" dirty="0" smtClean="0"/>
+              <a:t>Circle geometry</a:t>
+            </a:r>
+            <a:r>
+              <a:rPr lang="ko-KR" altLang="en-US" dirty="0" smtClean="0"/>
+              <a:t>로 </a:t>
+            </a:r>
+            <a:r>
+              <a:rPr lang="en-US" altLang="ko-KR" dirty="0" err="1" smtClean="0"/>
+              <a:t>mijnrad</a:t>
+            </a:r>
+            <a:r>
+              <a:rPr lang="en-US" altLang="ko-KR" dirty="0" smtClean="0"/>
+              <a:t>, </a:t>
+            </a:r>
+            <a:r>
+              <a:rPr lang="en-US" altLang="ko-KR" dirty="0" err="1" smtClean="0"/>
+              <a:t>maxrad</a:t>
+            </a:r>
+            <a:r>
+              <a:rPr lang="en-US" altLang="ko-KR" dirty="0" smtClean="0"/>
+              <a:t>, dist </a:t>
+            </a:r>
+            <a:r>
+              <a:rPr lang="ko-KR" altLang="en-US" dirty="0" smtClean="0"/>
+              <a:t>잡기</a:t>
+            </a:r>
+            <a:endParaRPr lang="en-US" altLang="ko-KR" dirty="0" smtClean="0"/>
+          </a:p>
+          <a:p>
+            <a:r>
+              <a:rPr lang="en-US" altLang="ko-KR" dirty="0" smtClean="0"/>
+              <a:t>Param2</a:t>
+            </a:r>
+            <a:r>
+              <a:rPr lang="ko-KR" altLang="en-US" dirty="0" smtClean="0"/>
+              <a:t>가 결정적인 듯</a:t>
+            </a:r>
+            <a:r>
+              <a:rPr lang="en-US" altLang="ko-KR" dirty="0" smtClean="0"/>
+              <a:t>. </a:t>
+            </a:r>
+            <a:endParaRPr lang="ko-KR" altLang="en-US" dirty="0"/>
+          </a:p>
+        </p:txBody>
+      </p:sp>
+    </p:spTree>
+  </p:cSld>
+  <p:clrMapOvr>
+    <a:masterClrMapping/>
+  </p:clrMapOvr>
 </p:sld>
 </file>
 
@@ -4133,88 +4826,100 @@
         </p:nvSpPr>
         <p:spPr>
           <a:xfrm>
-            <a:off x="628650" y="4571999"/>
-            <a:ext cx="7886700" cy="1604963"/>
+            <a:off x="628650" y="4441371"/>
+            <a:ext cx="7886700" cy="1735591"/>
           </a:xfrm>
         </p:spPr>
         <p:txBody>
           <a:bodyPr>
-            <a:normAutofit fontScale="85000" lnSpcReduction="20000"/>
+            <a:noAutofit/>
           </a:bodyPr>
           <a:lstStyle/>
           <a:p>
             <a:r>
-              <a:rPr lang="ko-KR" altLang="en-US" dirty="0" smtClean="0"/>
+              <a:rPr lang="ko-KR" altLang="en-US" sz="2000" dirty="0" smtClean="0"/>
               <a:t>특정 모양을 찾는 것</a:t>
             </a:r>
-            <a:endParaRPr lang="en-US" altLang="ko-KR" dirty="0" smtClean="0"/>
+            <a:endParaRPr lang="en-US" altLang="ko-KR" sz="2000" dirty="0" smtClean="0"/>
           </a:p>
           <a:p>
             <a:pPr lvl="1"/>
             <a:r>
-              <a:rPr lang="ko-KR" altLang="en-US" dirty="0" smtClean="0"/>
+              <a:rPr lang="ko-KR" altLang="en-US" sz="2000" dirty="0" smtClean="0"/>
               <a:t>선 </a:t>
             </a:r>
             <a:r>
-              <a:rPr lang="en-US" altLang="ko-KR" dirty="0" smtClean="0"/>
+              <a:rPr lang="en-US" altLang="ko-KR" sz="2000" dirty="0" smtClean="0"/>
               <a:t>-&gt; </a:t>
             </a:r>
             <a:r>
-              <a:rPr lang="en-US" altLang="ko-KR" dirty="0"/>
+              <a:rPr lang="en-US" altLang="ko-KR" sz="2000" dirty="0"/>
               <a:t>H</a:t>
             </a:r>
             <a:r>
-              <a:rPr lang="en-US" altLang="ko-KR" dirty="0" smtClean="0"/>
+              <a:rPr lang="en-US" altLang="ko-KR" sz="2000" dirty="0" smtClean="0"/>
               <a:t>ough line transform</a:t>
             </a:r>
           </a:p>
           <a:p>
             <a:pPr lvl="1"/>
             <a:r>
-              <a:rPr lang="ko-KR" altLang="en-US" dirty="0" smtClean="0"/>
+              <a:rPr lang="ko-KR" altLang="en-US" sz="2000" dirty="0" smtClean="0"/>
               <a:t>원 </a:t>
             </a:r>
             <a:r>
-              <a:rPr lang="en-US" altLang="ko-KR" dirty="0" smtClean="0"/>
+              <a:rPr lang="en-US" altLang="ko-KR" sz="2000" dirty="0" smtClean="0"/>
               <a:t>-&gt; Hough circle transform</a:t>
             </a:r>
           </a:p>
           <a:p>
             <a:r>
-              <a:rPr lang="en-US" altLang="ko-KR" dirty="0" smtClean="0"/>
+              <a:rPr lang="en-US" altLang="ko-KR" sz="2000" dirty="0" smtClean="0"/>
               <a:t>original data</a:t>
             </a:r>
             <a:r>
-              <a:rPr lang="ko-KR" altLang="en-US" dirty="0" smtClean="0"/>
+              <a:rPr lang="ko-KR" altLang="en-US" sz="2000" dirty="0" smtClean="0"/>
               <a:t>의</a:t>
             </a:r>
             <a:r>
-              <a:rPr lang="en-US" altLang="ko-KR" dirty="0" smtClean="0"/>
+              <a:rPr lang="en-US" altLang="ko-KR" sz="2000" dirty="0" smtClean="0"/>
               <a:t> line, circle </a:t>
             </a:r>
             <a:r>
-              <a:rPr lang="ko-KR" altLang="en-US" dirty="0" smtClean="0"/>
+              <a:rPr lang="ko-KR" altLang="en-US" sz="2000" dirty="0" smtClean="0"/>
               <a:t>등에 </a:t>
             </a:r>
             <a:r>
-              <a:rPr lang="en-US" altLang="ko-KR" dirty="0" smtClean="0"/>
+              <a:rPr lang="en-US" altLang="ko-KR" sz="2000" dirty="0" smtClean="0"/>
               <a:t>missing point</a:t>
             </a:r>
             <a:r>
-              <a:rPr lang="ko-KR" altLang="en-US" dirty="0" smtClean="0"/>
+              <a:rPr lang="ko-KR" altLang="en-US" sz="2000" dirty="0" smtClean="0"/>
               <a:t>가 있을 수 있음 </a:t>
             </a:r>
             <a:r>
-              <a:rPr lang="en-US" altLang="ko-KR" dirty="0" smtClean="0"/>
+              <a:rPr lang="en-US" altLang="ko-KR" sz="2000" dirty="0" smtClean="0"/>
               <a:t>-&gt; </a:t>
             </a:r>
             <a:r>
-              <a:rPr lang="ko-KR" altLang="en-US" dirty="0" smtClean="0"/>
+              <a:rPr lang="ko-KR" altLang="en-US" sz="2000" dirty="0" smtClean="0"/>
               <a:t>어떻게</a:t>
             </a:r>
             <a:r>
-              <a:rPr lang="en-US" altLang="ko-KR" dirty="0" smtClean="0"/>
-              <a:t>? Hough !</a:t>
+              <a:rPr lang="en-US" altLang="ko-KR" sz="2000" dirty="0" smtClean="0"/>
+              <a:t> </a:t>
+            </a:r>
+            <a:r>
+              <a:rPr lang="ko-KR" altLang="en-US" sz="2000" dirty="0" smtClean="0"/>
+              <a:t>찾음</a:t>
+            </a:r>
+            <a:r>
+              <a:rPr lang="en-US" altLang="ko-KR" sz="2000" dirty="0" smtClean="0"/>
+              <a:t>? </a:t>
+            </a:r>
+            <a:r>
+              <a:rPr lang="en-US" altLang="ko-KR" sz="2000" dirty="0" smtClean="0"/>
+              <a:t>Hough !</a:t>
             </a:r>
           </a:p>
         </p:txBody>
@@ -4228,10 +4933,10 @@
           <p:nvPr/>
         </p:nvPicPr>
         <p:blipFill>
-          <a:blip r:embed="rId2">
+          <a:blip r:embed="rId2" cstate="print">
             <a:extLst>
               <a:ext uri="{28A0092B-C50C-407E-A947-70E740481C1C}">
-                <a14:useLocalDpi xmlns:a14="http://schemas.microsoft.com/office/drawing/2010/main" val="0"/>
+                <a14:useLocalDpi xmlns:a14="http://schemas.microsoft.com/office/drawing/2010/main" xmlns="" val="0"/>
               </a:ext>
             </a:extLst>
           </a:blip>
@@ -4251,7 +4956,7 @@
           <a:noFill/>
           <a:extLst>
             <a:ext uri="{909E8E84-426E-40DD-AFC4-6F175D3DCCD1}">
-              <a14:hiddenFill xmlns:a14="http://schemas.microsoft.com/office/drawing/2010/main">
+              <a14:hiddenFill xmlns:a14="http://schemas.microsoft.com/office/drawing/2010/main" xmlns="">
                 <a:solidFill>
                   <a:srgbClr val="FFFFFF"/>
                 </a:solidFill>
@@ -4269,10 +4974,10 @@
           <p:nvPr/>
         </p:nvPicPr>
         <p:blipFill>
-          <a:blip r:embed="rId3">
+          <a:blip r:embed="rId3" cstate="print">
             <a:extLst>
               <a:ext uri="{28A0092B-C50C-407E-A947-70E740481C1C}">
-                <a14:useLocalDpi xmlns:a14="http://schemas.microsoft.com/office/drawing/2010/main" val="0"/>
+                <a14:useLocalDpi xmlns:a14="http://schemas.microsoft.com/office/drawing/2010/main" xmlns="" val="0"/>
               </a:ext>
             </a:extLst>
           </a:blip>
@@ -4292,7 +4997,7 @@
           <a:noFill/>
           <a:extLst>
             <a:ext uri="{909E8E84-426E-40DD-AFC4-6F175D3DCCD1}">
-              <a14:hiddenFill xmlns:a14="http://schemas.microsoft.com/office/drawing/2010/main">
+              <a14:hiddenFill xmlns:a14="http://schemas.microsoft.com/office/drawing/2010/main" xmlns="">
                 <a:solidFill>
                   <a:srgbClr val="FFFFFF"/>
                 </a:solidFill>
@@ -4304,7 +5009,7 @@
     </p:spTree>
     <p:extLst>
       <p:ext uri="{BB962C8B-B14F-4D97-AF65-F5344CB8AC3E}">
-        <p14:creationId xmlns:p14="http://schemas.microsoft.com/office/powerpoint/2010/main" val="3228266440"/>
+        <p14:creationId xmlns:p14="http://schemas.microsoft.com/office/powerpoint/2010/main" xmlns="" val="3228266440"/>
       </p:ext>
     </p:extLst>
   </p:cSld>
@@ -4414,10 +5119,10 @@
           <p:nvPr/>
         </p:nvPicPr>
         <p:blipFill>
-          <a:blip r:embed="rId3">
+          <a:blip r:embed="rId3" cstate="print">
             <a:extLst>
               <a:ext uri="{28A0092B-C50C-407E-A947-70E740481C1C}">
-                <a14:useLocalDpi xmlns:a14="http://schemas.microsoft.com/office/drawing/2010/main" val="0"/>
+                <a14:useLocalDpi xmlns:a14="http://schemas.microsoft.com/office/drawing/2010/main" xmlns="" val="0"/>
               </a:ext>
             </a:extLst>
           </a:blip>
@@ -4437,7 +5142,7 @@
           <a:noFill/>
           <a:extLst>
             <a:ext uri="{909E8E84-426E-40DD-AFC4-6F175D3DCCD1}">
-              <a14:hiddenFill xmlns:a14="http://schemas.microsoft.com/office/drawing/2010/main">
+              <a14:hiddenFill xmlns:a14="http://schemas.microsoft.com/office/drawing/2010/main" xmlns="">
                 <a:solidFill>
                   <a:srgbClr val="FFFFFF"/>
                 </a:solidFill>
@@ -4504,7 +5209,7 @@
     </p:spTree>
     <p:extLst>
       <p:ext uri="{BB962C8B-B14F-4D97-AF65-F5344CB8AC3E}">
-        <p14:creationId xmlns:p14="http://schemas.microsoft.com/office/powerpoint/2010/main" val="2839063633"/>
+        <p14:creationId xmlns:p14="http://schemas.microsoft.com/office/powerpoint/2010/main" xmlns="" val="2839063633"/>
       </p:ext>
     </p:extLst>
   </p:cSld>
@@ -4621,10 +5326,10 @@
           <p:nvPr/>
         </p:nvPicPr>
         <p:blipFill>
-          <a:blip r:embed="rId2">
+          <a:blip r:embed="rId2" cstate="print">
             <a:extLst>
               <a:ext uri="{28A0092B-C50C-407E-A947-70E740481C1C}">
-                <a14:useLocalDpi xmlns:a14="http://schemas.microsoft.com/office/drawing/2010/main" val="0"/>
+                <a14:useLocalDpi xmlns:a14="http://schemas.microsoft.com/office/drawing/2010/main" xmlns="" val="0"/>
               </a:ext>
             </a:extLst>
           </a:blip>
@@ -4644,7 +5349,7 @@
           <a:noFill/>
           <a:extLst>
             <a:ext uri="{909E8E84-426E-40DD-AFC4-6F175D3DCCD1}">
-              <a14:hiddenFill xmlns:a14="http://schemas.microsoft.com/office/drawing/2010/main">
+              <a14:hiddenFill xmlns:a14="http://schemas.microsoft.com/office/drawing/2010/main" xmlns="">
                 <a:solidFill>
                   <a:srgbClr val="FFFFFF"/>
                 </a:solidFill>
@@ -4692,7 +5397,7 @@
           <p:nvPr/>
         </p:nvPicPr>
         <p:blipFill>
-          <a:blip r:embed="rId3"/>
+          <a:blip r:embed="rId3" cstate="print"/>
           <a:stretch>
             <a:fillRect/>
           </a:stretch>
@@ -4710,7 +5415,7 @@
     </p:spTree>
     <p:extLst>
       <p:ext uri="{BB962C8B-B14F-4D97-AF65-F5344CB8AC3E}">
-        <p14:creationId xmlns:p14="http://schemas.microsoft.com/office/powerpoint/2010/main" val="285087241"/>
+        <p14:creationId xmlns:p14="http://schemas.microsoft.com/office/powerpoint/2010/main" xmlns="" val="285087241"/>
       </p:ext>
     </p:extLst>
   </p:cSld>
@@ -4785,7 +5490,7 @@
         </p:spPr>
         <p:txBody>
           <a:bodyPr>
-            <a:normAutofit fontScale="85000" lnSpcReduction="20000"/>
+            <a:normAutofit fontScale="77500" lnSpcReduction="20000"/>
           </a:bodyPr>
           <a:lstStyle/>
           <a:p>
@@ -4819,7 +5524,11 @@
             </a:r>
             <a:r>
               <a:rPr lang="ko-KR" altLang="en-US" dirty="0" smtClean="0"/>
-              <a:t>을 표현 가능</a:t>
+              <a:t>들을 </a:t>
+            </a:r>
+            <a:r>
+              <a:rPr lang="ko-KR" altLang="en-US" dirty="0" smtClean="0"/>
+              <a:t>표현 가능</a:t>
             </a:r>
             <a:endParaRPr lang="en-US" altLang="ko-KR" dirty="0" smtClean="0"/>
           </a:p>
@@ -4926,7 +5635,7 @@
           <p:nvPr>
             <p:extLst>
               <p:ext uri="{D42A27DB-BD31-4B8C-83A1-F6EECF244321}">
-                <p14:modId xmlns:p14="http://schemas.microsoft.com/office/powerpoint/2010/main" val="733903917"/>
+                <p14:modId xmlns:p14="http://schemas.microsoft.com/office/powerpoint/2010/main" xmlns="" val="733903917"/>
               </p:ext>
             </p:extLst>
           </p:nvPr>
@@ -4945,28 +5654,28 @@
                 <a:gridCol w="1139202">
                   <a:extLst>
                     <a:ext uri="{9D8B030D-6E8A-4147-A177-3AD203B41FA5}">
-                      <a16:colId xmlns:a16="http://schemas.microsoft.com/office/drawing/2014/main" val="3988775074"/>
+                      <a16:colId xmlns:a16="http://schemas.microsoft.com/office/drawing/2014/main" xmlns="" val="3988775074"/>
                     </a:ext>
                   </a:extLst>
                 </a:gridCol>
                 <a:gridCol w="1139202">
                   <a:extLst>
                     <a:ext uri="{9D8B030D-6E8A-4147-A177-3AD203B41FA5}">
-                      <a16:colId xmlns:a16="http://schemas.microsoft.com/office/drawing/2014/main" val="3207087765"/>
+                      <a16:colId xmlns:a16="http://schemas.microsoft.com/office/drawing/2014/main" xmlns="" val="3207087765"/>
                     </a:ext>
                   </a:extLst>
                 </a:gridCol>
                 <a:gridCol w="1139202">
                   <a:extLst>
                     <a:ext uri="{9D8B030D-6E8A-4147-A177-3AD203B41FA5}">
-                      <a16:colId xmlns:a16="http://schemas.microsoft.com/office/drawing/2014/main" val="3047351752"/>
+                      <a16:colId xmlns:a16="http://schemas.microsoft.com/office/drawing/2014/main" xmlns="" val="3047351752"/>
                     </a:ext>
                   </a:extLst>
                 </a:gridCol>
                 <a:gridCol w="1139202">
                   <a:extLst>
                     <a:ext uri="{9D8B030D-6E8A-4147-A177-3AD203B41FA5}">
-                      <a16:colId xmlns:a16="http://schemas.microsoft.com/office/drawing/2014/main" val="1786076702"/>
+                      <a16:colId xmlns:a16="http://schemas.microsoft.com/office/drawing/2014/main" xmlns="" val="1786076702"/>
                     </a:ext>
                   </a:extLst>
                 </a:gridCol>
@@ -5030,7 +5739,7 @@
                 </a:tc>
                 <a:extLst>
                   <a:ext uri="{0D108BD9-81ED-4DB2-BD59-A6C34878D82A}">
-                    <a16:rowId xmlns:a16="http://schemas.microsoft.com/office/drawing/2014/main" val="3534270772"/>
+                    <a16:rowId xmlns:a16="http://schemas.microsoft.com/office/drawing/2014/main" xmlns="" val="3534270772"/>
                   </a:ext>
                 </a:extLst>
               </a:tr>
@@ -5100,7 +5809,7 @@
                 </a:tc>
                 <a:extLst>
                   <a:ext uri="{0D108BD9-81ED-4DB2-BD59-A6C34878D82A}">
-                    <a16:rowId xmlns:a16="http://schemas.microsoft.com/office/drawing/2014/main" val="133497317"/>
+                    <a16:rowId xmlns:a16="http://schemas.microsoft.com/office/drawing/2014/main" xmlns="" val="133497317"/>
                   </a:ext>
                 </a:extLst>
               </a:tr>
@@ -5171,7 +5880,7 @@
                 </a:tc>
                 <a:extLst>
                   <a:ext uri="{0D108BD9-81ED-4DB2-BD59-A6C34878D82A}">
-                    <a16:rowId xmlns:a16="http://schemas.microsoft.com/office/drawing/2014/main" val="2212991647"/>
+                    <a16:rowId xmlns:a16="http://schemas.microsoft.com/office/drawing/2014/main" xmlns="" val="2212991647"/>
                   </a:ext>
                 </a:extLst>
               </a:tr>
@@ -5238,7 +5947,7 @@
                 </a:tc>
                 <a:extLst>
                   <a:ext uri="{0D108BD9-81ED-4DB2-BD59-A6C34878D82A}">
-                    <a16:rowId xmlns:a16="http://schemas.microsoft.com/office/drawing/2014/main" val="172703131"/>
+                    <a16:rowId xmlns:a16="http://schemas.microsoft.com/office/drawing/2014/main" xmlns="" val="172703131"/>
                   </a:ext>
                 </a:extLst>
               </a:tr>
@@ -5701,7 +6410,7 @@
     </p:spTree>
     <p:extLst>
       <p:ext uri="{BB962C8B-B14F-4D97-AF65-F5344CB8AC3E}">
-        <p14:creationId xmlns:p14="http://schemas.microsoft.com/office/powerpoint/2010/main" val="3164408349"/>
+        <p14:creationId xmlns:p14="http://schemas.microsoft.com/office/powerpoint/2010/main" xmlns="" val="3164408349"/>
       </p:ext>
     </p:extLst>
   </p:cSld>
@@ -5802,7 +6511,7 @@
             </a:r>
             <a:r>
               <a:rPr lang="en-US" altLang="ko-KR" dirty="0" smtClean="0"/>
-              <a:t>voting </a:t>
+              <a:t>vote</a:t>
             </a:r>
             <a:r>
               <a:rPr lang="ko-KR" altLang="en-US" dirty="0" smtClean="0"/>
@@ -5897,10 +6606,10 @@
           <p:nvPr/>
         </p:nvPicPr>
         <p:blipFill>
-          <a:blip r:embed="rId2">
+          <a:blip r:embed="rId2" cstate="print">
             <a:extLst>
               <a:ext uri="{28A0092B-C50C-407E-A947-70E740481C1C}">
-                <a14:useLocalDpi xmlns:a14="http://schemas.microsoft.com/office/drawing/2010/main" val="0"/>
+                <a14:useLocalDpi xmlns:a14="http://schemas.microsoft.com/office/drawing/2010/main" xmlns="" val="0"/>
               </a:ext>
             </a:extLst>
           </a:blip>
@@ -5920,7 +6629,7 @@
           <a:noFill/>
           <a:extLst>
             <a:ext uri="{909E8E84-426E-40DD-AFC4-6F175D3DCCD1}">
-              <a14:hiddenFill xmlns:a14="http://schemas.microsoft.com/office/drawing/2010/main">
+              <a14:hiddenFill xmlns:a14="http://schemas.microsoft.com/office/drawing/2010/main" xmlns="">
                 <a:solidFill>
                   <a:srgbClr val="FFFFFF"/>
                 </a:solidFill>
@@ -5932,7 +6641,7 @@
     </p:spTree>
     <p:extLst>
       <p:ext uri="{BB962C8B-B14F-4D97-AF65-F5344CB8AC3E}">
-        <p14:creationId xmlns:p14="http://schemas.microsoft.com/office/powerpoint/2010/main" val="2637086306"/>
+        <p14:creationId xmlns:p14="http://schemas.microsoft.com/office/powerpoint/2010/main" xmlns="" val="2637086306"/>
       </p:ext>
     </p:extLst>
   </p:cSld>
@@ -6001,17 +6710,31 @@
         </p:nvSpPr>
         <p:spPr>
           <a:xfrm>
-            <a:off x="628650" y="5172363"/>
-            <a:ext cx="7886700" cy="1004599"/>
+            <a:off x="628650" y="5050971"/>
+            <a:ext cx="7886700" cy="1125991"/>
           </a:xfrm>
         </p:spPr>
         <p:txBody>
-          <a:bodyPr/>
-          <a:lstStyle/>
-          <a:p>
+          <a:bodyPr>
+            <a:normAutofit/>
+          </a:bodyPr>
+          <a:lstStyle/>
+          <a:p>
+            <a:r>
+              <a:rPr lang="en-US" altLang="ko-KR" dirty="0" smtClean="0"/>
+              <a:t>Binary image</a:t>
+            </a:r>
             <a:r>
               <a:rPr lang="ko-KR" altLang="en-US" dirty="0" smtClean="0"/>
-              <a:t>각 </a:t>
+              <a:t>에서 </a:t>
+            </a:r>
+            <a:r>
+              <a:rPr lang="en-US" altLang="ko-KR" dirty="0" smtClean="0"/>
+              <a:t>1</a:t>
+            </a:r>
+            <a:r>
+              <a:rPr lang="ko-KR" altLang="en-US" dirty="0" smtClean="0"/>
+              <a:t> </a:t>
             </a:r>
             <a:r>
               <a:rPr lang="en-US" altLang="ko-KR" dirty="0" smtClean="0"/>
@@ -6027,29 +6750,13 @@
             </a:r>
             <a:r>
               <a:rPr lang="ko-KR" altLang="en-US" dirty="0" smtClean="0"/>
-              <a:t>을 훑음</a:t>
+              <a:t>을 </a:t>
+            </a:r>
+            <a:r>
+              <a:rPr lang="ko-KR" altLang="en-US" dirty="0" smtClean="0"/>
+              <a:t>훑음</a:t>
             </a:r>
             <a:endParaRPr lang="en-US" altLang="ko-KR" dirty="0" smtClean="0"/>
-          </a:p>
-          <a:p>
-            <a:pPr lvl="1"/>
-            <a:r>
-              <a:rPr lang="ko-KR" altLang="en-US" dirty="0" smtClean="0"/>
-              <a:t>모든 </a:t>
-            </a:r>
-            <a:r>
-              <a:rPr lang="en-US" altLang="ko-KR" dirty="0" smtClean="0"/>
-              <a:t>line</a:t>
-            </a:r>
-            <a:r>
-              <a:rPr lang="ko-KR" altLang="en-US" dirty="0" smtClean="0"/>
-              <a:t>을 훑으면 연산이 많으니까</a:t>
-            </a:r>
-            <a:r>
-              <a:rPr lang="en-US" altLang="ko-KR" dirty="0" smtClean="0"/>
-              <a:t>..</a:t>
-            </a:r>
-            <a:endParaRPr lang="ko-KR" altLang="en-US" dirty="0"/>
           </a:p>
         </p:txBody>
       </p:sp>
@@ -6062,10 +6769,10 @@
           <p:nvPr/>
         </p:nvPicPr>
         <p:blipFill>
-          <a:blip r:embed="rId2">
+          <a:blip r:embed="rId2" cstate="print">
             <a:extLst>
               <a:ext uri="{28A0092B-C50C-407E-A947-70E740481C1C}">
-                <a14:useLocalDpi xmlns:a14="http://schemas.microsoft.com/office/drawing/2010/main" val="0"/>
+                <a14:useLocalDpi xmlns:a14="http://schemas.microsoft.com/office/drawing/2010/main" xmlns="" val="0"/>
               </a:ext>
             </a:extLst>
           </a:blip>
@@ -6085,7 +6792,7 @@
           <a:noFill/>
           <a:extLst>
             <a:ext uri="{909E8E84-426E-40DD-AFC4-6F175D3DCCD1}">
-              <a14:hiddenFill xmlns:a14="http://schemas.microsoft.com/office/drawing/2010/main">
+              <a14:hiddenFill xmlns:a14="http://schemas.microsoft.com/office/drawing/2010/main" xmlns="">
                 <a:solidFill>
                   <a:srgbClr val="FFFFFF"/>
                 </a:solidFill>
@@ -6097,7 +6804,7 @@
     </p:spTree>
     <p:extLst>
       <p:ext uri="{BB962C8B-B14F-4D97-AF65-F5344CB8AC3E}">
-        <p14:creationId xmlns:p14="http://schemas.microsoft.com/office/powerpoint/2010/main" val="2877354479"/>
+        <p14:creationId xmlns:p14="http://schemas.microsoft.com/office/powerpoint/2010/main" xmlns="" val="2877354479"/>
       </p:ext>
     </p:extLst>
   </p:cSld>
@@ -6192,7 +6899,7 @@
     </p:spTree>
     <p:extLst>
       <p:ext uri="{BB962C8B-B14F-4D97-AF65-F5344CB8AC3E}">
-        <p14:creationId xmlns:p14="http://schemas.microsoft.com/office/powerpoint/2010/main" val="3438637767"/>
+        <p14:creationId xmlns:p14="http://schemas.microsoft.com/office/powerpoint/2010/main" xmlns="" val="3438637767"/>
       </p:ext>
     </p:extLst>
   </p:cSld>
@@ -6258,10 +6965,10 @@
           <p:nvPr/>
         </p:nvPicPr>
         <p:blipFill>
-          <a:blip r:embed="rId2">
+          <a:blip r:embed="rId2" cstate="print">
             <a:extLst>
               <a:ext uri="{28A0092B-C50C-407E-A947-70E740481C1C}">
-                <a14:useLocalDpi xmlns:a14="http://schemas.microsoft.com/office/drawing/2010/main" val="0"/>
+                <a14:useLocalDpi xmlns:a14="http://schemas.microsoft.com/office/drawing/2010/main" xmlns="" val="0"/>
               </a:ext>
             </a:extLst>
           </a:blip>
@@ -6281,7 +6988,7 @@
           <a:noFill/>
           <a:extLst>
             <a:ext uri="{909E8E84-426E-40DD-AFC4-6F175D3DCCD1}">
-              <a14:hiddenFill xmlns:a14="http://schemas.microsoft.com/office/drawing/2010/main">
+              <a14:hiddenFill xmlns:a14="http://schemas.microsoft.com/office/drawing/2010/main" xmlns="">
                 <a:solidFill>
                   <a:srgbClr val="FFFFFF"/>
                 </a:solidFill>
@@ -6422,7 +7129,7 @@
     </p:spTree>
     <p:extLst>
       <p:ext uri="{BB962C8B-B14F-4D97-AF65-F5344CB8AC3E}">
-        <p14:creationId xmlns:p14="http://schemas.microsoft.com/office/powerpoint/2010/main" val="3508601607"/>
+        <p14:creationId xmlns:p14="http://schemas.microsoft.com/office/powerpoint/2010/main" xmlns="" val="3508601607"/>
       </p:ext>
     </p:extLst>
   </p:cSld>
@@ -6482,7 +7189,7 @@
     </a:clrScheme>
     <a:fontScheme name="Office">
       <a:majorFont>
-        <a:latin typeface="맑은 고딕" panose="020F0302020204030204"/>
+        <a:latin typeface="맑은 고딕"/>
         <a:ea typeface=""/>
         <a:cs typeface=""/>
         <a:font script="Jpan" typeface="游ゴシック Light"/>
@@ -6517,7 +7224,7 @@
         <a:font script="Geor" typeface="Sylfaen"/>
       </a:majorFont>
       <a:minorFont>
-        <a:latin typeface="맑은 고딕" panose="020F0502020204030204"/>
+        <a:latin typeface="맑은 고딕"/>
         <a:ea typeface=""/>
         <a:cs typeface=""/>
         <a:font script="Jpan" typeface="游ゴシック"/>
@@ -6694,7 +7401,7 @@
   <a:extraClrSchemeLst/>
   <a:extLst>
     <a:ext uri="{05A4C25C-085E-4340-85A3-A5531E510DB2}">
-      <thm15:themeFamily xmlns:thm15="http://schemas.microsoft.com/office/thememl/2012/main" name="Office Theme" id="{62F939B6-93AF-4DB8-9C6B-D6C7DFDC589F}" vid="{4A3C46E8-61CC-4603-A589-7422A47A8E4A}"/>
+      <thm15:themeFamily xmlns:thm15="http://schemas.microsoft.com/office/thememl/2012/main" xmlns="" name="Office Theme" id="{62F939B6-93AF-4DB8-9C6B-D6C7DFDC589F}" vid="{4A3C46E8-61CC-4603-A589-7422A47A8E4A}"/>
     </a:ext>
   </a:extLst>
 </a:theme>
@@ -6743,7 +7450,7 @@
     </a:clrScheme>
     <a:fontScheme name="Office">
       <a:majorFont>
-        <a:latin typeface="맑은 고딕" panose="020F0302020204030204"/>
+        <a:latin typeface="맑은 고딕"/>
         <a:ea typeface=""/>
         <a:cs typeface=""/>
         <a:font script="Jpan" typeface="游ゴシック Light"/>
@@ -6778,7 +7485,7 @@
         <a:font script="Geor" typeface="Sylfaen"/>
       </a:majorFont>
       <a:minorFont>
-        <a:latin typeface="맑은 고딕" panose="020F0502020204030204"/>
+        <a:latin typeface="맑은 고딕"/>
         <a:ea typeface=""/>
         <a:cs typeface=""/>
         <a:font script="Jpan" typeface="游ゴシック"/>
@@ -6955,7 +7662,7 @@
   <a:extraClrSchemeLst/>
   <a:extLst>
     <a:ext uri="{05A4C25C-085E-4340-85A3-A5531E510DB2}">
-      <thm15:themeFamily xmlns:thm15="http://schemas.microsoft.com/office/thememl/2012/main" name="Office Theme" id="{62F939B6-93AF-4DB8-9C6B-D6C7DFDC589F}" vid="{4A3C46E8-61CC-4603-A589-7422A47A8E4A}"/>
+      <thm15:themeFamily xmlns:thm15="http://schemas.microsoft.com/office/thememl/2012/main" xmlns="" name="Office Theme" id="{62F939B6-93AF-4DB8-9C6B-D6C7DFDC589F}" vid="{4A3C46E8-61CC-4603-A589-7422A47A8E4A}"/>
     </a:ext>
   </a:extLst>
 </a:theme>

--- a/hough transform/hough transform ver1.pptx
+++ b/hough transform/hough transform ver1.pptx
@@ -5,7 +5,7 @@
     <p:sldMasterId id="2147483648" r:id="rId1"/>
   </p:sldMasterIdLst>
   <p:notesMasterIdLst>
-    <p:notesMasterId r:id="rId18"/>
+    <p:notesMasterId r:id="rId22"/>
   </p:notesMasterIdLst>
   <p:sldIdLst>
     <p:sldId id="256" r:id="rId2"/>
@@ -15,15 +15,19 @@
     <p:sldId id="260" r:id="rId6"/>
     <p:sldId id="261" r:id="rId7"/>
     <p:sldId id="265" r:id="rId8"/>
-    <p:sldId id="262" r:id="rId9"/>
-    <p:sldId id="263" r:id="rId10"/>
-    <p:sldId id="268" r:id="rId11"/>
-    <p:sldId id="269" r:id="rId12"/>
-    <p:sldId id="266" r:id="rId13"/>
-    <p:sldId id="267" r:id="rId14"/>
-    <p:sldId id="264" r:id="rId15"/>
-    <p:sldId id="270" r:id="rId16"/>
-    <p:sldId id="271" r:id="rId17"/>
+    <p:sldId id="263" r:id="rId9"/>
+    <p:sldId id="262" r:id="rId10"/>
+    <p:sldId id="272" r:id="rId11"/>
+    <p:sldId id="273" r:id="rId12"/>
+    <p:sldId id="268" r:id="rId13"/>
+    <p:sldId id="269" r:id="rId14"/>
+    <p:sldId id="266" r:id="rId15"/>
+    <p:sldId id="274" r:id="rId16"/>
+    <p:sldId id="275" r:id="rId17"/>
+    <p:sldId id="267" r:id="rId18"/>
+    <p:sldId id="264" r:id="rId19"/>
+    <p:sldId id="270" r:id="rId20"/>
+    <p:sldId id="271" r:id="rId21"/>
   </p:sldIdLst>
   <p:sldSz cx="9144000" cy="6858000" type="screen4x3"/>
   <p:notesSz cx="6858000" cy="9144000"/>
@@ -377,7 +381,7 @@
     </p:spTree>
     <p:extLst>
       <p:ext uri="{BB962C8B-B14F-4D97-AF65-F5344CB8AC3E}">
-        <p14:creationId xmlns:p14="http://schemas.microsoft.com/office/powerpoint/2010/main" xmlns="" val="1458759009"/>
+        <p14:creationId xmlns="" xmlns:p14="http://schemas.microsoft.com/office/powerpoint/2010/main" val="1458759009"/>
       </p:ext>
     </p:extLst>
   </p:cSld>
@@ -552,7 +556,7 @@
     </p:spTree>
     <p:extLst>
       <p:ext uri="{BB962C8B-B14F-4D97-AF65-F5344CB8AC3E}">
-        <p14:creationId xmlns:p14="http://schemas.microsoft.com/office/powerpoint/2010/main" xmlns="" val="481486606"/>
+        <p14:creationId xmlns="" xmlns:p14="http://schemas.microsoft.com/office/powerpoint/2010/main" val="481486606"/>
       </p:ext>
     </p:extLst>
   </p:cSld>
@@ -746,7 +750,7 @@
     </p:spTree>
     <p:extLst>
       <p:ext uri="{BB962C8B-B14F-4D97-AF65-F5344CB8AC3E}">
-        <p14:creationId xmlns:p14="http://schemas.microsoft.com/office/powerpoint/2010/main" xmlns="" val="2198731872"/>
+        <p14:creationId xmlns="" xmlns:p14="http://schemas.microsoft.com/office/powerpoint/2010/main" val="2198731872"/>
       </p:ext>
     </p:extLst>
   </p:cSld>
@@ -918,7 +922,7 @@
     </p:spTree>
     <p:extLst>
       <p:ext uri="{BB962C8B-B14F-4D97-AF65-F5344CB8AC3E}">
-        <p14:creationId xmlns:p14="http://schemas.microsoft.com/office/powerpoint/2010/main" xmlns="" val="2471533085"/>
+        <p14:creationId xmlns="" xmlns:p14="http://schemas.microsoft.com/office/powerpoint/2010/main" val="2471533085"/>
       </p:ext>
     </p:extLst>
   </p:cSld>
@@ -1100,7 +1104,7 @@
     </p:spTree>
     <p:extLst>
       <p:ext uri="{BB962C8B-B14F-4D97-AF65-F5344CB8AC3E}">
-        <p14:creationId xmlns:p14="http://schemas.microsoft.com/office/powerpoint/2010/main" xmlns="" val="1613960709"/>
+        <p14:creationId xmlns="" xmlns:p14="http://schemas.microsoft.com/office/powerpoint/2010/main" val="1613960709"/>
       </p:ext>
     </p:extLst>
   </p:cSld>
@@ -1272,7 +1276,7 @@
     </p:spTree>
     <p:extLst>
       <p:ext uri="{BB962C8B-B14F-4D97-AF65-F5344CB8AC3E}">
-        <p14:creationId xmlns:p14="http://schemas.microsoft.com/office/powerpoint/2010/main" xmlns="" val="2237841291"/>
+        <p14:creationId xmlns="" xmlns:p14="http://schemas.microsoft.com/office/powerpoint/2010/main" val="2237841291"/>
       </p:ext>
     </p:extLst>
   </p:cSld>
@@ -1520,7 +1524,7 @@
     </p:spTree>
     <p:extLst>
       <p:ext uri="{BB962C8B-B14F-4D97-AF65-F5344CB8AC3E}">
-        <p14:creationId xmlns:p14="http://schemas.microsoft.com/office/powerpoint/2010/main" xmlns="" val="3294631850"/>
+        <p14:creationId xmlns="" xmlns:p14="http://schemas.microsoft.com/office/powerpoint/2010/main" val="3294631850"/>
       </p:ext>
     </p:extLst>
   </p:cSld>
@@ -1754,7 +1758,7 @@
     </p:spTree>
     <p:extLst>
       <p:ext uri="{BB962C8B-B14F-4D97-AF65-F5344CB8AC3E}">
-        <p14:creationId xmlns:p14="http://schemas.microsoft.com/office/powerpoint/2010/main" xmlns="" val="1410486831"/>
+        <p14:creationId xmlns="" xmlns:p14="http://schemas.microsoft.com/office/powerpoint/2010/main" val="1410486831"/>
       </p:ext>
     </p:extLst>
   </p:cSld>
@@ -2123,7 +2127,7 @@
     </p:spTree>
     <p:extLst>
       <p:ext uri="{BB962C8B-B14F-4D97-AF65-F5344CB8AC3E}">
-        <p14:creationId xmlns:p14="http://schemas.microsoft.com/office/powerpoint/2010/main" xmlns="" val="841733362"/>
+        <p14:creationId xmlns="" xmlns:p14="http://schemas.microsoft.com/office/powerpoint/2010/main" val="841733362"/>
       </p:ext>
     </p:extLst>
   </p:cSld>
@@ -2243,7 +2247,7 @@
     </p:spTree>
     <p:extLst>
       <p:ext uri="{BB962C8B-B14F-4D97-AF65-F5344CB8AC3E}">
-        <p14:creationId xmlns:p14="http://schemas.microsoft.com/office/powerpoint/2010/main" xmlns="" val="2953962516"/>
+        <p14:creationId xmlns="" xmlns:p14="http://schemas.microsoft.com/office/powerpoint/2010/main" val="2953962516"/>
       </p:ext>
     </p:extLst>
   </p:cSld>
@@ -2340,7 +2344,7 @@
     </p:spTree>
     <p:extLst>
       <p:ext uri="{BB962C8B-B14F-4D97-AF65-F5344CB8AC3E}">
-        <p14:creationId xmlns:p14="http://schemas.microsoft.com/office/powerpoint/2010/main" xmlns="" val="294430269"/>
+        <p14:creationId xmlns="" xmlns:p14="http://schemas.microsoft.com/office/powerpoint/2010/main" val="294430269"/>
       </p:ext>
     </p:extLst>
   </p:cSld>
@@ -2619,7 +2623,7 @@
     </p:spTree>
     <p:extLst>
       <p:ext uri="{BB962C8B-B14F-4D97-AF65-F5344CB8AC3E}">
-        <p14:creationId xmlns:p14="http://schemas.microsoft.com/office/powerpoint/2010/main" xmlns="" val="510757519"/>
+        <p14:creationId xmlns="" xmlns:p14="http://schemas.microsoft.com/office/powerpoint/2010/main" val="510757519"/>
       </p:ext>
     </p:extLst>
   </p:cSld>
@@ -2874,7 +2878,7 @@
     </p:spTree>
     <p:extLst>
       <p:ext uri="{BB962C8B-B14F-4D97-AF65-F5344CB8AC3E}">
-        <p14:creationId xmlns:p14="http://schemas.microsoft.com/office/powerpoint/2010/main" xmlns="" val="953964621"/>
+        <p14:creationId xmlns="" xmlns:p14="http://schemas.microsoft.com/office/powerpoint/2010/main" val="953964621"/>
       </p:ext>
     </p:extLst>
   </p:cSld>
@@ -3125,7 +3129,7 @@
     </p:spTree>
     <p:extLst>
       <p:ext uri="{BB962C8B-B14F-4D97-AF65-F5344CB8AC3E}">
-        <p14:creationId xmlns:p14="http://schemas.microsoft.com/office/powerpoint/2010/main" xmlns="" val="2513469507"/>
+        <p14:creationId xmlns="" xmlns:p14="http://schemas.microsoft.com/office/powerpoint/2010/main" val="2513469507"/>
       </p:ext>
     </p:extLst>
   </p:cSld>
@@ -3488,7 +3492,7 @@
     </p:spTree>
     <p:extLst>
       <p:ext uri="{BB962C8B-B14F-4D97-AF65-F5344CB8AC3E}">
-        <p14:creationId xmlns:p14="http://schemas.microsoft.com/office/powerpoint/2010/main" xmlns="" val="2916377460"/>
+        <p14:creationId xmlns="" xmlns:p14="http://schemas.microsoft.com/office/powerpoint/2010/main" val="2916377460"/>
       </p:ext>
     </p:extLst>
   </p:cSld>
@@ -3531,8 +3535,12 @@
           <a:lstStyle/>
           <a:p>
             <a:r>
-              <a:rPr lang="en-US" altLang="ko-KR" dirty="0" smtClean="0"/>
-              <a:t>Probabilistic Hough transform</a:t>
+              <a:rPr lang="ko-KR" altLang="en-US" dirty="0" smtClean="0"/>
+              <a:t>결</a:t>
+            </a:r>
+            <a:r>
+              <a:rPr lang="ko-KR" altLang="en-US" dirty="0" smtClean="0"/>
+              <a:t>과</a:t>
             </a:r>
             <a:endParaRPr lang="ko-KR" altLang="en-US" dirty="0"/>
           </a:p>
@@ -3547,163 +3555,247 @@
           <p:nvPr>
             <p:ph idx="1"/>
           </p:nvPr>
-        </p:nvSpPr>
-        <p:spPr/>
-        <p:txBody>
-          <a:bodyPr/>
-          <a:lstStyle/>
-          <a:p>
-            <a:r>
-              <a:rPr lang="en-US" altLang="ko-KR" dirty="0" smtClean="0"/>
-              <a:t>Original </a:t>
-            </a:r>
-            <a:r>
-              <a:rPr lang="en-US" altLang="ko-KR" dirty="0" err="1" smtClean="0"/>
-              <a:t>hough</a:t>
-            </a:r>
-            <a:r>
-              <a:rPr lang="en-US" altLang="ko-KR" dirty="0" smtClean="0"/>
-              <a:t> : </a:t>
-            </a:r>
-            <a:r>
-              <a:rPr lang="ko-KR" altLang="en-US" dirty="0" smtClean="0"/>
-              <a:t>시간이 </a:t>
-            </a:r>
-            <a:r>
-              <a:rPr lang="ko-KR" altLang="en-US" dirty="0" smtClean="0"/>
-              <a:t>오래 걸림 </a:t>
-            </a:r>
-            <a:endParaRPr lang="en-US" altLang="ko-KR" dirty="0" smtClean="0"/>
-          </a:p>
-          <a:p>
-            <a:r>
-              <a:rPr lang="en-US" altLang="ko-KR" dirty="0" smtClean="0"/>
-              <a:t>-&gt; probabilistic Hough transform</a:t>
-            </a:r>
-            <a:endParaRPr lang="en-US" altLang="ko-KR" dirty="0"/>
-          </a:p>
-          <a:p>
-            <a:r>
-              <a:rPr lang="en-US" altLang="ko-KR" dirty="0" smtClean="0"/>
-              <a:t>Input image</a:t>
-            </a:r>
-            <a:r>
-              <a:rPr lang="ko-KR" altLang="en-US" dirty="0" smtClean="0"/>
-              <a:t>의 전체가 아니라 일부 </a:t>
-            </a:r>
-            <a:r>
-              <a:rPr lang="en-US" altLang="ko-KR" dirty="0" smtClean="0"/>
-              <a:t>pixel</a:t>
-            </a:r>
-            <a:r>
-              <a:rPr lang="ko-KR" altLang="en-US" dirty="0" smtClean="0"/>
-              <a:t>만 이용하여 </a:t>
-            </a:r>
-            <a:r>
-              <a:rPr lang="en-US" altLang="ko-KR" dirty="0" smtClean="0"/>
-              <a:t>Hough transform</a:t>
-            </a:r>
-            <a:r>
-              <a:rPr lang="ko-KR" altLang="en-US" dirty="0" smtClean="0"/>
-              <a:t>을 진행</a:t>
-            </a:r>
-            <a:endParaRPr lang="en-US" altLang="ko-KR" dirty="0" smtClean="0"/>
-          </a:p>
-          <a:p>
-            <a:pPr lvl="1"/>
-            <a:r>
-              <a:rPr lang="en-US" altLang="ko-KR" dirty="0" smtClean="0"/>
-              <a:t>5~15%</a:t>
-            </a:r>
-            <a:r>
-              <a:rPr lang="ko-KR" altLang="en-US" dirty="0" smtClean="0"/>
-              <a:t>면 충분하다 하는데</a:t>
-            </a:r>
-            <a:r>
-              <a:rPr lang="en-US" altLang="ko-KR" dirty="0" smtClean="0"/>
-              <a:t>.. 20% </a:t>
-            </a:r>
-            <a:r>
-              <a:rPr lang="ko-KR" altLang="en-US" dirty="0" smtClean="0"/>
-              <a:t>사용</a:t>
-            </a:r>
-            <a:r>
-              <a:rPr lang="en-US" altLang="ko-KR" dirty="0" smtClean="0"/>
-              <a:t>?</a:t>
-            </a:r>
-          </a:p>
-          <a:p>
-            <a:endParaRPr lang="en-US" altLang="ko-KR" dirty="0"/>
-          </a:p>
-          <a:p>
-            <a:r>
-              <a:rPr lang="en-US" altLang="ko-KR" dirty="0" err="1" smtClean="0"/>
-              <a:t>OpenCV</a:t>
-            </a:r>
-            <a:r>
-              <a:rPr lang="ko-KR" altLang="en-US" dirty="0" smtClean="0"/>
-              <a:t>의 경우 논문 참고 </a:t>
-            </a:r>
-            <a:r>
-              <a:rPr lang="en-US" altLang="ko-KR" dirty="0" smtClean="0"/>
-              <a:t>-  </a:t>
-            </a:r>
-            <a:r>
-              <a:rPr lang="en-US" altLang="ko-KR" dirty="0"/>
-              <a:t>Robust Detection of Lines Using the Progressive Probabilistic Hough Transform</a:t>
-            </a:r>
-          </a:p>
-          <a:p>
-            <a:endParaRPr lang="en-US" altLang="ko-KR" dirty="0" smtClean="0"/>
-          </a:p>
-        </p:txBody>
-      </p:sp>
-      <p:sp>
-        <p:nvSpPr>
-          <p:cNvPr id="4" name="직사각형 3"/>
-          <p:cNvSpPr/>
-          <p:nvPr/>
         </p:nvSpPr>
         <p:spPr>
           <a:xfrm>
-            <a:off x="3383280" y="6080683"/>
-            <a:ext cx="4572000" cy="292388"/>
+            <a:off x="628650" y="4920343"/>
+            <a:ext cx="7886700" cy="1256620"/>
+          </a:xfrm>
+        </p:spPr>
+        <p:txBody>
+          <a:bodyPr>
+            <a:normAutofit fontScale="92500" lnSpcReduction="20000"/>
+          </a:bodyPr>
+          <a:lstStyle/>
+          <a:p>
+            <a:r>
+              <a:rPr lang="en-US" altLang="ko-KR" dirty="0" smtClean="0"/>
+              <a:t>R, theta</a:t>
+            </a:r>
+            <a:r>
+              <a:rPr lang="ko-KR" altLang="en-US" dirty="0" smtClean="0"/>
+              <a:t>값만 알 수 있음</a:t>
+            </a:r>
+            <a:r>
+              <a:rPr lang="en-US" altLang="ko-KR" dirty="0" smtClean="0"/>
+              <a:t>. </a:t>
+            </a:r>
+          </a:p>
+          <a:p>
+            <a:r>
+              <a:rPr lang="en-US" altLang="ko-KR" dirty="0" smtClean="0"/>
+              <a:t>Detect</a:t>
+            </a:r>
+            <a:r>
+              <a:rPr lang="ko-KR" altLang="en-US" dirty="0" smtClean="0"/>
+              <a:t>된 </a:t>
+            </a:r>
+            <a:r>
+              <a:rPr lang="en-US" altLang="ko-KR" dirty="0" smtClean="0"/>
+              <a:t>line</a:t>
+            </a:r>
+            <a:r>
+              <a:rPr lang="ko-KR" altLang="en-US" dirty="0" smtClean="0"/>
+              <a:t>은 </a:t>
+            </a:r>
+            <a:r>
+              <a:rPr lang="en-US" altLang="ko-KR" dirty="0" smtClean="0"/>
+              <a:t>image </a:t>
+            </a:r>
+            <a:r>
+              <a:rPr lang="ko-KR" altLang="en-US" dirty="0" smtClean="0"/>
+              <a:t>전체를 관통함</a:t>
+            </a:r>
+            <a:r>
+              <a:rPr lang="en-US" altLang="ko-KR" dirty="0" smtClean="0"/>
+              <a:t>..</a:t>
+            </a:r>
+          </a:p>
+          <a:p>
+            <a:r>
+              <a:rPr lang="en-US" altLang="ko-KR" dirty="0" smtClean="0"/>
+              <a:t>Parameter </a:t>
+            </a:r>
+            <a:r>
+              <a:rPr lang="ko-KR" altLang="en-US" dirty="0" smtClean="0"/>
+              <a:t>잡기가 매우 어려움</a:t>
+            </a:r>
+            <a:r>
+              <a:rPr lang="en-US" altLang="ko-KR" dirty="0" smtClean="0"/>
+              <a:t>..</a:t>
+            </a:r>
+            <a:endParaRPr lang="ko-KR" altLang="en-US" dirty="0"/>
+          </a:p>
+        </p:txBody>
+      </p:sp>
+      <p:pic>
+        <p:nvPicPr>
+          <p:cNvPr id="4" name="Picture 2" descr="Hough Transform Line Detection"/>
+          <p:cNvPicPr>
+            <a:picLocks noChangeAspect="1" noChangeArrowheads="1"/>
+          </p:cNvPicPr>
+          <p:nvPr/>
+        </p:nvPicPr>
+        <p:blipFill>
+          <a:blip r:embed="rId2" cstate="print">
+            <a:extLst>
+              <a:ext uri="{28A0092B-C50C-407E-A947-70E740481C1C}">
+                <a14:useLocalDpi xmlns="" xmlns:a14="http://schemas.microsoft.com/office/drawing/2010/main" val="0"/>
+              </a:ext>
+            </a:extLst>
+          </a:blip>
+          <a:srcRect/>
+          <a:stretch>
+            <a:fillRect/>
+          </a:stretch>
+        </p:blipFill>
+        <p:spPr bwMode="auto">
+          <a:xfrm>
+            <a:off x="1089463" y="1513908"/>
+            <a:ext cx="2738096" cy="2762435"/>
           </a:xfrm>
           <a:prstGeom prst="rect">
             <a:avLst/>
           </a:prstGeom>
+          <a:noFill/>
+          <a:extLst>
+            <a:ext uri="{909E8E84-426E-40DD-AFC4-6F175D3DCCD1}">
+              <a14:hiddenFill xmlns="" xmlns:a14="http://schemas.microsoft.com/office/drawing/2010/main">
+                <a:solidFill>
+                  <a:srgbClr val="FFFFFF"/>
+                </a:solidFill>
+              </a14:hiddenFill>
+            </a:ext>
+          </a:extLst>
         </p:spPr>
-        <p:txBody>
-          <a:bodyPr>
+      </p:pic>
+      <p:pic>
+        <p:nvPicPr>
+          <p:cNvPr id="1026" name="Picture 2"/>
+          <p:cNvPicPr>
+            <a:picLocks noChangeAspect="1" noChangeArrowheads="1"/>
+          </p:cNvPicPr>
+          <p:nvPr/>
+        </p:nvPicPr>
+        <p:blipFill>
+          <a:blip r:embed="rId3" cstate="print"/>
+          <a:srcRect/>
+          <a:stretch>
+            <a:fillRect/>
+          </a:stretch>
+        </p:blipFill>
+        <p:spPr bwMode="auto">
+          <a:xfrm>
+            <a:off x="3883206" y="1178728"/>
+            <a:ext cx="5260794" cy="3513832"/>
+          </a:xfrm>
+          <a:prstGeom prst="rect">
+            <a:avLst/>
+          </a:prstGeom>
+          <a:noFill/>
+          <a:ln w="9525">
+            <a:noFill/>
+            <a:miter lim="800000"/>
+            <a:headEnd/>
+            <a:tailEnd/>
+          </a:ln>
+        </p:spPr>
+      </p:pic>
+      <p:sp>
+        <p:nvSpPr>
+          <p:cNvPr id="6" name="TextBox 5"/>
+          <p:cNvSpPr txBox="1"/>
+          <p:nvPr/>
+        </p:nvSpPr>
+        <p:spPr>
+          <a:xfrm>
+            <a:off x="4099561" y="931817"/>
+            <a:ext cx="2048690" cy="369332"/>
+          </a:xfrm>
+          <a:prstGeom prst="rect">
+            <a:avLst/>
+          </a:prstGeom>
+          <a:noFill/>
+        </p:spPr>
+        <p:txBody>
+          <a:bodyPr wrap="square" rtlCol="0">
             <a:spAutoFit/>
           </a:bodyPr>
           <a:lstStyle/>
           <a:p>
             <a:r>
-              <a:rPr lang="ko-KR" altLang="en-US" sz="1300" dirty="0" smtClean="0"/>
-              <a:t>http://phdfb1.free.fr/robot/mscthesis/node14.html</a:t>
-            </a:r>
-            <a:endParaRPr lang="ko-KR" altLang="en-US" sz="1300" dirty="0"/>
+              <a:rPr lang="en-US" altLang="ko-KR" dirty="0" smtClean="0"/>
+              <a:t>Original - gray</a:t>
+            </a:r>
+            <a:endParaRPr lang="ko-KR" altLang="en-US" dirty="0"/>
+          </a:p>
+        </p:txBody>
+      </p:sp>
+      <p:sp>
+        <p:nvSpPr>
+          <p:cNvPr id="7" name="TextBox 6"/>
+          <p:cNvSpPr txBox="1"/>
+          <p:nvPr/>
+        </p:nvSpPr>
+        <p:spPr>
+          <a:xfrm>
+            <a:off x="6751321" y="910045"/>
+            <a:ext cx="1691639" cy="369332"/>
+          </a:xfrm>
+          <a:prstGeom prst="rect">
+            <a:avLst/>
+          </a:prstGeom>
+          <a:noFill/>
+        </p:spPr>
+        <p:txBody>
+          <a:bodyPr wrap="square" rtlCol="0">
+            <a:spAutoFit/>
+          </a:bodyPr>
+          <a:lstStyle/>
+          <a:p>
+            <a:r>
+              <a:rPr lang="en-US" altLang="ko-KR" dirty="0" smtClean="0"/>
+              <a:t>Canny </a:t>
+            </a:r>
+            <a:endParaRPr lang="ko-KR" altLang="en-US" dirty="0"/>
+          </a:p>
+        </p:txBody>
+      </p:sp>
+      <p:sp>
+        <p:nvSpPr>
+          <p:cNvPr id="8" name="TextBox 7"/>
+          <p:cNvSpPr txBox="1"/>
+          <p:nvPr/>
+        </p:nvSpPr>
+        <p:spPr>
+          <a:xfrm>
+            <a:off x="4093029" y="2612571"/>
+            <a:ext cx="1604285" cy="369332"/>
+          </a:xfrm>
+          <a:prstGeom prst="rect">
+            <a:avLst/>
+          </a:prstGeom>
+          <a:noFill/>
+        </p:spPr>
+        <p:txBody>
+          <a:bodyPr wrap="none" rtlCol="0">
+            <a:spAutoFit/>
+          </a:bodyPr>
+          <a:lstStyle/>
+          <a:p>
+            <a:r>
+              <a:rPr lang="en-US" altLang="ko-KR" dirty="0" smtClean="0"/>
+              <a:t>Line detected</a:t>
+            </a:r>
+            <a:endParaRPr lang="ko-KR" altLang="en-US" dirty="0"/>
           </a:p>
         </p:txBody>
       </p:sp>
     </p:spTree>
-    <p:extLst>
-      <p:ext uri="{BB962C8B-B14F-4D97-AF65-F5344CB8AC3E}">
-        <p14:creationId xmlns:p14="http://schemas.microsoft.com/office/powerpoint/2010/main" xmlns="" val="1091594488"/>
-      </p:ext>
-    </p:extLst>
   </p:cSld>
   <p:clrMapOvr>
     <a:masterClrMapping/>
   </p:clrMapOvr>
-  <p:timing>
-    <p:tnLst>
-      <p:par>
-        <p:cTn id="1" dur="indefinite" restart="never" nodeType="tmRoot"/>
-      </p:par>
-    </p:tnLst>
-  </p:timing>
 </p:sld>
 </file>
 
@@ -3739,10 +3831,6 @@
           <a:bodyPr/>
           <a:lstStyle/>
           <a:p>
-            <a:r>
-              <a:rPr lang="en-US" altLang="ko-KR" dirty="0" smtClean="0"/>
-              <a:t>Algorithm</a:t>
-            </a:r>
             <a:endParaRPr lang="ko-KR" altLang="en-US" dirty="0"/>
           </a:p>
         </p:txBody>
@@ -3759,236 +3847,10 @@
         </p:nvSpPr>
         <p:spPr/>
         <p:txBody>
-          <a:bodyPr>
-            <a:normAutofit fontScale="77500" lnSpcReduction="20000"/>
-          </a:bodyPr>
-          <a:lstStyle/>
-          <a:p>
-            <a:r>
-              <a:rPr lang="en-US" altLang="ko-KR" dirty="0" smtClean="0"/>
-              <a:t>Input check, </a:t>
-            </a:r>
-            <a:r>
-              <a:rPr lang="ko-KR" altLang="en-US" dirty="0" smtClean="0"/>
-              <a:t>비어있으면 끝</a:t>
-            </a:r>
-            <a:endParaRPr lang="en-US" altLang="ko-KR" dirty="0" smtClean="0"/>
-          </a:p>
-          <a:p>
-            <a:r>
-              <a:rPr lang="en-US" altLang="ko-KR" dirty="0" smtClean="0"/>
-              <a:t>1</a:t>
-            </a:r>
-            <a:r>
-              <a:rPr lang="ko-KR" altLang="en-US" dirty="0" smtClean="0"/>
-              <a:t>개 </a:t>
-            </a:r>
-            <a:r>
-              <a:rPr lang="en-US" altLang="ko-KR" dirty="0" smtClean="0"/>
-              <a:t>pixel</a:t>
-            </a:r>
-            <a:r>
-              <a:rPr lang="ko-KR" altLang="en-US" dirty="0" smtClean="0"/>
-              <a:t> </a:t>
-            </a:r>
-            <a:r>
-              <a:rPr lang="ko-KR" altLang="en-US" dirty="0" smtClean="0"/>
-              <a:t>선택</a:t>
-            </a:r>
-            <a:r>
-              <a:rPr lang="en-US" altLang="ko-KR" dirty="0" smtClean="0"/>
-              <a:t>, </a:t>
-            </a:r>
-            <a:r>
-              <a:rPr lang="en-US" altLang="ko-KR" dirty="0" err="1" smtClean="0"/>
-              <a:t>hough</a:t>
-            </a:r>
-            <a:r>
-              <a:rPr lang="en-US" altLang="ko-KR" dirty="0" smtClean="0"/>
-              <a:t> </a:t>
-            </a:r>
-            <a:r>
-              <a:rPr lang="ko-KR" altLang="en-US" dirty="0" smtClean="0"/>
-              <a:t>실행</a:t>
-            </a:r>
-            <a:endParaRPr lang="en-US" altLang="ko-KR" dirty="0" smtClean="0"/>
-          </a:p>
-          <a:p>
-            <a:r>
-              <a:rPr lang="ko-KR" altLang="en-US" dirty="0" smtClean="0"/>
-              <a:t>해당 </a:t>
-            </a:r>
-            <a:r>
-              <a:rPr lang="en-US" altLang="ko-KR" dirty="0" smtClean="0"/>
-              <a:t>pixel </a:t>
-            </a:r>
-            <a:r>
-              <a:rPr lang="ko-KR" altLang="en-US" dirty="0" smtClean="0"/>
-              <a:t>제거</a:t>
-            </a:r>
-            <a:endParaRPr lang="en-US" altLang="ko-KR" dirty="0" smtClean="0"/>
-          </a:p>
-          <a:p>
-            <a:r>
-              <a:rPr lang="en-US" altLang="ko-KR" dirty="0" smtClean="0"/>
-              <a:t>Hough space</a:t>
-            </a:r>
-            <a:r>
-              <a:rPr lang="ko-KR" altLang="en-US" dirty="0" smtClean="0"/>
-              <a:t>에서 새 </a:t>
-            </a:r>
-            <a:r>
-              <a:rPr lang="en-US" altLang="ko-KR" dirty="0" smtClean="0"/>
-              <a:t>pixel</a:t>
-            </a:r>
-            <a:r>
-              <a:rPr lang="ko-KR" altLang="en-US" dirty="0" smtClean="0"/>
-              <a:t>에 의해 변경된 값들 중 </a:t>
-            </a:r>
-            <a:r>
-              <a:rPr lang="en-US" altLang="ko-KR" dirty="0" smtClean="0"/>
-              <a:t>highest peak</a:t>
-            </a:r>
-            <a:r>
-              <a:rPr lang="ko-KR" altLang="en-US" dirty="0" smtClean="0"/>
-              <a:t>이 </a:t>
-            </a:r>
-            <a:r>
-              <a:rPr lang="en-US" altLang="ko-KR" dirty="0" smtClean="0"/>
-              <a:t>threshold</a:t>
-            </a:r>
-            <a:r>
-              <a:rPr lang="ko-KR" altLang="en-US" dirty="0" smtClean="0"/>
-              <a:t>보다 큰지 확인</a:t>
-            </a:r>
-            <a:r>
-              <a:rPr lang="en-US" altLang="ko-KR" dirty="0" smtClean="0"/>
-              <a:t>. </a:t>
-            </a:r>
-            <a:endParaRPr lang="en-US" altLang="ko-KR" dirty="0" smtClean="0"/>
-          </a:p>
-          <a:p>
-            <a:pPr lvl="1"/>
-            <a:r>
-              <a:rPr lang="ko-KR" altLang="en-US" dirty="0" err="1" smtClean="0"/>
-              <a:t>안그러면</a:t>
-            </a:r>
-            <a:r>
-              <a:rPr lang="ko-KR" altLang="en-US" dirty="0" smtClean="0"/>
-              <a:t> </a:t>
-            </a:r>
-            <a:r>
-              <a:rPr lang="en-US" altLang="ko-KR" dirty="0" smtClean="0"/>
-              <a:t>1</a:t>
-            </a:r>
-            <a:r>
-              <a:rPr lang="ko-KR" altLang="en-US" dirty="0" smtClean="0"/>
-              <a:t>로 되돌아감</a:t>
-            </a:r>
-            <a:r>
-              <a:rPr lang="en-US" altLang="ko-KR" dirty="0" smtClean="0"/>
-              <a:t>. </a:t>
-            </a:r>
-          </a:p>
-          <a:p>
-            <a:r>
-              <a:rPr lang="ko-KR" altLang="en-US" dirty="0" smtClean="0"/>
-              <a:t>위의 </a:t>
-            </a:r>
-            <a:r>
-              <a:rPr lang="en-US" altLang="ko-KR" dirty="0" smtClean="0"/>
-              <a:t>line</a:t>
-            </a:r>
-            <a:r>
-              <a:rPr lang="ko-KR" altLang="en-US" dirty="0" smtClean="0"/>
-              <a:t>에서 가장 긴 </a:t>
-            </a:r>
-            <a:r>
-              <a:rPr lang="en-US" altLang="ko-KR" dirty="0" smtClean="0"/>
-              <a:t>segment </a:t>
-            </a:r>
-            <a:r>
-              <a:rPr lang="ko-KR" altLang="en-US" dirty="0" smtClean="0"/>
-              <a:t>찾음</a:t>
-            </a:r>
-            <a:r>
-              <a:rPr lang="en-US" altLang="ko-KR" dirty="0" smtClean="0"/>
-              <a:t>. </a:t>
-            </a:r>
-          </a:p>
-          <a:p>
-            <a:r>
-              <a:rPr lang="en-US" altLang="ko-KR" dirty="0" smtClean="0"/>
-              <a:t>Input image</a:t>
-            </a:r>
-            <a:r>
-              <a:rPr lang="ko-KR" altLang="en-US" dirty="0" smtClean="0"/>
-              <a:t>에서 </a:t>
-            </a:r>
-            <a:r>
-              <a:rPr lang="en-US" altLang="ko-KR" dirty="0" smtClean="0"/>
-              <a:t>pixel </a:t>
-            </a:r>
-            <a:r>
-              <a:rPr lang="ko-KR" altLang="en-US" dirty="0" smtClean="0"/>
-              <a:t>제거</a:t>
-            </a:r>
-            <a:endParaRPr lang="en-US" altLang="ko-KR" dirty="0" smtClean="0"/>
-          </a:p>
-          <a:p>
-            <a:r>
-              <a:rPr lang="en-US" altLang="ko-KR" dirty="0" smtClean="0"/>
-              <a:t>‘</a:t>
-            </a:r>
-            <a:r>
-              <a:rPr lang="en-US" altLang="ko-KR" dirty="0" err="1" smtClean="0"/>
-              <a:t>Unvote</a:t>
-            </a:r>
-            <a:r>
-              <a:rPr lang="en-US" altLang="ko-KR" dirty="0" smtClean="0"/>
-              <a:t>’ from the accumulator all the pixels from the line that have previously voted</a:t>
-            </a:r>
-          </a:p>
-          <a:p>
-            <a:r>
-              <a:rPr lang="en-US" altLang="ko-KR" dirty="0" smtClean="0"/>
-              <a:t>Line segment</a:t>
-            </a:r>
-            <a:r>
-              <a:rPr lang="ko-KR" altLang="en-US" dirty="0" smtClean="0"/>
-              <a:t>가 </a:t>
-            </a:r>
-            <a:r>
-              <a:rPr lang="en-US" altLang="ko-KR" dirty="0" smtClean="0"/>
-              <a:t>minimum length</a:t>
-            </a:r>
-            <a:r>
-              <a:rPr lang="ko-KR" altLang="en-US" dirty="0" smtClean="0"/>
-              <a:t>보다 작으면 </a:t>
-            </a:r>
-            <a:r>
-              <a:rPr lang="en-US" altLang="ko-KR" dirty="0" smtClean="0"/>
-              <a:t>output list</a:t>
-            </a:r>
-            <a:r>
-              <a:rPr lang="ko-KR" altLang="en-US" dirty="0" smtClean="0"/>
-              <a:t>에 넣기</a:t>
-            </a:r>
-            <a:endParaRPr lang="en-US" altLang="ko-KR" dirty="0" smtClean="0"/>
-          </a:p>
-          <a:p>
-            <a:r>
-              <a:rPr lang="en-US" altLang="ko-KR" dirty="0" smtClean="0"/>
-              <a:t>1</a:t>
-            </a:r>
-            <a:r>
-              <a:rPr lang="ko-KR" altLang="en-US" dirty="0" smtClean="0"/>
-              <a:t>로 감</a:t>
-            </a:r>
-            <a:r>
-              <a:rPr lang="en-US" altLang="ko-KR" dirty="0" smtClean="0"/>
-              <a:t>. </a:t>
-            </a:r>
+          <a:bodyPr/>
+          <a:lstStyle/>
+          <a:p>
+            <a:endParaRPr lang="ko-KR" altLang="en-US"/>
           </a:p>
         </p:txBody>
       </p:sp>
@@ -4034,7 +3896,7 @@
           <a:p>
             <a:r>
               <a:rPr lang="en-US" altLang="ko-KR" dirty="0" smtClean="0"/>
-              <a:t>Hough Line transform</a:t>
+              <a:t>Probabilistic Hough transform</a:t>
             </a:r>
             <a:endParaRPr lang="ko-KR" altLang="en-US" dirty="0"/>
           </a:p>
@@ -4052,93 +3914,12 @@
         </p:nvSpPr>
         <p:spPr/>
         <p:txBody>
-          <a:bodyPr>
-            <a:normAutofit fontScale="85000" lnSpcReduction="20000"/>
-          </a:bodyPr>
-          <a:lstStyle/>
-          <a:p>
-            <a:r>
-              <a:rPr lang="en-US" altLang="ko-KR" dirty="0" smtClean="0"/>
-              <a:t>Python: cv2.HoughLines(image, rho, theta, threshold[, lines[, </a:t>
-            </a:r>
-            <a:r>
-              <a:rPr lang="en-US" altLang="ko-KR" dirty="0" err="1" smtClean="0"/>
-              <a:t>srn</a:t>
-            </a:r>
-            <a:r>
-              <a:rPr lang="en-US" altLang="ko-KR" dirty="0" smtClean="0"/>
-              <a:t>[, </a:t>
-            </a:r>
-            <a:r>
-              <a:rPr lang="en-US" altLang="ko-KR" dirty="0" err="1" smtClean="0"/>
-              <a:t>stn</a:t>
-            </a:r>
-            <a:r>
-              <a:rPr lang="en-US" altLang="ko-KR" dirty="0" smtClean="0"/>
-              <a:t>[, </a:t>
-            </a:r>
-            <a:r>
-              <a:rPr lang="en-US" altLang="ko-KR" dirty="0" err="1" smtClean="0"/>
-              <a:t>min_theta</a:t>
-            </a:r>
-            <a:r>
-              <a:rPr lang="en-US" altLang="ko-KR" dirty="0" smtClean="0"/>
-              <a:t>[, </a:t>
-            </a:r>
-            <a:r>
-              <a:rPr lang="en-US" altLang="ko-KR" dirty="0" err="1" smtClean="0"/>
-              <a:t>max_theta</a:t>
-            </a:r>
-            <a:r>
-              <a:rPr lang="en-US" altLang="ko-KR" dirty="0" smtClean="0"/>
-              <a:t>]]]]]) → lines</a:t>
-            </a:r>
-          </a:p>
-          <a:p>
-            <a:pPr lvl="1"/>
-            <a:r>
-              <a:rPr lang="en-US" altLang="ko-KR" dirty="0" smtClean="0"/>
-              <a:t>Image : 8bit, single channel binary</a:t>
-            </a:r>
-          </a:p>
-          <a:p>
-            <a:pPr lvl="1"/>
-            <a:r>
-              <a:rPr lang="en-US" altLang="ko-KR" dirty="0" smtClean="0"/>
-              <a:t>Lines : output vector of lines (rho, theta)</a:t>
-            </a:r>
-          </a:p>
-          <a:p>
-            <a:pPr lvl="1"/>
-            <a:r>
-              <a:rPr lang="en-US" altLang="ko-KR" dirty="0" smtClean="0"/>
-              <a:t>Rho : distance resolution in pixels</a:t>
-            </a:r>
-          </a:p>
-          <a:p>
-            <a:pPr lvl="1"/>
-            <a:r>
-              <a:rPr lang="en-US" altLang="ko-KR" dirty="0" smtClean="0"/>
-              <a:t>Theta : angle resolution</a:t>
-            </a:r>
-            <a:r>
-              <a:rPr lang="en-US" altLang="ko-KR" dirty="0"/>
-              <a:t> </a:t>
-            </a:r>
-            <a:r>
-              <a:rPr lang="en-US" altLang="ko-KR" dirty="0" smtClean="0"/>
-              <a:t>in radian</a:t>
-            </a:r>
-          </a:p>
-          <a:p>
-            <a:pPr lvl="1"/>
-            <a:r>
-              <a:rPr lang="en-US" altLang="ko-KR" dirty="0" err="1" smtClean="0"/>
-              <a:t>Srn</a:t>
-            </a:r>
-            <a:r>
-              <a:rPr lang="en-US" altLang="ko-KR" dirty="0" smtClean="0"/>
-              <a:t> : for the multi-scale </a:t>
+          <a:bodyPr/>
+          <a:lstStyle/>
+          <a:p>
+            <a:r>
+              <a:rPr lang="en-US" altLang="ko-KR" dirty="0" smtClean="0"/>
+              <a:t>Original </a:t>
             </a:r>
             <a:r>
               <a:rPr lang="en-US" altLang="ko-KR" dirty="0" err="1" smtClean="0"/>
@@ -4146,86 +3927,130 @@
             </a:r>
             <a:r>
               <a:rPr lang="en-US" altLang="ko-KR" dirty="0" smtClean="0"/>
-              <a:t> transform</a:t>
-            </a:r>
+              <a:t> : </a:t>
+            </a:r>
+            <a:r>
+              <a:rPr lang="ko-KR" altLang="en-US" dirty="0" smtClean="0"/>
+              <a:t>시간이 오래 걸림 </a:t>
+            </a:r>
+            <a:endParaRPr lang="en-US" altLang="ko-KR" dirty="0" smtClean="0"/>
+          </a:p>
+          <a:p>
+            <a:r>
+              <a:rPr lang="en-US" altLang="ko-KR" dirty="0" smtClean="0"/>
+              <a:t>-&gt; probabilistic Hough transform</a:t>
+            </a:r>
+            <a:endParaRPr lang="en-US" altLang="ko-KR" dirty="0"/>
+          </a:p>
+          <a:p>
+            <a:r>
+              <a:rPr lang="en-US" altLang="ko-KR" dirty="0" smtClean="0"/>
+              <a:t>Input image</a:t>
+            </a:r>
+            <a:r>
+              <a:rPr lang="ko-KR" altLang="en-US" dirty="0" smtClean="0"/>
+              <a:t>의 전체가 아니라 일부 </a:t>
+            </a:r>
+            <a:r>
+              <a:rPr lang="en-US" altLang="ko-KR" dirty="0" smtClean="0"/>
+              <a:t>pixel</a:t>
+            </a:r>
+            <a:r>
+              <a:rPr lang="ko-KR" altLang="en-US" dirty="0" smtClean="0"/>
+              <a:t>만 이용하여 </a:t>
+            </a:r>
+            <a:r>
+              <a:rPr lang="en-US" altLang="ko-KR" dirty="0" smtClean="0"/>
+              <a:t>Hough transform</a:t>
+            </a:r>
+            <a:r>
+              <a:rPr lang="ko-KR" altLang="en-US" dirty="0" smtClean="0"/>
+              <a:t>을 진행</a:t>
+            </a:r>
+            <a:endParaRPr lang="en-US" altLang="ko-KR" dirty="0" smtClean="0"/>
           </a:p>
           <a:p>
             <a:pPr lvl="1"/>
             <a:r>
+              <a:rPr lang="en-US" altLang="ko-KR" dirty="0" smtClean="0"/>
+              <a:t>5~15%</a:t>
+            </a:r>
+            <a:r>
+              <a:rPr lang="ko-KR" altLang="en-US" dirty="0" smtClean="0"/>
+              <a:t>면 충분하다 하는데</a:t>
+            </a:r>
+            <a:r>
+              <a:rPr lang="en-US" altLang="ko-KR" dirty="0" smtClean="0"/>
+              <a:t>.. 20% </a:t>
+            </a:r>
+            <a:r>
+              <a:rPr lang="ko-KR" altLang="en-US" dirty="0" smtClean="0"/>
+              <a:t>사용</a:t>
+            </a:r>
+            <a:r>
+              <a:rPr lang="en-US" altLang="ko-KR" dirty="0" smtClean="0"/>
+              <a:t>?</a:t>
+            </a:r>
+          </a:p>
+          <a:p>
+            <a:endParaRPr lang="en-US" altLang="ko-KR" dirty="0"/>
+          </a:p>
+          <a:p>
+            <a:r>
               <a:rPr lang="en-US" altLang="ko-KR" dirty="0" err="1" smtClean="0"/>
-              <a:t>Stn</a:t>
-            </a:r>
-            <a:r>
-              <a:rPr lang="en-US" altLang="ko-KR" dirty="0" smtClean="0"/>
-              <a:t> : for multi-scale </a:t>
-            </a:r>
-            <a:r>
-              <a:rPr lang="en-US" altLang="ko-KR" dirty="0" err="1" smtClean="0"/>
-              <a:t>hough</a:t>
-            </a:r>
-            <a:r>
-              <a:rPr lang="en-US" altLang="ko-KR" dirty="0" smtClean="0"/>
-              <a:t> transform</a:t>
-            </a:r>
-          </a:p>
-          <a:p>
-            <a:pPr lvl="1"/>
-            <a:r>
-              <a:rPr lang="en-US" altLang="ko-KR" dirty="0" err="1" smtClean="0"/>
-              <a:t>Min_theta</a:t>
-            </a:r>
-            <a:r>
-              <a:rPr lang="en-US" altLang="ko-KR" dirty="0" smtClean="0"/>
-              <a:t> : minimum angle to check</a:t>
-            </a:r>
-          </a:p>
-          <a:p>
-            <a:pPr lvl="1"/>
-            <a:r>
-              <a:rPr lang="en-US" altLang="ko-KR" dirty="0" err="1" smtClean="0"/>
-              <a:t>Max_theta</a:t>
-            </a:r>
-            <a:r>
-              <a:rPr lang="en-US" altLang="ko-KR" dirty="0" smtClean="0"/>
-              <a:t> : maximum angle for </a:t>
-            </a:r>
-            <a:r>
-              <a:rPr lang="en-US" altLang="ko-KR" dirty="0" err="1" smtClean="0"/>
-              <a:t>theck</a:t>
-            </a:r>
+              <a:t>OpenCV</a:t>
+            </a:r>
+            <a:r>
+              <a:rPr lang="ko-KR" altLang="en-US" dirty="0" smtClean="0"/>
+              <a:t>의 경우 논문 참고 </a:t>
+            </a:r>
+            <a:r>
+              <a:rPr lang="en-US" altLang="ko-KR" dirty="0" smtClean="0"/>
+              <a:t>-  </a:t>
+            </a:r>
+            <a:r>
+              <a:rPr lang="en-US" altLang="ko-KR" dirty="0"/>
+              <a:t>Robust Detection of Lines Using the Progressive Probabilistic Hough Transform</a:t>
+            </a:r>
+          </a:p>
+          <a:p>
             <a:endParaRPr lang="en-US" altLang="ko-KR" dirty="0" smtClean="0"/>
           </a:p>
-          <a:p>
-            <a:pPr lvl="1"/>
-            <a:endParaRPr lang="en-US" altLang="ko-KR" dirty="0"/>
-          </a:p>
-          <a:p>
-            <a:pPr lvl="1"/>
-            <a:r>
-              <a:rPr lang="en-US" altLang="ko-KR" dirty="0" smtClean="0"/>
-              <a:t>CV_HOUGH_STANDARD</a:t>
-            </a:r>
-          </a:p>
-          <a:p>
-            <a:pPr lvl="1"/>
-            <a:r>
-              <a:rPr lang="en-US" altLang="ko-KR" dirty="0" smtClean="0"/>
-              <a:t>CV_HOUGH_PROBABILISTIC</a:t>
-            </a:r>
-          </a:p>
-          <a:p>
-            <a:pPr lvl="1"/>
-            <a:r>
-              <a:rPr lang="en-US" altLang="ko-KR" dirty="0" smtClean="0"/>
-              <a:t>CV_HOUGH_MULTI_SCALE</a:t>
-            </a:r>
+        </p:txBody>
+      </p:sp>
+      <p:sp>
+        <p:nvSpPr>
+          <p:cNvPr id="4" name="직사각형 3"/>
+          <p:cNvSpPr/>
+          <p:nvPr/>
+        </p:nvSpPr>
+        <p:spPr>
+          <a:xfrm>
+            <a:off x="3383280" y="6080683"/>
+            <a:ext cx="4572000" cy="292388"/>
+          </a:xfrm>
+          <a:prstGeom prst="rect">
+            <a:avLst/>
+          </a:prstGeom>
+        </p:spPr>
+        <p:txBody>
+          <a:bodyPr>
+            <a:spAutoFit/>
+          </a:bodyPr>
+          <a:lstStyle/>
+          <a:p>
+            <a:r>
+              <a:rPr lang="ko-KR" altLang="en-US" sz="1300" dirty="0" smtClean="0"/>
+              <a:t>http://phdfb1.free.fr/robot/mscthesis/node14.html</a:t>
+            </a:r>
+            <a:endParaRPr lang="ko-KR" altLang="en-US" sz="1300" dirty="0"/>
           </a:p>
         </p:txBody>
       </p:sp>
     </p:spTree>
     <p:extLst>
       <p:ext uri="{BB962C8B-B14F-4D97-AF65-F5344CB8AC3E}">
-        <p14:creationId xmlns:p14="http://schemas.microsoft.com/office/powerpoint/2010/main" xmlns="" val="4185180122"/>
+        <p14:creationId xmlns="" xmlns:p14="http://schemas.microsoft.com/office/powerpoint/2010/main" val="1091594488"/>
       </p:ext>
     </p:extLst>
   </p:cSld>
@@ -4275,69 +4100,327 @@
           <a:lstStyle/>
           <a:p>
             <a:r>
+              <a:rPr lang="en-US" altLang="ko-KR" dirty="0" smtClean="0"/>
+              <a:t>Algorithm</a:t>
+            </a:r>
+            <a:endParaRPr lang="ko-KR" altLang="en-US" dirty="0"/>
+          </a:p>
+        </p:txBody>
+      </p:sp>
+      <p:sp>
+        <p:nvSpPr>
+          <p:cNvPr id="3" name="내용 개체 틀 2"/>
+          <p:cNvSpPr>
+            <a:spLocks noGrp="1"/>
+          </p:cNvSpPr>
+          <p:nvPr>
+            <p:ph idx="1"/>
+          </p:nvPr>
+        </p:nvSpPr>
+        <p:spPr/>
+        <p:txBody>
+          <a:bodyPr>
+            <a:normAutofit fontScale="47500" lnSpcReduction="20000"/>
+          </a:bodyPr>
+          <a:lstStyle/>
+          <a:p>
+            <a:pPr>
+              <a:lnSpc>
+                <a:spcPct val="170000"/>
+              </a:lnSpc>
+            </a:pPr>
+            <a:r>
+              <a:rPr lang="en-US" altLang="ko-KR" dirty="0" smtClean="0"/>
+              <a:t>Input </a:t>
+            </a:r>
+            <a:r>
+              <a:rPr lang="en-US" altLang="ko-KR" dirty="0" smtClean="0"/>
+              <a:t>image</a:t>
+            </a:r>
+            <a:r>
+              <a:rPr lang="ko-KR" altLang="en-US" dirty="0" smtClean="0"/>
+              <a:t> </a:t>
+            </a:r>
+            <a:r>
+              <a:rPr lang="en-US" altLang="ko-KR" dirty="0" smtClean="0"/>
+              <a:t>check</a:t>
+            </a:r>
+            <a:r>
+              <a:rPr lang="en-US" altLang="ko-KR" dirty="0" smtClean="0"/>
+              <a:t>, </a:t>
+            </a:r>
+            <a:r>
+              <a:rPr lang="ko-KR" altLang="en-US" dirty="0" smtClean="0"/>
+              <a:t>비어있으면 끝</a:t>
+            </a:r>
+            <a:endParaRPr lang="en-US" altLang="ko-KR" dirty="0" smtClean="0"/>
+          </a:p>
+          <a:p>
+            <a:pPr>
+              <a:lnSpc>
+                <a:spcPct val="170000"/>
+              </a:lnSpc>
+            </a:pPr>
+            <a:r>
+              <a:rPr lang="en-US" altLang="ko-KR" dirty="0" smtClean="0"/>
+              <a:t>1</a:t>
+            </a:r>
+            <a:r>
+              <a:rPr lang="ko-KR" altLang="en-US" dirty="0" smtClean="0"/>
+              <a:t>개 </a:t>
+            </a:r>
+            <a:r>
+              <a:rPr lang="en-US" altLang="ko-KR" dirty="0" smtClean="0"/>
+              <a:t>pixel</a:t>
+            </a:r>
+            <a:r>
+              <a:rPr lang="ko-KR" altLang="en-US" dirty="0" smtClean="0"/>
+              <a:t> </a:t>
+            </a:r>
+            <a:r>
+              <a:rPr lang="en-US" altLang="ko-KR" dirty="0" smtClean="0"/>
+              <a:t>random </a:t>
+            </a:r>
+            <a:r>
+              <a:rPr lang="ko-KR" altLang="en-US" dirty="0" smtClean="0"/>
+              <a:t>선택</a:t>
+            </a:r>
+            <a:r>
+              <a:rPr lang="en-US" altLang="ko-KR" dirty="0" smtClean="0"/>
+              <a:t>, </a:t>
+            </a:r>
+            <a:r>
+              <a:rPr lang="en-US" altLang="ko-KR" dirty="0" smtClean="0"/>
+              <a:t>vote </a:t>
+            </a:r>
+            <a:r>
+              <a:rPr lang="ko-KR" altLang="en-US" dirty="0" smtClean="0"/>
+              <a:t>시행 </a:t>
+            </a:r>
+            <a:endParaRPr lang="en-US" altLang="ko-KR" dirty="0" smtClean="0"/>
+          </a:p>
+          <a:p>
+            <a:pPr>
+              <a:lnSpc>
+                <a:spcPct val="170000"/>
+              </a:lnSpc>
+            </a:pPr>
+            <a:r>
+              <a:rPr lang="ko-KR" altLang="en-US" dirty="0" smtClean="0"/>
+              <a:t>해당 </a:t>
+            </a:r>
+            <a:r>
+              <a:rPr lang="en-US" altLang="ko-KR" dirty="0" smtClean="0"/>
+              <a:t>pixel </a:t>
+            </a:r>
+            <a:r>
+              <a:rPr lang="ko-KR" altLang="en-US" dirty="0" smtClean="0"/>
+              <a:t>제거</a:t>
+            </a:r>
+            <a:endParaRPr lang="en-US" altLang="ko-KR" dirty="0" smtClean="0"/>
+          </a:p>
+          <a:p>
+            <a:pPr>
+              <a:lnSpc>
+                <a:spcPct val="170000"/>
+              </a:lnSpc>
+            </a:pPr>
+            <a:r>
+              <a:rPr lang="en-US" altLang="ko-KR" dirty="0" smtClean="0"/>
+              <a:t>Hough space</a:t>
+            </a:r>
+            <a:r>
+              <a:rPr lang="ko-KR" altLang="en-US" dirty="0" smtClean="0"/>
+              <a:t>에서 새 </a:t>
+            </a:r>
+            <a:r>
+              <a:rPr lang="en-US" altLang="ko-KR" dirty="0" smtClean="0"/>
+              <a:t>pixel</a:t>
+            </a:r>
+            <a:r>
+              <a:rPr lang="ko-KR" altLang="en-US" dirty="0" smtClean="0"/>
+              <a:t>에 의해 변경된 값들 중 </a:t>
+            </a:r>
+            <a:r>
+              <a:rPr lang="en-US" altLang="ko-KR" dirty="0" smtClean="0"/>
+              <a:t>highest peak</a:t>
+            </a:r>
+            <a:r>
+              <a:rPr lang="ko-KR" altLang="en-US" dirty="0" smtClean="0"/>
+              <a:t>이 </a:t>
+            </a:r>
+            <a:r>
+              <a:rPr lang="en-US" altLang="ko-KR" dirty="0" smtClean="0"/>
+              <a:t>threshold</a:t>
+            </a:r>
+            <a:r>
+              <a:rPr lang="ko-KR" altLang="en-US" dirty="0" smtClean="0"/>
+              <a:t>보다 큰지 확인</a:t>
+            </a:r>
+            <a:r>
+              <a:rPr lang="en-US" altLang="ko-KR" dirty="0" smtClean="0"/>
+              <a:t>. </a:t>
+            </a:r>
+          </a:p>
+          <a:p>
+            <a:pPr lvl="1">
+              <a:lnSpc>
+                <a:spcPct val="170000"/>
+              </a:lnSpc>
+            </a:pPr>
+            <a:r>
+              <a:rPr lang="ko-KR" altLang="en-US" dirty="0" err="1" smtClean="0"/>
+              <a:t>안그러면</a:t>
+            </a:r>
+            <a:r>
+              <a:rPr lang="ko-KR" altLang="en-US" dirty="0" smtClean="0"/>
+              <a:t> </a:t>
+            </a:r>
+            <a:r>
+              <a:rPr lang="en-US" altLang="ko-KR" dirty="0" smtClean="0"/>
+              <a:t>1</a:t>
+            </a:r>
+            <a:r>
+              <a:rPr lang="ko-KR" altLang="en-US" dirty="0" smtClean="0"/>
+              <a:t>로 되돌아감</a:t>
+            </a:r>
+            <a:r>
+              <a:rPr lang="en-US" altLang="ko-KR" dirty="0" smtClean="0"/>
+              <a:t>. </a:t>
+            </a:r>
+          </a:p>
+          <a:p>
+            <a:pPr>
+              <a:lnSpc>
+                <a:spcPct val="170000"/>
+              </a:lnSpc>
+            </a:pPr>
+            <a:r>
+              <a:rPr lang="ko-KR" altLang="en-US" dirty="0" smtClean="0"/>
+              <a:t>위의 </a:t>
+            </a:r>
+            <a:r>
+              <a:rPr lang="en-US" altLang="ko-KR" dirty="0" smtClean="0"/>
+              <a:t>line</a:t>
+            </a:r>
+            <a:r>
+              <a:rPr lang="ko-KR" altLang="en-US" dirty="0" smtClean="0"/>
+              <a:t>에서 가장 긴 </a:t>
+            </a:r>
+            <a:r>
+              <a:rPr lang="en-US" altLang="ko-KR" dirty="0" smtClean="0"/>
+              <a:t>segment </a:t>
+            </a:r>
+            <a:r>
+              <a:rPr lang="ko-KR" altLang="en-US" dirty="0" smtClean="0"/>
+              <a:t>찾음</a:t>
+            </a:r>
+            <a:r>
+              <a:rPr lang="en-US" altLang="ko-KR" dirty="0" smtClean="0"/>
+              <a:t>. </a:t>
+            </a:r>
+          </a:p>
+          <a:p>
+            <a:pPr>
+              <a:lnSpc>
+                <a:spcPct val="170000"/>
+              </a:lnSpc>
+            </a:pPr>
+            <a:r>
+              <a:rPr lang="en-US" altLang="ko-KR" dirty="0" smtClean="0"/>
+              <a:t>Input image</a:t>
+            </a:r>
+            <a:r>
+              <a:rPr lang="ko-KR" altLang="en-US" dirty="0" smtClean="0"/>
+              <a:t>에서 </a:t>
+            </a:r>
+            <a:r>
+              <a:rPr lang="en-US" altLang="ko-KR" dirty="0" smtClean="0"/>
+              <a:t>pixel </a:t>
+            </a:r>
+            <a:r>
+              <a:rPr lang="ko-KR" altLang="en-US" dirty="0" smtClean="0"/>
+              <a:t>제거</a:t>
+            </a:r>
+            <a:endParaRPr lang="en-US" altLang="ko-KR" dirty="0" smtClean="0"/>
+          </a:p>
+          <a:p>
+            <a:pPr>
+              <a:lnSpc>
+                <a:spcPct val="170000"/>
+              </a:lnSpc>
+            </a:pPr>
+            <a:r>
+              <a:rPr lang="en-US" altLang="ko-KR" dirty="0" smtClean="0"/>
+              <a:t>‘</a:t>
+            </a:r>
+            <a:r>
               <a:rPr lang="en-US" altLang="ko-KR" dirty="0" err="1" smtClean="0"/>
-              <a:t>HoughLinesP</a:t>
-            </a:r>
-            <a:endParaRPr lang="ko-KR" altLang="en-US" dirty="0"/>
-          </a:p>
-        </p:txBody>
-      </p:sp>
-      <p:sp>
-        <p:nvSpPr>
-          <p:cNvPr id="3" name="내용 개체 틀 2"/>
-          <p:cNvSpPr>
-            <a:spLocks noGrp="1"/>
-          </p:cNvSpPr>
-          <p:nvPr>
-            <p:ph idx="1"/>
-          </p:nvPr>
-        </p:nvSpPr>
-        <p:spPr/>
-        <p:txBody>
-          <a:bodyPr/>
-          <a:lstStyle/>
-          <a:p>
-            <a:r>
-              <a:rPr lang="en-US" altLang="ko-KR" dirty="0" smtClean="0"/>
-              <a:t>Python: cv2.HoughLinesP(image, rho, theta, threshold[, lines[, </a:t>
-            </a:r>
-            <a:r>
-              <a:rPr lang="en-US" altLang="ko-KR" dirty="0" err="1" smtClean="0"/>
-              <a:t>minLineLength</a:t>
-            </a:r>
-            <a:r>
-              <a:rPr lang="en-US" altLang="ko-KR" dirty="0" smtClean="0"/>
-              <a:t>[, </a:t>
-            </a:r>
-            <a:r>
-              <a:rPr lang="en-US" altLang="ko-KR" dirty="0" err="1" smtClean="0"/>
-              <a:t>maxLineGap</a:t>
-            </a:r>
-            <a:r>
-              <a:rPr lang="en-US" altLang="ko-KR" dirty="0" smtClean="0"/>
-              <a:t>]]]) → lines</a:t>
-            </a:r>
-            <a:endParaRPr lang="ko-KR" altLang="en-US" dirty="0"/>
+              <a:t>Unvote</a:t>
+            </a:r>
+            <a:r>
+              <a:rPr lang="en-US" altLang="ko-KR" dirty="0" smtClean="0"/>
+              <a:t>’ from the accumulator all the pixels from the line that have previously voted</a:t>
+            </a:r>
+          </a:p>
+          <a:p>
+            <a:pPr>
+              <a:lnSpc>
+                <a:spcPct val="170000"/>
+              </a:lnSpc>
+            </a:pPr>
+            <a:r>
+              <a:rPr lang="en-US" altLang="ko-KR" dirty="0" smtClean="0"/>
+              <a:t>Line segment</a:t>
+            </a:r>
+            <a:r>
+              <a:rPr lang="ko-KR" altLang="en-US" dirty="0" smtClean="0"/>
+              <a:t>가 </a:t>
+            </a:r>
+            <a:r>
+              <a:rPr lang="en-US" altLang="ko-KR" dirty="0" smtClean="0"/>
+              <a:t>minimum length</a:t>
+            </a:r>
+            <a:r>
+              <a:rPr lang="ko-KR" altLang="en-US" dirty="0" smtClean="0"/>
+              <a:t>보다 작으면 </a:t>
+            </a:r>
+            <a:r>
+              <a:rPr lang="en-US" altLang="ko-KR" dirty="0" smtClean="0"/>
+              <a:t>output list</a:t>
+            </a:r>
+            <a:r>
+              <a:rPr lang="ko-KR" altLang="en-US" dirty="0" smtClean="0"/>
+              <a:t>에 넣기</a:t>
+            </a:r>
+            <a:endParaRPr lang="en-US" altLang="ko-KR" dirty="0" smtClean="0"/>
+          </a:p>
+          <a:p>
+            <a:pPr>
+              <a:lnSpc>
+                <a:spcPct val="170000"/>
+              </a:lnSpc>
+            </a:pPr>
+            <a:r>
+              <a:rPr lang="en-US" altLang="ko-KR" dirty="0" smtClean="0"/>
+              <a:t>1</a:t>
+            </a:r>
+            <a:r>
+              <a:rPr lang="ko-KR" altLang="en-US" dirty="0" smtClean="0"/>
+              <a:t>로 감</a:t>
+            </a:r>
+            <a:r>
+              <a:rPr lang="en-US" altLang="ko-KR" dirty="0" smtClean="0"/>
+              <a:t>. </a:t>
+            </a:r>
           </a:p>
         </p:txBody>
       </p:sp>
     </p:spTree>
-    <p:extLst>
-      <p:ext uri="{BB962C8B-B14F-4D97-AF65-F5344CB8AC3E}">
-        <p14:creationId xmlns:p14="http://schemas.microsoft.com/office/powerpoint/2010/main" xmlns="" val="792329231"/>
-      </p:ext>
-    </p:extLst>
   </p:cSld>
   <p:clrMapOvr>
     <a:masterClrMapping/>
   </p:clrMapOvr>
-  <p:timing>
-    <p:tnLst>
-      <p:par>
-        <p:cTn id="1" dur="indefinite" restart="never" nodeType="tmRoot"/>
-      </p:par>
-    </p:tnLst>
-  </p:timing>
 </p:sld>
 </file>
 
@@ -4373,7 +4456,11 @@
           <a:bodyPr/>
           <a:lstStyle/>
           <a:p>
-            <a:endParaRPr lang="ko-KR" altLang="en-US"/>
+            <a:r>
+              <a:rPr lang="en-US" altLang="ko-KR" dirty="0" smtClean="0"/>
+              <a:t>Hough Line transform</a:t>
+            </a:r>
+            <a:endParaRPr lang="ko-KR" altLang="en-US" dirty="0"/>
           </a:p>
         </p:txBody>
       </p:sp>
@@ -4389,21 +4476,180 @@
         </p:nvSpPr>
         <p:spPr/>
         <p:txBody>
-          <a:bodyPr/>
-          <a:lstStyle/>
-          <a:p>
-            <a:r>
-              <a:rPr lang="en-US" altLang="ko-KR" dirty="0" smtClean="0"/>
-              <a:t>http://homepages.inf.ed.ac.uk/amos/hough.html</a:t>
-            </a:r>
-            <a:endParaRPr lang="ko-KR" altLang="en-US" dirty="0"/>
+          <a:bodyPr>
+            <a:normAutofit fontScale="85000" lnSpcReduction="20000"/>
+          </a:bodyPr>
+          <a:lstStyle/>
+          <a:p>
+            <a:r>
+              <a:rPr lang="en-US" altLang="ko-KR" dirty="0" smtClean="0"/>
+              <a:t>Python: cv2.HoughLines(image, rho, theta, threshold[, lines[, </a:t>
+            </a:r>
+            <a:r>
+              <a:rPr lang="en-US" altLang="ko-KR" dirty="0" err="1" smtClean="0"/>
+              <a:t>srn</a:t>
+            </a:r>
+            <a:r>
+              <a:rPr lang="en-US" altLang="ko-KR" dirty="0" smtClean="0"/>
+              <a:t>[, </a:t>
+            </a:r>
+            <a:r>
+              <a:rPr lang="en-US" altLang="ko-KR" dirty="0" err="1" smtClean="0"/>
+              <a:t>stn</a:t>
+            </a:r>
+            <a:r>
+              <a:rPr lang="en-US" altLang="ko-KR" dirty="0" smtClean="0"/>
+              <a:t>[, </a:t>
+            </a:r>
+            <a:r>
+              <a:rPr lang="en-US" altLang="ko-KR" dirty="0" err="1" smtClean="0"/>
+              <a:t>min_theta</a:t>
+            </a:r>
+            <a:r>
+              <a:rPr lang="en-US" altLang="ko-KR" dirty="0" smtClean="0"/>
+              <a:t>[, </a:t>
+            </a:r>
+            <a:r>
+              <a:rPr lang="en-US" altLang="ko-KR" dirty="0" err="1" smtClean="0"/>
+              <a:t>max_theta</a:t>
+            </a:r>
+            <a:r>
+              <a:rPr lang="en-US" altLang="ko-KR" dirty="0" smtClean="0"/>
+              <a:t>]]]]]) → lines</a:t>
+            </a:r>
+          </a:p>
+          <a:p>
+            <a:pPr lvl="1"/>
+            <a:r>
+              <a:rPr lang="en-US" altLang="ko-KR" dirty="0" smtClean="0"/>
+              <a:t>Image : 8bit, single channel binary</a:t>
+            </a:r>
+          </a:p>
+          <a:p>
+            <a:pPr lvl="1"/>
+            <a:r>
+              <a:rPr lang="en-US" altLang="ko-KR" dirty="0" smtClean="0"/>
+              <a:t>Lines : output vector of lines (rho, theta)</a:t>
+            </a:r>
+          </a:p>
+          <a:p>
+            <a:pPr lvl="1"/>
+            <a:r>
+              <a:rPr lang="en-US" altLang="ko-KR" dirty="0" smtClean="0"/>
+              <a:t>Rho : distance resolution in pixels</a:t>
+            </a:r>
+          </a:p>
+          <a:p>
+            <a:pPr lvl="1"/>
+            <a:r>
+              <a:rPr lang="en-US" altLang="ko-KR" dirty="0" smtClean="0"/>
+              <a:t>Theta : angle resolution</a:t>
+            </a:r>
+            <a:r>
+              <a:rPr lang="en-US" altLang="ko-KR" dirty="0"/>
+              <a:t> </a:t>
+            </a:r>
+            <a:r>
+              <a:rPr lang="en-US" altLang="ko-KR" dirty="0" smtClean="0"/>
+              <a:t>in radian</a:t>
+            </a:r>
+          </a:p>
+          <a:p>
+            <a:pPr lvl="1"/>
+            <a:r>
+              <a:rPr lang="en-US" altLang="ko-KR" dirty="0" err="1" smtClean="0"/>
+              <a:t>Srn</a:t>
+            </a:r>
+            <a:r>
+              <a:rPr lang="en-US" altLang="ko-KR" dirty="0" smtClean="0"/>
+              <a:t> : for the multi-scale </a:t>
+            </a:r>
+            <a:r>
+              <a:rPr lang="en-US" altLang="ko-KR" dirty="0" err="1" smtClean="0"/>
+              <a:t>hough</a:t>
+            </a:r>
+            <a:r>
+              <a:rPr lang="en-US" altLang="ko-KR" dirty="0" smtClean="0"/>
+              <a:t> transform</a:t>
+            </a:r>
+          </a:p>
+          <a:p>
+            <a:pPr lvl="1"/>
+            <a:r>
+              <a:rPr lang="en-US" altLang="ko-KR" dirty="0" err="1" smtClean="0"/>
+              <a:t>Stn</a:t>
+            </a:r>
+            <a:r>
+              <a:rPr lang="en-US" altLang="ko-KR" dirty="0" smtClean="0"/>
+              <a:t> : for multi-scale </a:t>
+            </a:r>
+            <a:r>
+              <a:rPr lang="en-US" altLang="ko-KR" dirty="0" err="1" smtClean="0"/>
+              <a:t>hough</a:t>
+            </a:r>
+            <a:r>
+              <a:rPr lang="en-US" altLang="ko-KR" dirty="0" smtClean="0"/>
+              <a:t> transform</a:t>
+            </a:r>
+          </a:p>
+          <a:p>
+            <a:pPr lvl="1"/>
+            <a:r>
+              <a:rPr lang="en-US" altLang="ko-KR" dirty="0" err="1" smtClean="0"/>
+              <a:t>Min_theta</a:t>
+            </a:r>
+            <a:r>
+              <a:rPr lang="en-US" altLang="ko-KR" dirty="0" smtClean="0"/>
+              <a:t> : minimum angle to check</a:t>
+            </a:r>
+          </a:p>
+          <a:p>
+            <a:pPr lvl="1"/>
+            <a:r>
+              <a:rPr lang="en-US" altLang="ko-KR" dirty="0" err="1" smtClean="0"/>
+              <a:t>Max_theta</a:t>
+            </a:r>
+            <a:r>
+              <a:rPr lang="en-US" altLang="ko-KR" dirty="0" smtClean="0"/>
+              <a:t> : maximum angle for </a:t>
+            </a:r>
+            <a:r>
+              <a:rPr lang="en-US" altLang="ko-KR" dirty="0" err="1" smtClean="0"/>
+              <a:t>theck</a:t>
+            </a:r>
+            <a:endParaRPr lang="en-US" altLang="ko-KR" dirty="0" smtClean="0"/>
+          </a:p>
+          <a:p>
+            <a:pPr lvl="1"/>
+            <a:endParaRPr lang="en-US" altLang="ko-KR" dirty="0"/>
+          </a:p>
+          <a:p>
+            <a:pPr lvl="1"/>
+            <a:r>
+              <a:rPr lang="en-US" altLang="ko-KR" dirty="0" smtClean="0"/>
+              <a:t>CV_HOUGH_STANDARD</a:t>
+            </a:r>
+          </a:p>
+          <a:p>
+            <a:pPr lvl="1"/>
+            <a:r>
+              <a:rPr lang="en-US" altLang="ko-KR" dirty="0" smtClean="0"/>
+              <a:t>CV_HOUGH_PROBABILISTIC</a:t>
+            </a:r>
+          </a:p>
+          <a:p>
+            <a:pPr lvl="1"/>
+            <a:r>
+              <a:rPr lang="en-US" altLang="ko-KR" dirty="0" smtClean="0"/>
+              <a:t>CV_HOUGH_MULTI_SCALE</a:t>
+            </a:r>
           </a:p>
         </p:txBody>
       </p:sp>
     </p:spTree>
     <p:extLst>
       <p:ext uri="{BB962C8B-B14F-4D97-AF65-F5344CB8AC3E}">
-        <p14:creationId xmlns:p14="http://schemas.microsoft.com/office/powerpoint/2010/main" xmlns="" val="2496624278"/>
+        <p14:creationId xmlns="" xmlns:p14="http://schemas.microsoft.com/office/powerpoint/2010/main" val="4185180122"/>
       </p:ext>
     </p:extLst>
   </p:cSld>
@@ -4453,8 +4699,8 @@
           <a:lstStyle/>
           <a:p>
             <a:r>
-              <a:rPr lang="en-US" altLang="ko-KR" dirty="0" err="1" smtClean="0"/>
-              <a:t>HoughCircles</a:t>
+              <a:rPr lang="en-US" altLang="ko-KR" dirty="0" smtClean="0"/>
+              <a:t>Hough line transform</a:t>
             </a:r>
             <a:endParaRPr lang="ko-KR" altLang="en-US" dirty="0"/>
           </a:p>
@@ -4470,185 +4716,267 @@
             <p:ph idx="1"/>
           </p:nvPr>
         </p:nvSpPr>
-        <p:spPr/>
+        <p:spPr>
+          <a:xfrm>
+            <a:off x="628650" y="4524376"/>
+            <a:ext cx="7886700" cy="1652588"/>
+          </a:xfrm>
+        </p:spPr>
         <p:txBody>
           <a:bodyPr>
-            <a:normAutofit/>
+            <a:normAutofit lnSpcReduction="10000"/>
           </a:bodyPr>
           <a:lstStyle/>
           <a:p>
             <a:r>
-              <a:rPr lang="en-US" altLang="ko-KR" sz="2000" dirty="0" smtClean="0"/>
-              <a:t>cv2.HoughCircles(image, method, </a:t>
-            </a:r>
-            <a:r>
-              <a:rPr lang="en-US" altLang="ko-KR" sz="2000" dirty="0" err="1" smtClean="0"/>
-              <a:t>dp</a:t>
-            </a:r>
-            <a:r>
-              <a:rPr lang="en-US" altLang="ko-KR" sz="2000" dirty="0" smtClean="0"/>
-              <a:t>, </a:t>
-            </a:r>
-            <a:r>
-              <a:rPr lang="en-US" altLang="ko-KR" sz="2000" dirty="0" err="1" smtClean="0"/>
-              <a:t>minDist</a:t>
-            </a:r>
-            <a:r>
-              <a:rPr lang="en-US" altLang="ko-KR" sz="2000" dirty="0" smtClean="0"/>
-              <a:t>[, circles[, param1[, param2[, </a:t>
-            </a:r>
-            <a:r>
-              <a:rPr lang="en-US" altLang="ko-KR" sz="2000" dirty="0" err="1" smtClean="0"/>
-              <a:t>minRadius</a:t>
-            </a:r>
-            <a:r>
-              <a:rPr lang="en-US" altLang="ko-KR" sz="2000" dirty="0" smtClean="0"/>
-              <a:t>[, </a:t>
-            </a:r>
-            <a:r>
-              <a:rPr lang="en-US" altLang="ko-KR" sz="2000" dirty="0" err="1" smtClean="0"/>
-              <a:t>maxRadius</a:t>
-            </a:r>
-            <a:r>
-              <a:rPr lang="en-US" altLang="ko-KR" sz="2000" dirty="0" smtClean="0"/>
-              <a:t>]]]]]) </a:t>
-            </a:r>
-            <a:r>
-              <a:rPr lang="en-US" altLang="ko-KR" sz="2000" dirty="0" smtClean="0"/>
-              <a:t>→ </a:t>
-            </a:r>
-            <a:r>
-              <a:rPr lang="en-US" altLang="ko-KR" sz="2000" dirty="0" smtClean="0"/>
-              <a:t>circles</a:t>
+              <a:rPr lang="en-US" altLang="ko-KR" dirty="0" smtClean="0"/>
+              <a:t>Parameter </a:t>
+            </a:r>
+            <a:r>
+              <a:rPr lang="ko-KR" altLang="en-US" dirty="0" smtClean="0"/>
+              <a:t>잡기가 어려움</a:t>
+            </a:r>
+            <a:r>
+              <a:rPr lang="en-US" altLang="ko-KR" dirty="0" smtClean="0"/>
+              <a:t>. </a:t>
             </a:r>
           </a:p>
           <a:p>
             <a:pPr lvl="1"/>
             <a:r>
-              <a:rPr lang="en-US" altLang="ko-KR" sz="1600" dirty="0" smtClean="0"/>
-              <a:t>Image : 8bit, </a:t>
-            </a:r>
-            <a:r>
-              <a:rPr lang="en-US" altLang="ko-KR" sz="1600" dirty="0" err="1" smtClean="0"/>
-              <a:t>sigle</a:t>
-            </a:r>
-            <a:r>
-              <a:rPr lang="en-US" altLang="ko-KR" sz="1600" dirty="0" smtClean="0"/>
-              <a:t> channel, grayscale</a:t>
+              <a:rPr lang="ko-KR" altLang="en-US" dirty="0" smtClean="0"/>
+              <a:t>예상치 못한 </a:t>
+            </a:r>
+            <a:r>
+              <a:rPr lang="en-US" altLang="ko-KR" dirty="0" smtClean="0"/>
+              <a:t>line</a:t>
+            </a:r>
+            <a:r>
+              <a:rPr lang="ko-KR" altLang="en-US" dirty="0" smtClean="0"/>
+              <a:t>들이 생김</a:t>
+            </a:r>
+            <a:r>
+              <a:rPr lang="en-US" altLang="ko-KR" dirty="0" smtClean="0"/>
+              <a:t>. </a:t>
             </a:r>
           </a:p>
           <a:p>
             <a:pPr lvl="1"/>
             <a:r>
-              <a:rPr lang="en-US" altLang="ko-KR" sz="1600" dirty="0" smtClean="0"/>
-              <a:t>Circles : output vectors of found circle</a:t>
-            </a:r>
-            <a:r>
-              <a:rPr lang="ko-KR" altLang="en-US" sz="1600" dirty="0" smtClean="0"/>
+              <a:rPr lang="en-US" altLang="ko-KR" dirty="0" smtClean="0"/>
+              <a:t>1</a:t>
+            </a:r>
+            <a:r>
+              <a:rPr lang="ko-KR" altLang="en-US" dirty="0" smtClean="0"/>
+              <a:t>개 </a:t>
+            </a:r>
+            <a:r>
+              <a:rPr lang="en-US" altLang="ko-KR" dirty="0" smtClean="0"/>
+              <a:t>line</a:t>
+            </a:r>
+            <a:r>
+              <a:rPr lang="ko-KR" altLang="en-US" dirty="0" smtClean="0"/>
+              <a:t>에 여러 </a:t>
+            </a:r>
+            <a:r>
+              <a:rPr lang="en-US" altLang="ko-KR" dirty="0" smtClean="0"/>
+              <a:t>line</a:t>
+            </a:r>
+            <a:r>
+              <a:rPr lang="ko-KR" altLang="en-US" dirty="0" smtClean="0"/>
+              <a:t>이 생김</a:t>
+            </a:r>
+            <a:endParaRPr lang="en-US" altLang="ko-KR" dirty="0" smtClean="0"/>
+          </a:p>
+          <a:p>
+            <a:pPr lvl="1"/>
+            <a:r>
+              <a:rPr lang="en-US" altLang="ko-KR" dirty="0" smtClean="0"/>
+              <a:t>Resolution, threshold</a:t>
+            </a:r>
+            <a:r>
+              <a:rPr lang="ko-KR" altLang="en-US" dirty="0" smtClean="0"/>
+              <a:t>가 서로 </a:t>
+            </a:r>
+            <a:r>
+              <a:rPr lang="en-US" altLang="ko-KR" dirty="0" smtClean="0"/>
+              <a:t>dependent</a:t>
+            </a:r>
+            <a:r>
+              <a:rPr lang="ko-KR" altLang="en-US" dirty="0" smtClean="0"/>
+              <a:t>함</a:t>
+            </a:r>
+            <a:r>
+              <a:rPr lang="en-US" altLang="ko-KR" dirty="0" smtClean="0"/>
+              <a:t>. </a:t>
+            </a:r>
+            <a:r>
+              <a:rPr lang="ko-KR" altLang="en-US" dirty="0" smtClean="0"/>
               <a:t> </a:t>
             </a:r>
-            <a:r>
-              <a:rPr lang="en-US" altLang="ko-KR" sz="1600" dirty="0" smtClean="0"/>
-              <a:t>(x, y, rad.)</a:t>
-            </a:r>
-          </a:p>
-          <a:p>
-            <a:pPr lvl="1"/>
-            <a:r>
-              <a:rPr lang="en-US" altLang="ko-KR" sz="1600" dirty="0" smtClean="0"/>
-              <a:t>Method : detection method</a:t>
-            </a:r>
-          </a:p>
-          <a:p>
-            <a:pPr lvl="2"/>
-            <a:r>
-              <a:rPr lang="en-US" altLang="ko-KR" sz="1200" dirty="0" smtClean="0"/>
-              <a:t>The only method : CV_HOUGH_GRADIENT</a:t>
-            </a:r>
-          </a:p>
-          <a:p>
-            <a:pPr lvl="1"/>
-            <a:r>
-              <a:rPr lang="en-US" altLang="ko-KR" sz="1600" dirty="0" err="1" smtClean="0"/>
-              <a:t>dp</a:t>
-            </a:r>
-            <a:r>
-              <a:rPr lang="en-US" altLang="ko-KR" sz="1600" dirty="0" smtClean="0"/>
-              <a:t> : inverse ratio of accumulator </a:t>
-            </a:r>
-            <a:r>
-              <a:rPr lang="en-US" altLang="ko-KR" sz="1600" dirty="0" err="1" smtClean="0"/>
-              <a:t>reolution</a:t>
-            </a:r>
-            <a:r>
-              <a:rPr lang="en-US" altLang="ko-KR" sz="1600" dirty="0" smtClean="0"/>
-              <a:t> to the image resolution </a:t>
-            </a:r>
-          </a:p>
-          <a:p>
-            <a:pPr lvl="1"/>
-            <a:r>
-              <a:rPr lang="en-US" altLang="ko-KR" sz="1600" dirty="0" err="1" smtClean="0"/>
-              <a:t>minDist</a:t>
-            </a:r>
-            <a:r>
-              <a:rPr lang="en-US" altLang="ko-KR" sz="1600" dirty="0" smtClean="0"/>
-              <a:t> : minimum distance between the </a:t>
-            </a:r>
-            <a:r>
-              <a:rPr lang="en-US" altLang="ko-KR" sz="1600" dirty="0" err="1" smtClean="0"/>
-              <a:t>centor</a:t>
-            </a:r>
-            <a:r>
-              <a:rPr lang="en-US" altLang="ko-KR" sz="1600" dirty="0" smtClean="0"/>
-              <a:t> of detected circles</a:t>
-            </a:r>
-          </a:p>
-          <a:p>
-            <a:pPr lvl="1"/>
-            <a:r>
-              <a:rPr lang="en-US" altLang="ko-KR" sz="1600" dirty="0" smtClean="0"/>
-              <a:t>Param1 : first method-specified parameter</a:t>
-            </a:r>
-          </a:p>
-          <a:p>
-            <a:pPr lvl="2"/>
-            <a:r>
-              <a:rPr lang="en-US" altLang="ko-KR" sz="1200" dirty="0" smtClean="0"/>
-              <a:t>CV_HOUGH_GRADIENT : higher threshold of the two passed to the canny()</a:t>
-            </a:r>
-          </a:p>
-          <a:p>
-            <a:pPr lvl="1"/>
-            <a:r>
-              <a:rPr lang="en-US" altLang="ko-KR" sz="1600" dirty="0" smtClean="0"/>
-              <a:t>Param2 : second method-specified parameter</a:t>
-            </a:r>
-          </a:p>
-          <a:p>
-            <a:pPr lvl="2"/>
-            <a:r>
-              <a:rPr lang="en-US" altLang="ko-KR" sz="1200" dirty="0" smtClean="0"/>
-              <a:t>CV_HOUGH_GRADINET : threshold for circle </a:t>
-            </a:r>
-            <a:r>
-              <a:rPr lang="en-US" altLang="ko-KR" sz="1200" dirty="0" err="1" smtClean="0"/>
-              <a:t>centor</a:t>
-            </a:r>
-            <a:r>
-              <a:rPr lang="en-US" altLang="ko-KR" sz="1200" dirty="0" smtClean="0"/>
-              <a:t> at the detection stage. </a:t>
-            </a:r>
-          </a:p>
-          <a:p>
-            <a:pPr lvl="2"/>
-            <a:r>
-              <a:rPr lang="en-US" altLang="ko-KR" sz="1200" dirty="0" smtClean="0"/>
-              <a:t>Smaller, more false circles may detected</a:t>
-            </a:r>
-          </a:p>
-          <a:p>
-            <a:endParaRPr lang="en-US" altLang="ko-KR" sz="2000" dirty="0" smtClean="0"/>
+            <a:endParaRPr lang="ko-KR" altLang="en-US" dirty="0"/>
+          </a:p>
+        </p:txBody>
+      </p:sp>
+      <p:pic>
+        <p:nvPicPr>
+          <p:cNvPr id="2050" name="Picture 2"/>
+          <p:cNvPicPr>
+            <a:picLocks noChangeAspect="1" noChangeArrowheads="1"/>
+          </p:cNvPicPr>
+          <p:nvPr/>
+        </p:nvPicPr>
+        <p:blipFill>
+          <a:blip r:embed="rId2" cstate="print"/>
+          <a:srcRect/>
+          <a:stretch>
+            <a:fillRect/>
+          </a:stretch>
+        </p:blipFill>
+        <p:spPr bwMode="auto">
+          <a:xfrm>
+            <a:off x="5346700" y="1981200"/>
+            <a:ext cx="2398048" cy="2324099"/>
+          </a:xfrm>
+          <a:prstGeom prst="rect">
+            <a:avLst/>
+          </a:prstGeom>
+          <a:noFill/>
+          <a:ln w="9525">
+            <a:noFill/>
+            <a:miter lim="800000"/>
+            <a:headEnd/>
+            <a:tailEnd/>
+          </a:ln>
+        </p:spPr>
+      </p:pic>
+      <p:pic>
+        <p:nvPicPr>
+          <p:cNvPr id="2051" name="Picture 3"/>
+          <p:cNvPicPr>
+            <a:picLocks noChangeAspect="1" noChangeArrowheads="1"/>
+          </p:cNvPicPr>
+          <p:nvPr/>
+        </p:nvPicPr>
+        <p:blipFill>
+          <a:blip r:embed="rId3" cstate="print"/>
+          <a:srcRect/>
+          <a:stretch>
+            <a:fillRect/>
+          </a:stretch>
+        </p:blipFill>
+        <p:spPr bwMode="auto">
+          <a:xfrm>
+            <a:off x="215901" y="1950080"/>
+            <a:ext cx="4953000" cy="2310335"/>
+          </a:xfrm>
+          <a:prstGeom prst="rect">
+            <a:avLst/>
+          </a:prstGeom>
+          <a:noFill/>
+          <a:ln w="9525">
+            <a:noFill/>
+            <a:miter lim="800000"/>
+            <a:headEnd/>
+            <a:tailEnd/>
+          </a:ln>
+        </p:spPr>
+      </p:pic>
+      <p:sp>
+        <p:nvSpPr>
+          <p:cNvPr id="6" name="TextBox 5"/>
+          <p:cNvSpPr txBox="1"/>
+          <p:nvPr/>
+        </p:nvSpPr>
+        <p:spPr>
+          <a:xfrm>
+            <a:off x="342900" y="1498600"/>
+            <a:ext cx="1930400" cy="381000"/>
+          </a:xfrm>
+          <a:prstGeom prst="rect">
+            <a:avLst/>
+          </a:prstGeom>
+          <a:noFill/>
+        </p:spPr>
+        <p:txBody>
+          <a:bodyPr wrap="square" rtlCol="0">
+            <a:spAutoFit/>
+          </a:bodyPr>
+          <a:lstStyle/>
+          <a:p>
+            <a:r>
+              <a:rPr lang="en-US" altLang="ko-KR" b="1" dirty="0" smtClean="0"/>
+              <a:t>original</a:t>
+            </a:r>
+            <a:endParaRPr lang="ko-KR" altLang="en-US" b="1" dirty="0"/>
+          </a:p>
+        </p:txBody>
+      </p:sp>
+      <p:sp>
+        <p:nvSpPr>
+          <p:cNvPr id="7" name="TextBox 6"/>
+          <p:cNvSpPr txBox="1"/>
+          <p:nvPr/>
+        </p:nvSpPr>
+        <p:spPr>
+          <a:xfrm>
+            <a:off x="2717800" y="1574801"/>
+            <a:ext cx="2413000" cy="369332"/>
+          </a:xfrm>
+          <a:prstGeom prst="rect">
+            <a:avLst/>
+          </a:prstGeom>
+          <a:noFill/>
+        </p:spPr>
+        <p:txBody>
+          <a:bodyPr wrap="square" rtlCol="0">
+            <a:spAutoFit/>
+          </a:bodyPr>
+          <a:lstStyle/>
+          <a:p>
+            <a:r>
+              <a:rPr lang="en-US" altLang="ko-KR" b="1" dirty="0" smtClean="0"/>
+              <a:t>Original + </a:t>
+            </a:r>
+            <a:r>
+              <a:rPr lang="en-US" altLang="ko-KR" b="1" dirty="0" err="1" smtClean="0"/>
+              <a:t>hough</a:t>
+            </a:r>
+            <a:r>
+              <a:rPr lang="en-US" altLang="ko-KR" b="1" dirty="0" smtClean="0"/>
+              <a:t> </a:t>
+            </a:r>
+            <a:endParaRPr lang="ko-KR" altLang="en-US" b="1" dirty="0"/>
+          </a:p>
+        </p:txBody>
+      </p:sp>
+      <p:sp>
+        <p:nvSpPr>
+          <p:cNvPr id="8" name="TextBox 7"/>
+          <p:cNvSpPr txBox="1"/>
+          <p:nvPr/>
+        </p:nvSpPr>
+        <p:spPr>
+          <a:xfrm>
+            <a:off x="5499100" y="1536701"/>
+            <a:ext cx="2413000" cy="369332"/>
+          </a:xfrm>
+          <a:prstGeom prst="rect">
+            <a:avLst/>
+          </a:prstGeom>
+          <a:noFill/>
+        </p:spPr>
+        <p:txBody>
+          <a:bodyPr wrap="square" rtlCol="0">
+            <a:spAutoFit/>
+          </a:bodyPr>
+          <a:lstStyle/>
+          <a:p>
+            <a:r>
+              <a:rPr lang="en-US" altLang="ko-KR" b="1" dirty="0" smtClean="0"/>
+              <a:t>Canny </a:t>
+            </a:r>
+            <a:endParaRPr lang="ko-KR" altLang="en-US" b="1" dirty="0"/>
           </a:p>
         </p:txBody>
       </p:sp>
@@ -4693,12 +5021,16 @@
           <a:lstStyle/>
           <a:p>
             <a:r>
-              <a:rPr lang="en-US" altLang="ko-KR" dirty="0" smtClean="0"/>
-              <a:t>Parameter </a:t>
-            </a:r>
-            <a:r>
-              <a:rPr lang="ko-KR" altLang="en-US" dirty="0" smtClean="0"/>
-              <a:t>잡기 어려움</a:t>
+              <a:rPr lang="en-US" altLang="ko-KR" dirty="0" err="1" smtClean="0"/>
+              <a:t>Min_theta</a:t>
+            </a:r>
+            <a:r>
+              <a:rPr lang="en-US" altLang="ko-KR" dirty="0" smtClean="0"/>
+              <a:t>, </a:t>
+            </a:r>
+            <a:r>
+              <a:rPr lang="en-US" altLang="ko-KR" dirty="0" err="1" smtClean="0"/>
+              <a:t>max_theta</a:t>
             </a:r>
             <a:endParaRPr lang="ko-KR" altLang="en-US" dirty="0"/>
           </a:p>
@@ -4714,55 +5046,629 @@
             <p:ph idx="1"/>
           </p:nvPr>
         </p:nvSpPr>
+        <p:spPr>
+          <a:xfrm>
+            <a:off x="628650" y="5114925"/>
+            <a:ext cx="7886700" cy="1062037"/>
+          </a:xfrm>
+        </p:spPr>
+        <p:txBody>
+          <a:bodyPr>
+            <a:normAutofit fontScale="85000" lnSpcReduction="20000"/>
+          </a:bodyPr>
+          <a:lstStyle/>
+          <a:p>
+            <a:r>
+              <a:rPr lang="ko-KR" altLang="en-US" dirty="0" smtClean="0"/>
+              <a:t>특정 방향 </a:t>
+            </a:r>
+            <a:r>
+              <a:rPr lang="en-US" altLang="ko-KR" dirty="0" smtClean="0"/>
+              <a:t>line</a:t>
+            </a:r>
+            <a:r>
+              <a:rPr lang="ko-KR" altLang="en-US" dirty="0" smtClean="0"/>
+              <a:t>만 선택 가능할 듯</a:t>
+            </a:r>
+            <a:r>
+              <a:rPr lang="en-US" altLang="ko-KR" dirty="0" smtClean="0"/>
+              <a:t>. </a:t>
+            </a:r>
+          </a:p>
+          <a:p>
+            <a:r>
+              <a:rPr lang="en-US" altLang="ko-KR" dirty="0" smtClean="0"/>
+              <a:t>Radian </a:t>
+            </a:r>
+            <a:r>
+              <a:rPr lang="ko-KR" altLang="en-US" dirty="0" smtClean="0"/>
+              <a:t>단위임</a:t>
+            </a:r>
+            <a:r>
+              <a:rPr lang="en-US" altLang="ko-KR" dirty="0" smtClean="0"/>
+              <a:t>. </a:t>
+            </a:r>
+          </a:p>
+          <a:p>
+            <a:pPr lvl="1"/>
+            <a:r>
+              <a:rPr lang="en-US" altLang="ko-KR" dirty="0" smtClean="0"/>
+              <a:t>1’ = </a:t>
+            </a:r>
+            <a:r>
+              <a:rPr lang="en-US" altLang="ko-KR" dirty="0" err="1" smtClean="0"/>
+              <a:t>np.pi</a:t>
+            </a:r>
+            <a:r>
+              <a:rPr lang="en-US" altLang="ko-KR" dirty="0" smtClean="0"/>
+              <a:t>/180 </a:t>
+            </a:r>
+            <a:r>
+              <a:rPr lang="ko-KR" altLang="en-US" dirty="0" smtClean="0"/>
+              <a:t>넣어야</a:t>
+            </a:r>
+            <a:r>
+              <a:rPr lang="en-US" altLang="ko-KR" dirty="0" smtClean="0"/>
+              <a:t>. </a:t>
+            </a:r>
+          </a:p>
+        </p:txBody>
+      </p:sp>
+      <p:sp>
+        <p:nvSpPr>
+          <p:cNvPr id="7" name="TextBox 6"/>
+          <p:cNvSpPr txBox="1"/>
+          <p:nvPr/>
+        </p:nvSpPr>
+        <p:spPr>
+          <a:xfrm>
+            <a:off x="1241108" y="1593850"/>
+            <a:ext cx="2465290" cy="276999"/>
+          </a:xfrm>
+          <a:prstGeom prst="rect">
+            <a:avLst/>
+          </a:prstGeom>
+          <a:noFill/>
+        </p:spPr>
+        <p:txBody>
+          <a:bodyPr wrap="none" rtlCol="0">
+            <a:spAutoFit/>
+          </a:bodyPr>
+          <a:lstStyle/>
+          <a:p>
+            <a:r>
+              <a:rPr lang="en-US" altLang="ko-KR" sz="1200" b="1" dirty="0" err="1" smtClean="0"/>
+              <a:t>min_theta</a:t>
+            </a:r>
+            <a:r>
+              <a:rPr lang="en-US" altLang="ko-KR" sz="1200" b="1" dirty="0" smtClean="0"/>
+              <a:t> = -1’, </a:t>
+            </a:r>
+            <a:r>
+              <a:rPr lang="en-US" altLang="ko-KR" sz="1200" b="1" dirty="0" err="1" smtClean="0"/>
+              <a:t>max_theta</a:t>
+            </a:r>
+            <a:r>
+              <a:rPr lang="en-US" altLang="ko-KR" sz="1200" b="1" dirty="0" smtClean="0"/>
+              <a:t> =1’</a:t>
+            </a:r>
+            <a:endParaRPr lang="ko-KR" altLang="en-US" sz="1200" b="1" dirty="0"/>
+          </a:p>
+        </p:txBody>
+      </p:sp>
+      <p:sp>
+        <p:nvSpPr>
+          <p:cNvPr id="12" name="TextBox 11"/>
+          <p:cNvSpPr txBox="1"/>
+          <p:nvPr/>
+        </p:nvSpPr>
+        <p:spPr>
+          <a:xfrm>
+            <a:off x="5028854" y="1631950"/>
+            <a:ext cx="2536272" cy="276999"/>
+          </a:xfrm>
+          <a:prstGeom prst="rect">
+            <a:avLst/>
+          </a:prstGeom>
+          <a:noFill/>
+        </p:spPr>
+        <p:txBody>
+          <a:bodyPr wrap="none" rtlCol="0">
+            <a:spAutoFit/>
+          </a:bodyPr>
+          <a:lstStyle/>
+          <a:p>
+            <a:r>
+              <a:rPr lang="en-US" altLang="ko-KR" sz="1200" b="1" dirty="0" err="1" smtClean="0"/>
+              <a:t>Min_theta</a:t>
+            </a:r>
+            <a:r>
+              <a:rPr lang="en-US" altLang="ko-KR" sz="1200" b="1" dirty="0" smtClean="0"/>
+              <a:t> = -1, </a:t>
+            </a:r>
+            <a:r>
+              <a:rPr lang="en-US" altLang="ko-KR" sz="1200" b="1" dirty="0" err="1" smtClean="0"/>
+              <a:t>max_theta</a:t>
+            </a:r>
+            <a:r>
+              <a:rPr lang="en-US" altLang="ko-KR" sz="1200" b="1" dirty="0" smtClean="0"/>
+              <a:t> = 90</a:t>
+            </a:r>
+            <a:endParaRPr lang="ko-KR" altLang="en-US" sz="1200" b="1" dirty="0"/>
+          </a:p>
+        </p:txBody>
+      </p:sp>
+      <p:pic>
+        <p:nvPicPr>
+          <p:cNvPr id="3078" name="Picture 6"/>
+          <p:cNvPicPr>
+            <a:picLocks noChangeAspect="1" noChangeArrowheads="1"/>
+          </p:cNvPicPr>
+          <p:nvPr/>
+        </p:nvPicPr>
+        <p:blipFill>
+          <a:blip r:embed="rId2" cstate="print"/>
+          <a:srcRect/>
+          <a:stretch>
+            <a:fillRect/>
+          </a:stretch>
+        </p:blipFill>
+        <p:spPr bwMode="auto">
+          <a:xfrm>
+            <a:off x="1052513" y="1952624"/>
+            <a:ext cx="3211461" cy="3109913"/>
+          </a:xfrm>
+          <a:prstGeom prst="rect">
+            <a:avLst/>
+          </a:prstGeom>
+          <a:noFill/>
+          <a:ln w="9525">
+            <a:noFill/>
+            <a:miter lim="800000"/>
+            <a:headEnd/>
+            <a:tailEnd/>
+          </a:ln>
+        </p:spPr>
+      </p:pic>
+      <p:pic>
+        <p:nvPicPr>
+          <p:cNvPr id="3079" name="Picture 7"/>
+          <p:cNvPicPr>
+            <a:picLocks noChangeAspect="1" noChangeArrowheads="1"/>
+          </p:cNvPicPr>
+          <p:nvPr/>
+        </p:nvPicPr>
+        <p:blipFill>
+          <a:blip r:embed="rId3" cstate="print"/>
+          <a:srcRect/>
+          <a:stretch>
+            <a:fillRect/>
+          </a:stretch>
+        </p:blipFill>
+        <p:spPr bwMode="auto">
+          <a:xfrm>
+            <a:off x="4743450" y="1962344"/>
+            <a:ext cx="3118730" cy="3114481"/>
+          </a:xfrm>
+          <a:prstGeom prst="rect">
+            <a:avLst/>
+          </a:prstGeom>
+          <a:noFill/>
+          <a:ln w="9525">
+            <a:noFill/>
+            <a:miter lim="800000"/>
+            <a:headEnd/>
+            <a:tailEnd/>
+          </a:ln>
+        </p:spPr>
+      </p:pic>
+    </p:spTree>
+  </p:cSld>
+  <p:clrMapOvr>
+    <a:masterClrMapping/>
+  </p:clrMapOvr>
+</p:sld>
+</file>
+
+<file path=ppt/slides/slide17.xml><?xml version="1.0" encoding="utf-8"?>
+<p:sld xmlns:a="http://schemas.openxmlformats.org/drawingml/2006/main" xmlns:r="http://schemas.openxmlformats.org/officeDocument/2006/relationships" xmlns:p="http://schemas.openxmlformats.org/presentationml/2006/main">
+  <p:cSld>
+    <p:spTree>
+      <p:nvGrpSpPr>
+        <p:cNvPr id="1" name=""/>
+        <p:cNvGrpSpPr/>
+        <p:nvPr/>
+      </p:nvGrpSpPr>
+      <p:grpSpPr>
+        <a:xfrm>
+          <a:off x="0" y="0"/>
+          <a:ext cx="0" cy="0"/>
+          <a:chOff x="0" y="0"/>
+          <a:chExt cx="0" cy="0"/>
+        </a:xfrm>
+      </p:grpSpPr>
+      <p:sp>
+        <p:nvSpPr>
+          <p:cNvPr id="2" name="제목 1"/>
+          <p:cNvSpPr>
+            <a:spLocks noGrp="1"/>
+          </p:cNvSpPr>
+          <p:nvPr>
+            <p:ph type="title"/>
+          </p:nvPr>
+        </p:nvSpPr>
         <p:spPr/>
         <p:txBody>
           <a:bodyPr/>
           <a:lstStyle/>
           <a:p>
             <a:r>
-              <a:rPr lang="en-US" altLang="ko-KR" dirty="0" smtClean="0"/>
-              <a:t>Circle geometry</a:t>
-            </a:r>
-            <a:r>
-              <a:rPr lang="ko-KR" altLang="en-US" dirty="0" smtClean="0"/>
-              <a:t>로 </a:t>
-            </a:r>
-            <a:r>
               <a:rPr lang="en-US" altLang="ko-KR" dirty="0" err="1" smtClean="0"/>
-              <a:t>mijnrad</a:t>
-            </a:r>
-            <a:r>
-              <a:rPr lang="en-US" altLang="ko-KR" dirty="0" smtClean="0"/>
+              <a:t>HoughLinesP</a:t>
+            </a:r>
+            <a:endParaRPr lang="ko-KR" altLang="en-US" dirty="0"/>
+          </a:p>
+        </p:txBody>
+      </p:sp>
+      <p:sp>
+        <p:nvSpPr>
+          <p:cNvPr id="3" name="내용 개체 틀 2"/>
+          <p:cNvSpPr>
+            <a:spLocks noGrp="1"/>
+          </p:cNvSpPr>
+          <p:nvPr>
+            <p:ph idx="1"/>
+          </p:nvPr>
+        </p:nvSpPr>
+        <p:spPr/>
+        <p:txBody>
+          <a:bodyPr/>
+          <a:lstStyle/>
+          <a:p>
+            <a:r>
+              <a:rPr lang="en-US" altLang="ko-KR" dirty="0" smtClean="0"/>
+              <a:t>Python: cv2.HoughLinesP(image, rho, theta, threshold[, lines[, </a:t>
+            </a:r>
+            <a:r>
+              <a:rPr lang="en-US" altLang="ko-KR" dirty="0" err="1" smtClean="0"/>
+              <a:t>minLineLength</a:t>
+            </a:r>
+            <a:r>
+              <a:rPr lang="en-US" altLang="ko-KR" dirty="0" smtClean="0"/>
+              <a:t>[, </a:t>
+            </a:r>
+            <a:r>
+              <a:rPr lang="en-US" altLang="ko-KR" dirty="0" err="1" smtClean="0"/>
+              <a:t>maxLineGap</a:t>
+            </a:r>
+            <a:r>
+              <a:rPr lang="en-US" altLang="ko-KR" dirty="0" smtClean="0"/>
+              <a:t>]]]) → lines</a:t>
+            </a:r>
+            <a:endParaRPr lang="ko-KR" altLang="en-US" dirty="0"/>
+          </a:p>
+        </p:txBody>
+      </p:sp>
+    </p:spTree>
+    <p:extLst>
+      <p:ext uri="{BB962C8B-B14F-4D97-AF65-F5344CB8AC3E}">
+        <p14:creationId xmlns="" xmlns:p14="http://schemas.microsoft.com/office/powerpoint/2010/main" val="792329231"/>
+      </p:ext>
+    </p:extLst>
+  </p:cSld>
+  <p:clrMapOvr>
+    <a:masterClrMapping/>
+  </p:clrMapOvr>
+  <p:timing>
+    <p:tnLst>
+      <p:par>
+        <p:cTn id="1" dur="indefinite" restart="never" nodeType="tmRoot"/>
+      </p:par>
+    </p:tnLst>
+  </p:timing>
+</p:sld>
+</file>
+
+<file path=ppt/slides/slide18.xml><?xml version="1.0" encoding="utf-8"?>
+<p:sld xmlns:a="http://schemas.openxmlformats.org/drawingml/2006/main" xmlns:r="http://schemas.openxmlformats.org/officeDocument/2006/relationships" xmlns:p="http://schemas.openxmlformats.org/presentationml/2006/main">
+  <p:cSld>
+    <p:spTree>
+      <p:nvGrpSpPr>
+        <p:cNvPr id="1" name=""/>
+        <p:cNvGrpSpPr/>
+        <p:nvPr/>
+      </p:nvGrpSpPr>
+      <p:grpSpPr>
+        <a:xfrm>
+          <a:off x="0" y="0"/>
+          <a:ext cx="0" cy="0"/>
+          <a:chOff x="0" y="0"/>
+          <a:chExt cx="0" cy="0"/>
+        </a:xfrm>
+      </p:grpSpPr>
+      <p:sp>
+        <p:nvSpPr>
+          <p:cNvPr id="2" name="제목 1"/>
+          <p:cNvSpPr>
+            <a:spLocks noGrp="1"/>
+          </p:cNvSpPr>
+          <p:nvPr>
+            <p:ph type="title"/>
+          </p:nvPr>
+        </p:nvSpPr>
+        <p:spPr/>
+        <p:txBody>
+          <a:bodyPr/>
+          <a:lstStyle/>
+          <a:p>
+            <a:endParaRPr lang="ko-KR" altLang="en-US"/>
+          </a:p>
+        </p:txBody>
+      </p:sp>
+      <p:sp>
+        <p:nvSpPr>
+          <p:cNvPr id="3" name="내용 개체 틀 2"/>
+          <p:cNvSpPr>
+            <a:spLocks noGrp="1"/>
+          </p:cNvSpPr>
+          <p:nvPr>
+            <p:ph idx="1"/>
+          </p:nvPr>
+        </p:nvSpPr>
+        <p:spPr/>
+        <p:txBody>
+          <a:bodyPr/>
+          <a:lstStyle/>
+          <a:p>
+            <a:r>
+              <a:rPr lang="en-US" altLang="ko-KR" dirty="0" smtClean="0"/>
+              <a:t>http://homepages.inf.ed.ac.uk/amos/hough.html</a:t>
+            </a:r>
+            <a:endParaRPr lang="ko-KR" altLang="en-US" dirty="0"/>
+          </a:p>
+        </p:txBody>
+      </p:sp>
+    </p:spTree>
+    <p:extLst>
+      <p:ext uri="{BB962C8B-B14F-4D97-AF65-F5344CB8AC3E}">
+        <p14:creationId xmlns="" xmlns:p14="http://schemas.microsoft.com/office/powerpoint/2010/main" val="2496624278"/>
+      </p:ext>
+    </p:extLst>
+  </p:cSld>
+  <p:clrMapOvr>
+    <a:masterClrMapping/>
+  </p:clrMapOvr>
+  <p:timing>
+    <p:tnLst>
+      <p:par>
+        <p:cTn id="1" dur="indefinite" restart="never" nodeType="tmRoot"/>
+      </p:par>
+    </p:tnLst>
+  </p:timing>
+</p:sld>
+</file>
+
+<file path=ppt/slides/slide19.xml><?xml version="1.0" encoding="utf-8"?>
+<p:sld xmlns:a="http://schemas.openxmlformats.org/drawingml/2006/main" xmlns:r="http://schemas.openxmlformats.org/officeDocument/2006/relationships" xmlns:p="http://schemas.openxmlformats.org/presentationml/2006/main">
+  <p:cSld>
+    <p:spTree>
+      <p:nvGrpSpPr>
+        <p:cNvPr id="1" name=""/>
+        <p:cNvGrpSpPr/>
+        <p:nvPr/>
+      </p:nvGrpSpPr>
+      <p:grpSpPr>
+        <a:xfrm>
+          <a:off x="0" y="0"/>
+          <a:ext cx="0" cy="0"/>
+          <a:chOff x="0" y="0"/>
+          <a:chExt cx="0" cy="0"/>
+        </a:xfrm>
+      </p:grpSpPr>
+      <p:sp>
+        <p:nvSpPr>
+          <p:cNvPr id="2" name="제목 1"/>
+          <p:cNvSpPr>
+            <a:spLocks noGrp="1"/>
+          </p:cNvSpPr>
+          <p:nvPr>
+            <p:ph type="title"/>
+          </p:nvPr>
+        </p:nvSpPr>
+        <p:spPr/>
+        <p:txBody>
+          <a:bodyPr/>
+          <a:lstStyle/>
+          <a:p>
+            <a:r>
+              <a:rPr lang="en-US" altLang="ko-KR" dirty="0" err="1" smtClean="0"/>
+              <a:t>HoughCircles</a:t>
+            </a:r>
+            <a:endParaRPr lang="ko-KR" altLang="en-US" dirty="0"/>
+          </a:p>
+        </p:txBody>
+      </p:sp>
+      <p:sp>
+        <p:nvSpPr>
+          <p:cNvPr id="3" name="내용 개체 틀 2"/>
+          <p:cNvSpPr>
+            <a:spLocks noGrp="1"/>
+          </p:cNvSpPr>
+          <p:nvPr>
+            <p:ph idx="1"/>
+          </p:nvPr>
+        </p:nvSpPr>
+        <p:spPr/>
+        <p:txBody>
+          <a:bodyPr>
+            <a:normAutofit/>
+          </a:bodyPr>
+          <a:lstStyle/>
+          <a:p>
+            <a:r>
+              <a:rPr lang="en-US" altLang="ko-KR" sz="2000" dirty="0" smtClean="0"/>
+              <a:t>cv2.HoughCircles(image, method, </a:t>
+            </a:r>
+            <a:r>
+              <a:rPr lang="en-US" altLang="ko-KR" sz="2000" dirty="0" err="1" smtClean="0"/>
+              <a:t>dp</a:t>
+            </a:r>
+            <a:r>
+              <a:rPr lang="en-US" altLang="ko-KR" sz="2000" dirty="0" smtClean="0"/>
               <a:t>, </a:t>
             </a:r>
             <a:r>
-              <a:rPr lang="en-US" altLang="ko-KR" dirty="0" err="1" smtClean="0"/>
-              <a:t>maxrad</a:t>
-            </a:r>
-            <a:r>
-              <a:rPr lang="en-US" altLang="ko-KR" dirty="0" smtClean="0"/>
-              <a:t>, dist </a:t>
-            </a:r>
-            <a:r>
-              <a:rPr lang="ko-KR" altLang="en-US" dirty="0" smtClean="0"/>
-              <a:t>잡기</a:t>
-            </a:r>
-            <a:endParaRPr lang="en-US" altLang="ko-KR" dirty="0" smtClean="0"/>
-          </a:p>
-          <a:p>
-            <a:r>
-              <a:rPr lang="en-US" altLang="ko-KR" dirty="0" smtClean="0"/>
-              <a:t>Param2</a:t>
-            </a:r>
-            <a:r>
-              <a:rPr lang="ko-KR" altLang="en-US" dirty="0" smtClean="0"/>
-              <a:t>가 결정적인 듯</a:t>
-            </a:r>
-            <a:r>
-              <a:rPr lang="en-US" altLang="ko-KR" dirty="0" smtClean="0"/>
-              <a:t>. </a:t>
-            </a:r>
-            <a:endParaRPr lang="ko-KR" altLang="en-US" dirty="0"/>
+              <a:rPr lang="en-US" altLang="ko-KR" sz="2000" dirty="0" err="1" smtClean="0"/>
+              <a:t>minDist</a:t>
+            </a:r>
+            <a:r>
+              <a:rPr lang="en-US" altLang="ko-KR" sz="2000" dirty="0" smtClean="0"/>
+              <a:t>[, circles[, param1[, param2[, </a:t>
+            </a:r>
+            <a:r>
+              <a:rPr lang="en-US" altLang="ko-KR" sz="2000" dirty="0" err="1" smtClean="0"/>
+              <a:t>minRadius</a:t>
+            </a:r>
+            <a:r>
+              <a:rPr lang="en-US" altLang="ko-KR" sz="2000" dirty="0" smtClean="0"/>
+              <a:t>[, </a:t>
+            </a:r>
+            <a:r>
+              <a:rPr lang="en-US" altLang="ko-KR" sz="2000" dirty="0" err="1" smtClean="0"/>
+              <a:t>maxRadius</a:t>
+            </a:r>
+            <a:r>
+              <a:rPr lang="en-US" altLang="ko-KR" sz="2000" dirty="0" smtClean="0"/>
+              <a:t>]]]]]) → circles</a:t>
+            </a:r>
+          </a:p>
+          <a:p>
+            <a:pPr lvl="1"/>
+            <a:r>
+              <a:rPr lang="en-US" altLang="ko-KR" sz="1600" dirty="0" smtClean="0"/>
+              <a:t>Image : 8bit, </a:t>
+            </a:r>
+            <a:r>
+              <a:rPr lang="en-US" altLang="ko-KR" sz="1600" dirty="0" err="1" smtClean="0"/>
+              <a:t>sigle</a:t>
+            </a:r>
+            <a:r>
+              <a:rPr lang="en-US" altLang="ko-KR" sz="1600" dirty="0" smtClean="0"/>
+              <a:t> channel, grayscale</a:t>
+            </a:r>
+          </a:p>
+          <a:p>
+            <a:pPr lvl="1"/>
+            <a:r>
+              <a:rPr lang="en-US" altLang="ko-KR" sz="1600" dirty="0" smtClean="0"/>
+              <a:t>Circles : output vectors of found circle</a:t>
+            </a:r>
+            <a:r>
+              <a:rPr lang="ko-KR" altLang="en-US" sz="1600" dirty="0" smtClean="0"/>
+              <a:t> </a:t>
+            </a:r>
+            <a:r>
+              <a:rPr lang="en-US" altLang="ko-KR" sz="1600" dirty="0" smtClean="0"/>
+              <a:t>(x, y, rad.)</a:t>
+            </a:r>
+          </a:p>
+          <a:p>
+            <a:pPr lvl="1"/>
+            <a:r>
+              <a:rPr lang="en-US" altLang="ko-KR" sz="1600" dirty="0" smtClean="0"/>
+              <a:t>Method : detection method</a:t>
+            </a:r>
+          </a:p>
+          <a:p>
+            <a:pPr lvl="2"/>
+            <a:r>
+              <a:rPr lang="en-US" altLang="ko-KR" sz="1200" dirty="0" smtClean="0"/>
+              <a:t>The only method : CV_HOUGH_GRADIENT</a:t>
+            </a:r>
+          </a:p>
+          <a:p>
+            <a:pPr lvl="1"/>
+            <a:r>
+              <a:rPr lang="en-US" altLang="ko-KR" sz="1600" dirty="0" err="1" smtClean="0"/>
+              <a:t>dp</a:t>
+            </a:r>
+            <a:r>
+              <a:rPr lang="en-US" altLang="ko-KR" sz="1600" dirty="0" smtClean="0"/>
+              <a:t> : inverse ratio of accumulator </a:t>
+            </a:r>
+            <a:r>
+              <a:rPr lang="en-US" altLang="ko-KR" sz="1600" dirty="0" err="1" smtClean="0"/>
+              <a:t>reolution</a:t>
+            </a:r>
+            <a:r>
+              <a:rPr lang="en-US" altLang="ko-KR" sz="1600" dirty="0" smtClean="0"/>
+              <a:t> to the image resolution </a:t>
+            </a:r>
+          </a:p>
+          <a:p>
+            <a:pPr lvl="1"/>
+            <a:r>
+              <a:rPr lang="en-US" altLang="ko-KR" sz="1600" dirty="0" err="1" smtClean="0"/>
+              <a:t>minDist</a:t>
+            </a:r>
+            <a:r>
+              <a:rPr lang="en-US" altLang="ko-KR" sz="1600" dirty="0" smtClean="0"/>
+              <a:t> : minimum distance between the </a:t>
+            </a:r>
+            <a:r>
+              <a:rPr lang="en-US" altLang="ko-KR" sz="1600" dirty="0" err="1" smtClean="0"/>
+              <a:t>centor</a:t>
+            </a:r>
+            <a:r>
+              <a:rPr lang="en-US" altLang="ko-KR" sz="1600" dirty="0" smtClean="0"/>
+              <a:t> of detected circles</a:t>
+            </a:r>
+          </a:p>
+          <a:p>
+            <a:pPr lvl="1"/>
+            <a:r>
+              <a:rPr lang="en-US" altLang="ko-KR" sz="1600" dirty="0" smtClean="0"/>
+              <a:t>Param1 : first method-specified parameter</a:t>
+            </a:r>
+          </a:p>
+          <a:p>
+            <a:pPr lvl="2"/>
+            <a:r>
+              <a:rPr lang="en-US" altLang="ko-KR" sz="1200" dirty="0" smtClean="0"/>
+              <a:t>CV_HOUGH_GRADIENT : higher threshold of the two passed to the canny()</a:t>
+            </a:r>
+          </a:p>
+          <a:p>
+            <a:pPr lvl="1"/>
+            <a:r>
+              <a:rPr lang="en-US" altLang="ko-KR" sz="1600" dirty="0" smtClean="0"/>
+              <a:t>Param2 : second method-specified parameter</a:t>
+            </a:r>
+          </a:p>
+          <a:p>
+            <a:pPr lvl="2"/>
+            <a:r>
+              <a:rPr lang="en-US" altLang="ko-KR" sz="1200" dirty="0" smtClean="0"/>
+              <a:t>CV_HOUGH_GRADINET : threshold for circle </a:t>
+            </a:r>
+            <a:r>
+              <a:rPr lang="en-US" altLang="ko-KR" sz="1200" dirty="0" err="1" smtClean="0"/>
+              <a:t>centor</a:t>
+            </a:r>
+            <a:r>
+              <a:rPr lang="en-US" altLang="ko-KR" sz="1200" dirty="0" smtClean="0"/>
+              <a:t> at the detection stage. </a:t>
+            </a:r>
+          </a:p>
+          <a:p>
+            <a:pPr lvl="2"/>
+            <a:r>
+              <a:rPr lang="en-US" altLang="ko-KR" sz="1200" dirty="0" smtClean="0"/>
+              <a:t>Smaller, more false circles may detected</a:t>
+            </a:r>
+          </a:p>
+          <a:p>
+            <a:endParaRPr lang="en-US" altLang="ko-KR" sz="2000" dirty="0" smtClean="0"/>
           </a:p>
         </p:txBody>
       </p:sp>
@@ -4915,11 +5821,7 @@
             </a:r>
             <a:r>
               <a:rPr lang="en-US" altLang="ko-KR" sz="2000" dirty="0" smtClean="0"/>
-              <a:t>? </a:t>
-            </a:r>
-            <a:r>
-              <a:rPr lang="en-US" altLang="ko-KR" sz="2000" dirty="0" smtClean="0"/>
-              <a:t>Hough !</a:t>
+              <a:t>? Hough !</a:t>
             </a:r>
           </a:p>
         </p:txBody>
@@ -4936,7 +5838,7 @@
           <a:blip r:embed="rId2" cstate="print">
             <a:extLst>
               <a:ext uri="{28A0092B-C50C-407E-A947-70E740481C1C}">
-                <a14:useLocalDpi xmlns:a14="http://schemas.microsoft.com/office/drawing/2010/main" xmlns="" val="0"/>
+                <a14:useLocalDpi xmlns="" xmlns:a14="http://schemas.microsoft.com/office/drawing/2010/main" val="0"/>
               </a:ext>
             </a:extLst>
           </a:blip>
@@ -4956,7 +5858,7 @@
           <a:noFill/>
           <a:extLst>
             <a:ext uri="{909E8E84-426E-40DD-AFC4-6F175D3DCCD1}">
-              <a14:hiddenFill xmlns:a14="http://schemas.microsoft.com/office/drawing/2010/main" xmlns="">
+              <a14:hiddenFill xmlns="" xmlns:a14="http://schemas.microsoft.com/office/drawing/2010/main">
                 <a:solidFill>
                   <a:srgbClr val="FFFFFF"/>
                 </a:solidFill>
@@ -4977,7 +5879,7 @@
           <a:blip r:embed="rId3" cstate="print">
             <a:extLst>
               <a:ext uri="{28A0092B-C50C-407E-A947-70E740481C1C}">
-                <a14:useLocalDpi xmlns:a14="http://schemas.microsoft.com/office/drawing/2010/main" xmlns="" val="0"/>
+                <a14:useLocalDpi xmlns="" xmlns:a14="http://schemas.microsoft.com/office/drawing/2010/main" val="0"/>
               </a:ext>
             </a:extLst>
           </a:blip>
@@ -4997,7 +5899,7 @@
           <a:noFill/>
           <a:extLst>
             <a:ext uri="{909E8E84-426E-40DD-AFC4-6F175D3DCCD1}">
-              <a14:hiddenFill xmlns:a14="http://schemas.microsoft.com/office/drawing/2010/main" xmlns="">
+              <a14:hiddenFill xmlns="" xmlns:a14="http://schemas.microsoft.com/office/drawing/2010/main">
                 <a:solidFill>
                   <a:srgbClr val="FFFFFF"/>
                 </a:solidFill>
@@ -5009,9 +5911,123 @@
     </p:spTree>
     <p:extLst>
       <p:ext uri="{BB962C8B-B14F-4D97-AF65-F5344CB8AC3E}">
-        <p14:creationId xmlns:p14="http://schemas.microsoft.com/office/powerpoint/2010/main" xmlns="" val="3228266440"/>
+        <p14:creationId xmlns="" xmlns:p14="http://schemas.microsoft.com/office/powerpoint/2010/main" val="3228266440"/>
       </p:ext>
     </p:extLst>
+  </p:cSld>
+  <p:clrMapOvr>
+    <a:masterClrMapping/>
+  </p:clrMapOvr>
+</p:sld>
+</file>
+
+<file path=ppt/slides/slide20.xml><?xml version="1.0" encoding="utf-8"?>
+<p:sld xmlns:a="http://schemas.openxmlformats.org/drawingml/2006/main" xmlns:r="http://schemas.openxmlformats.org/officeDocument/2006/relationships" xmlns:p="http://schemas.openxmlformats.org/presentationml/2006/main">
+  <p:cSld>
+    <p:spTree>
+      <p:nvGrpSpPr>
+        <p:cNvPr id="1" name=""/>
+        <p:cNvGrpSpPr/>
+        <p:nvPr/>
+      </p:nvGrpSpPr>
+      <p:grpSpPr>
+        <a:xfrm>
+          <a:off x="0" y="0"/>
+          <a:ext cx="0" cy="0"/>
+          <a:chOff x="0" y="0"/>
+          <a:chExt cx="0" cy="0"/>
+        </a:xfrm>
+      </p:grpSpPr>
+      <p:sp>
+        <p:nvSpPr>
+          <p:cNvPr id="2" name="제목 1"/>
+          <p:cNvSpPr>
+            <a:spLocks noGrp="1"/>
+          </p:cNvSpPr>
+          <p:nvPr>
+            <p:ph type="title"/>
+          </p:nvPr>
+        </p:nvSpPr>
+        <p:spPr/>
+        <p:txBody>
+          <a:bodyPr/>
+          <a:lstStyle/>
+          <a:p>
+            <a:r>
+              <a:rPr lang="en-US" altLang="ko-KR" dirty="0" smtClean="0"/>
+              <a:t>Parameter </a:t>
+            </a:r>
+            <a:r>
+              <a:rPr lang="ko-KR" altLang="en-US" dirty="0" smtClean="0"/>
+              <a:t>잡기 어려움</a:t>
+            </a:r>
+            <a:endParaRPr lang="ko-KR" altLang="en-US" dirty="0"/>
+          </a:p>
+        </p:txBody>
+      </p:sp>
+      <p:sp>
+        <p:nvSpPr>
+          <p:cNvPr id="3" name="내용 개체 틀 2"/>
+          <p:cNvSpPr>
+            <a:spLocks noGrp="1"/>
+          </p:cNvSpPr>
+          <p:nvPr>
+            <p:ph idx="1"/>
+          </p:nvPr>
+        </p:nvSpPr>
+        <p:spPr/>
+        <p:txBody>
+          <a:bodyPr/>
+          <a:lstStyle/>
+          <a:p>
+            <a:r>
+              <a:rPr lang="en-US" altLang="ko-KR" dirty="0" smtClean="0"/>
+              <a:t>Circle geometry</a:t>
+            </a:r>
+            <a:r>
+              <a:rPr lang="ko-KR" altLang="en-US" dirty="0" smtClean="0"/>
+              <a:t>로 </a:t>
+            </a:r>
+            <a:r>
+              <a:rPr lang="en-US" altLang="ko-KR" dirty="0" err="1" smtClean="0"/>
+              <a:t>mijnrad</a:t>
+            </a:r>
+            <a:r>
+              <a:rPr lang="en-US" altLang="ko-KR" dirty="0" smtClean="0"/>
+              <a:t>, </a:t>
+            </a:r>
+            <a:r>
+              <a:rPr lang="en-US" altLang="ko-KR" dirty="0" err="1" smtClean="0"/>
+              <a:t>maxrad</a:t>
+            </a:r>
+            <a:r>
+              <a:rPr lang="en-US" altLang="ko-KR" dirty="0" smtClean="0"/>
+              <a:t>, dist </a:t>
+            </a:r>
+            <a:r>
+              <a:rPr lang="ko-KR" altLang="en-US" dirty="0" smtClean="0"/>
+              <a:t>잡기</a:t>
+            </a:r>
+            <a:endParaRPr lang="en-US" altLang="ko-KR" dirty="0" smtClean="0"/>
+          </a:p>
+          <a:p>
+            <a:r>
+              <a:rPr lang="en-US" altLang="ko-KR" dirty="0" smtClean="0"/>
+              <a:t>Param2</a:t>
+            </a:r>
+            <a:r>
+              <a:rPr lang="ko-KR" altLang="en-US" dirty="0" smtClean="0"/>
+              <a:t>가 결정적인 듯</a:t>
+            </a:r>
+            <a:r>
+              <a:rPr lang="en-US" altLang="ko-KR" dirty="0" smtClean="0"/>
+              <a:t>. </a:t>
+            </a:r>
+            <a:endParaRPr lang="ko-KR" altLang="en-US" dirty="0"/>
+          </a:p>
+        </p:txBody>
+      </p:sp>
+    </p:spTree>
   </p:cSld>
   <p:clrMapOvr>
     <a:masterClrMapping/>
@@ -5053,7 +6069,7 @@
           <a:p>
             <a:r>
               <a:rPr lang="en-US" altLang="ko-KR" dirty="0" smtClean="0"/>
-              <a:t>overview</a:t>
+              <a:t>Process overview</a:t>
             </a:r>
             <a:endParaRPr lang="ko-KR" altLang="en-US" dirty="0"/>
           </a:p>
@@ -5081,8 +6097,20 @@
           <a:p>
             <a:r>
               <a:rPr lang="en-US" altLang="ko-KR" dirty="0" smtClean="0"/>
-              <a:t>Input = binary</a:t>
-            </a:r>
+              <a:t>Input = </a:t>
+            </a:r>
+            <a:r>
+              <a:rPr lang="en-US" altLang="ko-KR" dirty="0" smtClean="0"/>
+              <a:t>binary	</a:t>
+            </a:r>
+          </a:p>
+          <a:p>
+            <a:pPr lvl="1"/>
+            <a:r>
+              <a:rPr lang="en-US" altLang="ko-KR" dirty="0" smtClean="0"/>
+              <a:t>Threshold / Canny</a:t>
+            </a:r>
+            <a:endParaRPr lang="en-US" altLang="ko-KR" dirty="0" smtClean="0"/>
           </a:p>
           <a:p>
             <a:r>
@@ -5102,9 +6130,28 @@
             </a:r>
           </a:p>
           <a:p>
-            <a:r>
-              <a:rPr lang="en-US" altLang="ko-KR" dirty="0" smtClean="0"/>
-              <a:t>Threshold / select lines</a:t>
+            <a:pPr lvl="1"/>
+            <a:r>
+              <a:rPr lang="ko-KR" altLang="en-US" dirty="0" smtClean="0"/>
+              <a:t>명칭</a:t>
+            </a:r>
+            <a:r>
+              <a:rPr lang="en-US" altLang="ko-KR" dirty="0" smtClean="0"/>
+              <a:t>?</a:t>
+            </a:r>
+          </a:p>
+          <a:p>
+            <a:pPr lvl="1"/>
+            <a:r>
+              <a:rPr lang="en-US" altLang="ko-KR" dirty="0" smtClean="0"/>
+              <a:t>accumulator?</a:t>
+            </a:r>
+            <a:endParaRPr lang="en-US" altLang="ko-KR" dirty="0" smtClean="0"/>
+          </a:p>
+          <a:p>
+            <a:r>
+              <a:rPr lang="en-US" altLang="ko-KR" dirty="0" smtClean="0"/>
+              <a:t>Threshold</a:t>
             </a:r>
             <a:endParaRPr lang="ko-KR" altLang="en-US" dirty="0"/>
           </a:p>
@@ -5122,7 +6169,7 @@
           <a:blip r:embed="rId3" cstate="print">
             <a:extLst>
               <a:ext uri="{28A0092B-C50C-407E-A947-70E740481C1C}">
-                <a14:useLocalDpi xmlns:a14="http://schemas.microsoft.com/office/drawing/2010/main" xmlns="" val="0"/>
+                <a14:useLocalDpi xmlns="" xmlns:a14="http://schemas.microsoft.com/office/drawing/2010/main" val="0"/>
               </a:ext>
             </a:extLst>
           </a:blip>
@@ -5142,7 +6189,7 @@
           <a:noFill/>
           <a:extLst>
             <a:ext uri="{909E8E84-426E-40DD-AFC4-6F175D3DCCD1}">
-              <a14:hiddenFill xmlns:a14="http://schemas.microsoft.com/office/drawing/2010/main" xmlns="">
+              <a14:hiddenFill xmlns="" xmlns:a14="http://schemas.microsoft.com/office/drawing/2010/main">
                 <a:solidFill>
                   <a:srgbClr val="FFFFFF"/>
                 </a:solidFill>
@@ -5209,7 +6256,7 @@
     </p:spTree>
     <p:extLst>
       <p:ext uri="{BB962C8B-B14F-4D97-AF65-F5344CB8AC3E}">
-        <p14:creationId xmlns:p14="http://schemas.microsoft.com/office/powerpoint/2010/main" xmlns="" val="2839063633"/>
+        <p14:creationId xmlns="" xmlns:p14="http://schemas.microsoft.com/office/powerpoint/2010/main" val="2839063633"/>
       </p:ext>
     </p:extLst>
   </p:cSld>
@@ -5329,7 +6376,7 @@
           <a:blip r:embed="rId2" cstate="print">
             <a:extLst>
               <a:ext uri="{28A0092B-C50C-407E-A947-70E740481C1C}">
-                <a14:useLocalDpi xmlns:a14="http://schemas.microsoft.com/office/drawing/2010/main" xmlns="" val="0"/>
+                <a14:useLocalDpi xmlns="" xmlns:a14="http://schemas.microsoft.com/office/drawing/2010/main" val="0"/>
               </a:ext>
             </a:extLst>
           </a:blip>
@@ -5349,7 +6396,7 @@
           <a:noFill/>
           <a:extLst>
             <a:ext uri="{909E8E84-426E-40DD-AFC4-6F175D3DCCD1}">
-              <a14:hiddenFill xmlns:a14="http://schemas.microsoft.com/office/drawing/2010/main" xmlns="">
+              <a14:hiddenFill xmlns="" xmlns:a14="http://schemas.microsoft.com/office/drawing/2010/main">
                 <a:solidFill>
                   <a:srgbClr val="FFFFFF"/>
                 </a:solidFill>
@@ -5415,7 +6462,7 @@
     </p:spTree>
     <p:extLst>
       <p:ext uri="{BB962C8B-B14F-4D97-AF65-F5344CB8AC3E}">
-        <p14:creationId xmlns:p14="http://schemas.microsoft.com/office/powerpoint/2010/main" xmlns="" val="285087241"/>
+        <p14:creationId xmlns="" xmlns:p14="http://schemas.microsoft.com/office/powerpoint/2010/main" val="285087241"/>
       </p:ext>
     </p:extLst>
   </p:cSld>
@@ -5484,27 +6531,19 @@
         </p:nvSpPr>
         <p:spPr>
           <a:xfrm>
-            <a:off x="628650" y="4676171"/>
-            <a:ext cx="7886700" cy="1500791"/>
+            <a:off x="628650" y="4581331"/>
+            <a:ext cx="7886700" cy="1595631"/>
           </a:xfrm>
         </p:spPr>
         <p:txBody>
           <a:bodyPr>
-            <a:normAutofit fontScale="77500" lnSpcReduction="20000"/>
+            <a:normAutofit fontScale="70000" lnSpcReduction="20000"/>
           </a:bodyPr>
           <a:lstStyle/>
           <a:p>
             <a:r>
               <a:rPr lang="en-US" altLang="ko-KR" dirty="0" smtClean="0"/>
-              <a:t>(r, theta) 2</a:t>
-            </a:r>
-            <a:r>
-              <a:rPr lang="ko-KR" altLang="en-US" dirty="0" smtClean="0"/>
-              <a:t>차원 </a:t>
-            </a:r>
-            <a:r>
-              <a:rPr lang="en-US" altLang="ko-KR" dirty="0" smtClean="0"/>
-              <a:t>matrix</a:t>
+              <a:t>(r, theta) </a:t>
             </a:r>
             <a:r>
               <a:rPr lang="ko-KR" altLang="en-US" dirty="0" smtClean="0"/>
@@ -5524,11 +6563,11 @@
             </a:r>
             <a:r>
               <a:rPr lang="ko-KR" altLang="en-US" dirty="0" smtClean="0"/>
-              <a:t>들을 </a:t>
-            </a:r>
-            <a:r>
-              <a:rPr lang="ko-KR" altLang="en-US" dirty="0" smtClean="0"/>
-              <a:t>표현 가능</a:t>
+              <a:t>들을 표현 </a:t>
+            </a:r>
+            <a:r>
+              <a:rPr lang="ko-KR" altLang="en-US" dirty="0" smtClean="0"/>
+              <a:t>가능</a:t>
             </a:r>
             <a:endParaRPr lang="en-US" altLang="ko-KR" dirty="0" smtClean="0"/>
           </a:p>
@@ -5551,8 +6590,47 @@
             </a:r>
             <a:r>
               <a:rPr lang="en-US" altLang="ko-KR" dirty="0" smtClean="0"/>
-              <a:t>. </a:t>
-            </a:r>
+              <a:t>.</a:t>
+            </a:r>
+          </a:p>
+          <a:p>
+            <a:r>
+              <a:rPr lang="en-US" altLang="ko-KR" dirty="0" smtClean="0"/>
+              <a:t>Hough space</a:t>
+            </a:r>
+            <a:r>
+              <a:rPr lang="ko-KR" altLang="en-US" dirty="0" smtClean="0"/>
+              <a:t> </a:t>
+            </a:r>
+            <a:r>
+              <a:rPr lang="ko-KR" altLang="en-US" dirty="0" smtClean="0"/>
+              <a:t>내의 각 원소 </a:t>
+            </a:r>
+            <a:r>
+              <a:rPr lang="en-US" altLang="ko-KR" dirty="0" smtClean="0"/>
+              <a:t>: </a:t>
+            </a:r>
+            <a:r>
+              <a:rPr lang="ko-KR" altLang="en-US" dirty="0" smtClean="0"/>
+              <a:t>해당 </a:t>
+            </a:r>
+            <a:r>
+              <a:rPr lang="en-US" altLang="ko-KR" dirty="0" smtClean="0"/>
+              <a:t>line</a:t>
+            </a:r>
+            <a:r>
+              <a:rPr lang="ko-KR" altLang="en-US" dirty="0" smtClean="0"/>
+              <a:t>의 </a:t>
+            </a:r>
+            <a:r>
+              <a:rPr lang="en-US" altLang="ko-KR" dirty="0" smtClean="0"/>
+              <a:t>vote </a:t>
+            </a:r>
+            <a:r>
+              <a:rPr lang="ko-KR" altLang="en-US" dirty="0" smtClean="0"/>
+              <a:t>수 </a:t>
+            </a:r>
+            <a:endParaRPr lang="en-US" altLang="ko-KR" dirty="0" smtClean="0"/>
           </a:p>
           <a:p>
             <a:r>
@@ -5635,13 +6713,13 @@
           <p:nvPr>
             <p:extLst>
               <p:ext uri="{D42A27DB-BD31-4B8C-83A1-F6EECF244321}">
-                <p14:modId xmlns:p14="http://schemas.microsoft.com/office/powerpoint/2010/main" xmlns="" val="733903917"/>
+                <p14:modId xmlns="" xmlns:p14="http://schemas.microsoft.com/office/powerpoint/2010/main" val="733903917"/>
               </p:ext>
             </p:extLst>
           </p:nvPr>
         </p:nvGraphicFramePr>
         <p:xfrm>
-          <a:off x="628650" y="2239603"/>
+          <a:off x="740618" y="2360901"/>
           <a:ext cx="4556808" cy="1533744"/>
         </p:xfrm>
         <a:graphic>
@@ -5654,28 +6732,28 @@
                 <a:gridCol w="1139202">
                   <a:extLst>
                     <a:ext uri="{9D8B030D-6E8A-4147-A177-3AD203B41FA5}">
-                      <a16:colId xmlns:a16="http://schemas.microsoft.com/office/drawing/2014/main" xmlns="" val="3988775074"/>
+                      <a16:colId xmlns="" xmlns:a16="http://schemas.microsoft.com/office/drawing/2014/main" val="3988775074"/>
                     </a:ext>
                   </a:extLst>
                 </a:gridCol>
                 <a:gridCol w="1139202">
                   <a:extLst>
                     <a:ext uri="{9D8B030D-6E8A-4147-A177-3AD203B41FA5}">
-                      <a16:colId xmlns:a16="http://schemas.microsoft.com/office/drawing/2014/main" xmlns="" val="3207087765"/>
+                      <a16:colId xmlns="" xmlns:a16="http://schemas.microsoft.com/office/drawing/2014/main" val="3207087765"/>
                     </a:ext>
                   </a:extLst>
                 </a:gridCol>
                 <a:gridCol w="1139202">
                   <a:extLst>
                     <a:ext uri="{9D8B030D-6E8A-4147-A177-3AD203B41FA5}">
-                      <a16:colId xmlns:a16="http://schemas.microsoft.com/office/drawing/2014/main" xmlns="" val="3047351752"/>
+                      <a16:colId xmlns="" xmlns:a16="http://schemas.microsoft.com/office/drawing/2014/main" val="3047351752"/>
                     </a:ext>
                   </a:extLst>
                 </a:gridCol>
                 <a:gridCol w="1139202">
                   <a:extLst>
                     <a:ext uri="{9D8B030D-6E8A-4147-A177-3AD203B41FA5}">
-                      <a16:colId xmlns:a16="http://schemas.microsoft.com/office/drawing/2014/main" xmlns="" val="1786076702"/>
+                      <a16:colId xmlns="" xmlns:a16="http://schemas.microsoft.com/office/drawing/2014/main" val="1786076702"/>
                     </a:ext>
                   </a:extLst>
                 </a:gridCol>
@@ -5739,7 +6817,7 @@
                 </a:tc>
                 <a:extLst>
                   <a:ext uri="{0D108BD9-81ED-4DB2-BD59-A6C34878D82A}">
-                    <a16:rowId xmlns:a16="http://schemas.microsoft.com/office/drawing/2014/main" xmlns="" val="3534270772"/>
+                    <a16:rowId xmlns="" xmlns:a16="http://schemas.microsoft.com/office/drawing/2014/main" val="3534270772"/>
                   </a:ext>
                 </a:extLst>
               </a:tr>
@@ -5767,8 +6845,9 @@
                       <a:pPr latinLnBrk="1"/>
                       <a:r>
                         <a:rPr lang="en-US" altLang="ko-KR" dirty="0" smtClean="0"/>
-                        <a:t>(1, 30)</a:t>
+                        <a:t>0</a:t>
                       </a:r>
+                      <a:endParaRPr lang="en-US" altLang="ko-KR" dirty="0" smtClean="0"/>
                     </a:p>
                   </a:txBody>
                   <a:tcPr/>
@@ -5781,11 +6860,7 @@
                       <a:pPr latinLnBrk="1"/>
                       <a:r>
                         <a:rPr lang="en-US" altLang="ko-KR" dirty="0" smtClean="0"/>
-                        <a:t>(1,</a:t>
-                      </a:r>
-                      <a:r>
-                        <a:rPr lang="en-US" altLang="ko-KR" baseline="0" dirty="0" smtClean="0"/>
-                        <a:t> 60)</a:t>
+                        <a:t>0</a:t>
                       </a:r>
                       <a:endParaRPr lang="ko-KR" altLang="en-US" dirty="0"/>
                     </a:p>
@@ -5800,7 +6875,7 @@
                       <a:pPr latinLnBrk="1"/>
                       <a:r>
                         <a:rPr lang="en-US" altLang="ko-KR" dirty="0" smtClean="0"/>
-                        <a:t>(1, 90)</a:t>
+                        <a:t>0</a:t>
                       </a:r>
                       <a:endParaRPr lang="ko-KR" altLang="en-US" dirty="0"/>
                     </a:p>
@@ -5809,7 +6884,7 @@
                 </a:tc>
                 <a:extLst>
                   <a:ext uri="{0D108BD9-81ED-4DB2-BD59-A6C34878D82A}">
-                    <a16:rowId xmlns:a16="http://schemas.microsoft.com/office/drawing/2014/main" xmlns="" val="133497317"/>
+                    <a16:rowId xmlns="" xmlns:a16="http://schemas.microsoft.com/office/drawing/2014/main" val="133497317"/>
                   </a:ext>
                 </a:extLst>
               </a:tr>
@@ -5837,7 +6912,7 @@
                       <a:pPr latinLnBrk="1"/>
                       <a:r>
                         <a:rPr lang="en-US" altLang="ko-KR" dirty="0" smtClean="0"/>
-                        <a:t>(2, 30)</a:t>
+                        <a:t>0</a:t>
                       </a:r>
                       <a:endParaRPr lang="ko-KR" altLang="en-US" dirty="0"/>
                     </a:p>
@@ -5852,11 +6927,7 @@
                       <a:pPr latinLnBrk="1"/>
                       <a:r>
                         <a:rPr lang="en-US" altLang="ko-KR" dirty="0" smtClean="0"/>
-                        <a:t>(2</a:t>
-                      </a:r>
-                      <a:r>
-                        <a:rPr lang="en-US" altLang="ko-KR" baseline="0" dirty="0" smtClean="0"/>
-                        <a:t>, 60)</a:t>
+                        <a:t>0</a:t>
                       </a:r>
                       <a:endParaRPr lang="ko-KR" altLang="en-US" dirty="0"/>
                     </a:p>
@@ -5871,7 +6942,7 @@
                       <a:pPr latinLnBrk="1"/>
                       <a:r>
                         <a:rPr lang="en-US" altLang="ko-KR" dirty="0" smtClean="0"/>
-                        <a:t>(2, 90)</a:t>
+                        <a:t>0</a:t>
                       </a:r>
                       <a:endParaRPr lang="ko-KR" altLang="en-US" dirty="0"/>
                     </a:p>
@@ -5880,7 +6951,7 @@
                 </a:tc>
                 <a:extLst>
                   <a:ext uri="{0D108BD9-81ED-4DB2-BD59-A6C34878D82A}">
-                    <a16:rowId xmlns:a16="http://schemas.microsoft.com/office/drawing/2014/main" xmlns="" val="2212991647"/>
+                    <a16:rowId xmlns="" xmlns:a16="http://schemas.microsoft.com/office/drawing/2014/main" val="2212991647"/>
                   </a:ext>
                 </a:extLst>
               </a:tr>
@@ -5908,7 +6979,7 @@
                       <a:pPr latinLnBrk="1"/>
                       <a:r>
                         <a:rPr lang="en-US" altLang="ko-KR" dirty="0" smtClean="0"/>
-                        <a:t>(3, 30)</a:t>
+                        <a:t>0</a:t>
                       </a:r>
                       <a:endParaRPr lang="ko-KR" altLang="en-US" dirty="0"/>
                     </a:p>
@@ -5923,7 +6994,7 @@
                       <a:pPr latinLnBrk="1"/>
                       <a:r>
                         <a:rPr lang="en-US" altLang="ko-KR" dirty="0" smtClean="0"/>
-                        <a:t>(3, 60)</a:t>
+                        <a:t>0</a:t>
                       </a:r>
                       <a:endParaRPr lang="ko-KR" altLang="en-US" dirty="0"/>
                     </a:p>
@@ -5938,7 +7009,7 @@
                       <a:pPr latinLnBrk="1"/>
                       <a:r>
                         <a:rPr lang="en-US" altLang="ko-KR" dirty="0" smtClean="0"/>
-                        <a:t>(3, 90)</a:t>
+                        <a:t>0</a:t>
                       </a:r>
                       <a:endParaRPr lang="ko-KR" altLang="en-US" dirty="0"/>
                     </a:p>
@@ -5947,7 +7018,7 @@
                 </a:tc>
                 <a:extLst>
                   <a:ext uri="{0D108BD9-81ED-4DB2-BD59-A6C34878D82A}">
-                    <a16:rowId xmlns:a16="http://schemas.microsoft.com/office/drawing/2014/main" xmlns="" val="172703131"/>
+                    <a16:rowId xmlns="" xmlns:a16="http://schemas.microsoft.com/office/drawing/2014/main" val="172703131"/>
                   </a:ext>
                 </a:extLst>
               </a:tr>
@@ -5963,7 +7034,7 @@
         </p:nvSpPr>
         <p:spPr>
           <a:xfrm>
-            <a:off x="302141" y="2581154"/>
+            <a:off x="311472" y="2702452"/>
             <a:ext cx="266420" cy="369332"/>
           </a:xfrm>
           <a:prstGeom prst="rect">
@@ -5993,7 +7064,7 @@
         </p:nvSpPr>
         <p:spPr>
           <a:xfrm>
-            <a:off x="2715951" y="1907893"/>
+            <a:off x="2725282" y="2029191"/>
             <a:ext cx="721672" cy="369332"/>
           </a:xfrm>
           <a:prstGeom prst="rect">
@@ -6410,7 +7481,7 @@
     </p:spTree>
     <p:extLst>
       <p:ext uri="{BB962C8B-B14F-4D97-AF65-F5344CB8AC3E}">
-        <p14:creationId xmlns:p14="http://schemas.microsoft.com/office/powerpoint/2010/main" xmlns="" val="3164408349"/>
+        <p14:creationId xmlns="" xmlns:p14="http://schemas.microsoft.com/office/powerpoint/2010/main" val="3164408349"/>
       </p:ext>
     </p:extLst>
   </p:cSld>
@@ -6609,7 +7680,7 @@
           <a:blip r:embed="rId2" cstate="print">
             <a:extLst>
               <a:ext uri="{28A0092B-C50C-407E-A947-70E740481C1C}">
-                <a14:useLocalDpi xmlns:a14="http://schemas.microsoft.com/office/drawing/2010/main" xmlns="" val="0"/>
+                <a14:useLocalDpi xmlns="" xmlns:a14="http://schemas.microsoft.com/office/drawing/2010/main" val="0"/>
               </a:ext>
             </a:extLst>
           </a:blip>
@@ -6629,7 +7700,7 @@
           <a:noFill/>
           <a:extLst>
             <a:ext uri="{909E8E84-426E-40DD-AFC4-6F175D3DCCD1}">
-              <a14:hiddenFill xmlns:a14="http://schemas.microsoft.com/office/drawing/2010/main" xmlns="">
+              <a14:hiddenFill xmlns="" xmlns:a14="http://schemas.microsoft.com/office/drawing/2010/main">
                 <a:solidFill>
                   <a:srgbClr val="FFFFFF"/>
                 </a:solidFill>
@@ -6641,7 +7712,7 @@
     </p:spTree>
     <p:extLst>
       <p:ext uri="{BB962C8B-B14F-4D97-AF65-F5344CB8AC3E}">
-        <p14:creationId xmlns:p14="http://schemas.microsoft.com/office/powerpoint/2010/main" xmlns="" val="2637086306"/>
+        <p14:creationId xmlns="" xmlns:p14="http://schemas.microsoft.com/office/powerpoint/2010/main" val="2637086306"/>
       </p:ext>
     </p:extLst>
   </p:cSld>
@@ -6750,11 +7821,7 @@
             </a:r>
             <a:r>
               <a:rPr lang="ko-KR" altLang="en-US" dirty="0" smtClean="0"/>
-              <a:t>을 </a:t>
-            </a:r>
-            <a:r>
-              <a:rPr lang="ko-KR" altLang="en-US" dirty="0" smtClean="0"/>
-              <a:t>훑음</a:t>
+              <a:t>을 훑음</a:t>
             </a:r>
             <a:endParaRPr lang="en-US" altLang="ko-KR" dirty="0" smtClean="0"/>
           </a:p>
@@ -6772,7 +7839,7 @@
           <a:blip r:embed="rId2" cstate="print">
             <a:extLst>
               <a:ext uri="{28A0092B-C50C-407E-A947-70E740481C1C}">
-                <a14:useLocalDpi xmlns:a14="http://schemas.microsoft.com/office/drawing/2010/main" xmlns="" val="0"/>
+                <a14:useLocalDpi xmlns="" xmlns:a14="http://schemas.microsoft.com/office/drawing/2010/main" val="0"/>
               </a:ext>
             </a:extLst>
           </a:blip>
@@ -6792,7 +7859,7 @@
           <a:noFill/>
           <a:extLst>
             <a:ext uri="{909E8E84-426E-40DD-AFC4-6F175D3DCCD1}">
-              <a14:hiddenFill xmlns:a14="http://schemas.microsoft.com/office/drawing/2010/main" xmlns="">
+              <a14:hiddenFill xmlns="" xmlns:a14="http://schemas.microsoft.com/office/drawing/2010/main">
                 <a:solidFill>
                   <a:srgbClr val="FFFFFF"/>
                 </a:solidFill>
@@ -6804,7 +7871,7 @@
     </p:spTree>
     <p:extLst>
       <p:ext uri="{BB962C8B-B14F-4D97-AF65-F5344CB8AC3E}">
-        <p14:creationId xmlns:p14="http://schemas.microsoft.com/office/powerpoint/2010/main" xmlns="" val="2877354479"/>
+        <p14:creationId xmlns="" xmlns:p14="http://schemas.microsoft.com/office/powerpoint/2010/main" val="2877354479"/>
       </p:ext>
     </p:extLst>
   </p:cSld>
@@ -6854,101 +7921,6 @@
           <a:lstStyle/>
           <a:p>
             <a:r>
-              <a:rPr lang="en-US" altLang="ko-KR" dirty="0" err="1" smtClean="0"/>
-              <a:t>thresholding</a:t>
-            </a:r>
-            <a:endParaRPr lang="ko-KR" altLang="en-US" dirty="0"/>
-          </a:p>
-        </p:txBody>
-      </p:sp>
-      <p:sp>
-        <p:nvSpPr>
-          <p:cNvPr id="3" name="내용 개체 틀 2"/>
-          <p:cNvSpPr>
-            <a:spLocks noGrp="1"/>
-          </p:cNvSpPr>
-          <p:nvPr>
-            <p:ph idx="1"/>
-          </p:nvPr>
-        </p:nvSpPr>
-        <p:spPr/>
-        <p:txBody>
-          <a:bodyPr/>
-          <a:lstStyle/>
-          <a:p>
-            <a:r>
-              <a:rPr lang="en-US" altLang="ko-KR" dirty="0" smtClean="0"/>
-              <a:t>Vote</a:t>
-            </a:r>
-            <a:r>
-              <a:rPr lang="ko-KR" altLang="en-US" dirty="0"/>
-              <a:t> </a:t>
-            </a:r>
-            <a:r>
-              <a:rPr lang="ko-KR" altLang="en-US" dirty="0" smtClean="0"/>
-              <a:t>후 일부만 추출</a:t>
-            </a:r>
-            <a:r>
-              <a:rPr lang="en-US" altLang="ko-KR" dirty="0" smtClean="0"/>
-              <a:t>. </a:t>
-            </a:r>
-            <a:endParaRPr lang="ko-KR" altLang="en-US" dirty="0"/>
-          </a:p>
-        </p:txBody>
-      </p:sp>
-    </p:spTree>
-    <p:extLst>
-      <p:ext uri="{BB962C8B-B14F-4D97-AF65-F5344CB8AC3E}">
-        <p14:creationId xmlns:p14="http://schemas.microsoft.com/office/powerpoint/2010/main" xmlns="" val="3438637767"/>
-      </p:ext>
-    </p:extLst>
-  </p:cSld>
-  <p:clrMapOvr>
-    <a:masterClrMapping/>
-  </p:clrMapOvr>
-  <p:timing>
-    <p:tnLst>
-      <p:par>
-        <p:cTn id="1" dur="indefinite" restart="never" nodeType="tmRoot"/>
-      </p:par>
-    </p:tnLst>
-  </p:timing>
-</p:sld>
-</file>
-
-<file path=ppt/slides/slide9.xml><?xml version="1.0" encoding="utf-8"?>
-<p:sld xmlns:a="http://schemas.openxmlformats.org/drawingml/2006/main" xmlns:r="http://schemas.openxmlformats.org/officeDocument/2006/relationships" xmlns:p="http://schemas.openxmlformats.org/presentationml/2006/main">
-  <p:cSld>
-    <p:spTree>
-      <p:nvGrpSpPr>
-        <p:cNvPr id="1" name=""/>
-        <p:cNvGrpSpPr/>
-        <p:nvPr/>
-      </p:nvGrpSpPr>
-      <p:grpSpPr>
-        <a:xfrm>
-          <a:off x="0" y="0"/>
-          <a:ext cx="0" cy="0"/>
-          <a:chOff x="0" y="0"/>
-          <a:chExt cx="0" cy="0"/>
-        </a:xfrm>
-      </p:grpSpPr>
-      <p:sp>
-        <p:nvSpPr>
-          <p:cNvPr id="2" name="제목 1"/>
-          <p:cNvSpPr>
-            <a:spLocks noGrp="1"/>
-          </p:cNvSpPr>
-          <p:nvPr>
-            <p:ph type="title"/>
-          </p:nvPr>
-        </p:nvSpPr>
-        <p:spPr/>
-        <p:txBody>
-          <a:bodyPr/>
-          <a:lstStyle/>
-          <a:p>
-            <a:r>
               <a:rPr lang="en-US" altLang="ko-KR" dirty="0" smtClean="0"/>
               <a:t>example</a:t>
             </a:r>
@@ -6968,7 +7940,7 @@
           <a:blip r:embed="rId2" cstate="print">
             <a:extLst>
               <a:ext uri="{28A0092B-C50C-407E-A947-70E740481C1C}">
-                <a14:useLocalDpi xmlns:a14="http://schemas.microsoft.com/office/drawing/2010/main" xmlns="" val="0"/>
+                <a14:useLocalDpi xmlns="" xmlns:a14="http://schemas.microsoft.com/office/drawing/2010/main" val="0"/>
               </a:ext>
             </a:extLst>
           </a:blip>
@@ -6988,7 +7960,7 @@
           <a:noFill/>
           <a:extLst>
             <a:ext uri="{909E8E84-426E-40DD-AFC4-6F175D3DCCD1}">
-              <a14:hiddenFill xmlns:a14="http://schemas.microsoft.com/office/drawing/2010/main" xmlns="">
+              <a14:hiddenFill xmlns="" xmlns:a14="http://schemas.microsoft.com/office/drawing/2010/main">
                 <a:solidFill>
                   <a:srgbClr val="FFFFFF"/>
                 </a:solidFill>
@@ -7129,7 +8101,102 @@
     </p:spTree>
     <p:extLst>
       <p:ext uri="{BB962C8B-B14F-4D97-AF65-F5344CB8AC3E}">
-        <p14:creationId xmlns:p14="http://schemas.microsoft.com/office/powerpoint/2010/main" xmlns="" val="3508601607"/>
+        <p14:creationId xmlns="" xmlns:p14="http://schemas.microsoft.com/office/powerpoint/2010/main" val="3508601607"/>
+      </p:ext>
+    </p:extLst>
+  </p:cSld>
+  <p:clrMapOvr>
+    <a:masterClrMapping/>
+  </p:clrMapOvr>
+  <p:timing>
+    <p:tnLst>
+      <p:par>
+        <p:cTn id="1" dur="indefinite" restart="never" nodeType="tmRoot"/>
+      </p:par>
+    </p:tnLst>
+  </p:timing>
+</p:sld>
+</file>
+
+<file path=ppt/slides/slide9.xml><?xml version="1.0" encoding="utf-8"?>
+<p:sld xmlns:a="http://schemas.openxmlformats.org/drawingml/2006/main" xmlns:r="http://schemas.openxmlformats.org/officeDocument/2006/relationships" xmlns:p="http://schemas.openxmlformats.org/presentationml/2006/main">
+  <p:cSld>
+    <p:spTree>
+      <p:nvGrpSpPr>
+        <p:cNvPr id="1" name=""/>
+        <p:cNvGrpSpPr/>
+        <p:nvPr/>
+      </p:nvGrpSpPr>
+      <p:grpSpPr>
+        <a:xfrm>
+          <a:off x="0" y="0"/>
+          <a:ext cx="0" cy="0"/>
+          <a:chOff x="0" y="0"/>
+          <a:chExt cx="0" cy="0"/>
+        </a:xfrm>
+      </p:grpSpPr>
+      <p:sp>
+        <p:nvSpPr>
+          <p:cNvPr id="2" name="제목 1"/>
+          <p:cNvSpPr>
+            <a:spLocks noGrp="1"/>
+          </p:cNvSpPr>
+          <p:nvPr>
+            <p:ph type="title"/>
+          </p:nvPr>
+        </p:nvSpPr>
+        <p:spPr/>
+        <p:txBody>
+          <a:bodyPr/>
+          <a:lstStyle/>
+          <a:p>
+            <a:r>
+              <a:rPr lang="en-US" altLang="ko-KR" dirty="0" err="1" smtClean="0"/>
+              <a:t>thresholding</a:t>
+            </a:r>
+            <a:endParaRPr lang="ko-KR" altLang="en-US" dirty="0"/>
+          </a:p>
+        </p:txBody>
+      </p:sp>
+      <p:sp>
+        <p:nvSpPr>
+          <p:cNvPr id="3" name="내용 개체 틀 2"/>
+          <p:cNvSpPr>
+            <a:spLocks noGrp="1"/>
+          </p:cNvSpPr>
+          <p:nvPr>
+            <p:ph idx="1"/>
+          </p:nvPr>
+        </p:nvSpPr>
+        <p:spPr/>
+        <p:txBody>
+          <a:bodyPr/>
+          <a:lstStyle/>
+          <a:p>
+            <a:r>
+              <a:rPr lang="en-US" altLang="ko-KR" dirty="0" smtClean="0"/>
+              <a:t>Vote</a:t>
+            </a:r>
+            <a:r>
+              <a:rPr lang="ko-KR" altLang="en-US" dirty="0"/>
+              <a:t> </a:t>
+            </a:r>
+            <a:r>
+              <a:rPr lang="ko-KR" altLang="en-US" dirty="0" smtClean="0"/>
+              <a:t>후 일부만 추출</a:t>
+            </a:r>
+            <a:r>
+              <a:rPr lang="en-US" altLang="ko-KR" dirty="0" smtClean="0"/>
+              <a:t>. </a:t>
+            </a:r>
+            <a:endParaRPr lang="ko-KR" altLang="en-US" dirty="0"/>
+          </a:p>
+        </p:txBody>
+      </p:sp>
+    </p:spTree>
+    <p:extLst>
+      <p:ext uri="{BB962C8B-B14F-4D97-AF65-F5344CB8AC3E}">
+        <p14:creationId xmlns="" xmlns:p14="http://schemas.microsoft.com/office/powerpoint/2010/main" val="3438637767"/>
       </p:ext>
     </p:extLst>
   </p:cSld>
@@ -7401,7 +8468,7 @@
   <a:extraClrSchemeLst/>
   <a:extLst>
     <a:ext uri="{05A4C25C-085E-4340-85A3-A5531E510DB2}">
-      <thm15:themeFamily xmlns:thm15="http://schemas.microsoft.com/office/thememl/2012/main" xmlns="" name="Office Theme" id="{62F939B6-93AF-4DB8-9C6B-D6C7DFDC589F}" vid="{4A3C46E8-61CC-4603-A589-7422A47A8E4A}"/>
+      <thm15:themeFamily xmlns="" xmlns:thm15="http://schemas.microsoft.com/office/thememl/2012/main" name="Office Theme" id="{62F939B6-93AF-4DB8-9C6B-D6C7DFDC589F}" vid="{4A3C46E8-61CC-4603-A589-7422A47A8E4A}"/>
     </a:ext>
   </a:extLst>
 </a:theme>
@@ -7662,7 +8729,7 @@
   <a:extraClrSchemeLst/>
   <a:extLst>
     <a:ext uri="{05A4C25C-085E-4340-85A3-A5531E510DB2}">
-      <thm15:themeFamily xmlns:thm15="http://schemas.microsoft.com/office/thememl/2012/main" xmlns="" name="Office Theme" id="{62F939B6-93AF-4DB8-9C6B-D6C7DFDC589F}" vid="{4A3C46E8-61CC-4603-A589-7422A47A8E4A}"/>
+      <thm15:themeFamily xmlns="" xmlns:thm15="http://schemas.microsoft.com/office/thememl/2012/main" name="Office Theme" id="{62F939B6-93AF-4DB8-9C6B-D6C7DFDC589F}" vid="{4A3C46E8-61CC-4603-A589-7422A47A8E4A}"/>
     </a:ext>
   </a:extLst>
 </a:theme>

--- a/hough transform/hough transform ver1.pptx
+++ b/hough transform/hough transform ver1.pptx
@@ -18,16 +18,16 @@
     <p:sldId id="263" r:id="rId9"/>
     <p:sldId id="262" r:id="rId10"/>
     <p:sldId id="272" r:id="rId11"/>
-    <p:sldId id="273" r:id="rId12"/>
+    <p:sldId id="276" r:id="rId12"/>
     <p:sldId id="268" r:id="rId13"/>
     <p:sldId id="269" r:id="rId14"/>
     <p:sldId id="266" r:id="rId15"/>
     <p:sldId id="274" r:id="rId16"/>
     <p:sldId id="275" r:id="rId17"/>
     <p:sldId id="267" r:id="rId18"/>
-    <p:sldId id="264" r:id="rId19"/>
+    <p:sldId id="277" r:id="rId19"/>
     <p:sldId id="270" r:id="rId20"/>
-    <p:sldId id="271" r:id="rId21"/>
+    <p:sldId id="278" r:id="rId21"/>
   </p:sldIdLst>
   <p:sldSz cx="9144000" cy="6858000" type="screen4x3"/>
   <p:notesSz cx="6858000" cy="9144000"/>
@@ -126,6 +126,22 @@
       </a:defRPr>
     </a:lvl9pPr>
   </p:defaultTextStyle>
+  <p:extLst>
+    <p:ext uri="{EFAFB233-063F-42B5-8137-9DF3F51BA10A}">
+      <p15:sldGuideLst xmlns:p15="http://schemas.microsoft.com/office/powerpoint/2012/main">
+        <p15:guide id="1" orient="horz" pos="2160">
+          <p15:clr>
+            <a:srgbClr val="A4A3A4"/>
+          </p15:clr>
+        </p15:guide>
+        <p15:guide id="2" pos="2880">
+          <p15:clr>
+            <a:srgbClr val="A4A3A4"/>
+          </p15:clr>
+        </p15:guide>
+      </p15:sldGuideLst>
+    </p:ext>
+  </p:extLst>
 </p:presentation>
 </file>
 
@@ -381,7 +397,7 @@
     </p:spTree>
     <p:extLst>
       <p:ext uri="{BB962C8B-B14F-4D97-AF65-F5344CB8AC3E}">
-        <p14:creationId xmlns="" xmlns:p14="http://schemas.microsoft.com/office/powerpoint/2010/main" val="1458759009"/>
+        <p14:creationId xmlns:p14="http://schemas.microsoft.com/office/powerpoint/2010/main" val="1458759009"/>
       </p:ext>
     </p:extLst>
   </p:cSld>
@@ -556,7 +572,7 @@
     </p:spTree>
     <p:extLst>
       <p:ext uri="{BB962C8B-B14F-4D97-AF65-F5344CB8AC3E}">
-        <p14:creationId xmlns="" xmlns:p14="http://schemas.microsoft.com/office/powerpoint/2010/main" val="481486606"/>
+        <p14:creationId xmlns:p14="http://schemas.microsoft.com/office/powerpoint/2010/main" val="481486606"/>
       </p:ext>
     </p:extLst>
   </p:cSld>
@@ -750,7 +766,7 @@
     </p:spTree>
     <p:extLst>
       <p:ext uri="{BB962C8B-B14F-4D97-AF65-F5344CB8AC3E}">
-        <p14:creationId xmlns="" xmlns:p14="http://schemas.microsoft.com/office/powerpoint/2010/main" val="2198731872"/>
+        <p14:creationId xmlns:p14="http://schemas.microsoft.com/office/powerpoint/2010/main" val="2198731872"/>
       </p:ext>
     </p:extLst>
   </p:cSld>
@@ -922,7 +938,7 @@
     </p:spTree>
     <p:extLst>
       <p:ext uri="{BB962C8B-B14F-4D97-AF65-F5344CB8AC3E}">
-        <p14:creationId xmlns="" xmlns:p14="http://schemas.microsoft.com/office/powerpoint/2010/main" val="2471533085"/>
+        <p14:creationId xmlns:p14="http://schemas.microsoft.com/office/powerpoint/2010/main" val="2471533085"/>
       </p:ext>
     </p:extLst>
   </p:cSld>
@@ -1104,7 +1120,7 @@
     </p:spTree>
     <p:extLst>
       <p:ext uri="{BB962C8B-B14F-4D97-AF65-F5344CB8AC3E}">
-        <p14:creationId xmlns="" xmlns:p14="http://schemas.microsoft.com/office/powerpoint/2010/main" val="1613960709"/>
+        <p14:creationId xmlns:p14="http://schemas.microsoft.com/office/powerpoint/2010/main" val="1613960709"/>
       </p:ext>
     </p:extLst>
   </p:cSld>
@@ -1276,7 +1292,7 @@
     </p:spTree>
     <p:extLst>
       <p:ext uri="{BB962C8B-B14F-4D97-AF65-F5344CB8AC3E}">
-        <p14:creationId xmlns="" xmlns:p14="http://schemas.microsoft.com/office/powerpoint/2010/main" val="2237841291"/>
+        <p14:creationId xmlns:p14="http://schemas.microsoft.com/office/powerpoint/2010/main" val="2237841291"/>
       </p:ext>
     </p:extLst>
   </p:cSld>
@@ -1524,7 +1540,7 @@
     </p:spTree>
     <p:extLst>
       <p:ext uri="{BB962C8B-B14F-4D97-AF65-F5344CB8AC3E}">
-        <p14:creationId xmlns="" xmlns:p14="http://schemas.microsoft.com/office/powerpoint/2010/main" val="3294631850"/>
+        <p14:creationId xmlns:p14="http://schemas.microsoft.com/office/powerpoint/2010/main" val="3294631850"/>
       </p:ext>
     </p:extLst>
   </p:cSld>
@@ -1758,7 +1774,7 @@
     </p:spTree>
     <p:extLst>
       <p:ext uri="{BB962C8B-B14F-4D97-AF65-F5344CB8AC3E}">
-        <p14:creationId xmlns="" xmlns:p14="http://schemas.microsoft.com/office/powerpoint/2010/main" val="1410486831"/>
+        <p14:creationId xmlns:p14="http://schemas.microsoft.com/office/powerpoint/2010/main" val="1410486831"/>
       </p:ext>
     </p:extLst>
   </p:cSld>
@@ -2127,7 +2143,7 @@
     </p:spTree>
     <p:extLst>
       <p:ext uri="{BB962C8B-B14F-4D97-AF65-F5344CB8AC3E}">
-        <p14:creationId xmlns="" xmlns:p14="http://schemas.microsoft.com/office/powerpoint/2010/main" val="841733362"/>
+        <p14:creationId xmlns:p14="http://schemas.microsoft.com/office/powerpoint/2010/main" val="841733362"/>
       </p:ext>
     </p:extLst>
   </p:cSld>
@@ -2247,7 +2263,7 @@
     </p:spTree>
     <p:extLst>
       <p:ext uri="{BB962C8B-B14F-4D97-AF65-F5344CB8AC3E}">
-        <p14:creationId xmlns="" xmlns:p14="http://schemas.microsoft.com/office/powerpoint/2010/main" val="2953962516"/>
+        <p14:creationId xmlns:p14="http://schemas.microsoft.com/office/powerpoint/2010/main" val="2953962516"/>
       </p:ext>
     </p:extLst>
   </p:cSld>
@@ -2344,7 +2360,7 @@
     </p:spTree>
     <p:extLst>
       <p:ext uri="{BB962C8B-B14F-4D97-AF65-F5344CB8AC3E}">
-        <p14:creationId xmlns="" xmlns:p14="http://schemas.microsoft.com/office/powerpoint/2010/main" val="294430269"/>
+        <p14:creationId xmlns:p14="http://schemas.microsoft.com/office/powerpoint/2010/main" val="294430269"/>
       </p:ext>
     </p:extLst>
   </p:cSld>
@@ -2623,7 +2639,7 @@
     </p:spTree>
     <p:extLst>
       <p:ext uri="{BB962C8B-B14F-4D97-AF65-F5344CB8AC3E}">
-        <p14:creationId xmlns="" xmlns:p14="http://schemas.microsoft.com/office/powerpoint/2010/main" val="510757519"/>
+        <p14:creationId xmlns:p14="http://schemas.microsoft.com/office/powerpoint/2010/main" val="510757519"/>
       </p:ext>
     </p:extLst>
   </p:cSld>
@@ -2878,7 +2894,7 @@
     </p:spTree>
     <p:extLst>
       <p:ext uri="{BB962C8B-B14F-4D97-AF65-F5344CB8AC3E}">
-        <p14:creationId xmlns="" xmlns:p14="http://schemas.microsoft.com/office/powerpoint/2010/main" val="953964621"/>
+        <p14:creationId xmlns:p14="http://schemas.microsoft.com/office/powerpoint/2010/main" val="953964621"/>
       </p:ext>
     </p:extLst>
   </p:cSld>
@@ -3129,7 +3145,7 @@
     </p:spTree>
     <p:extLst>
       <p:ext uri="{BB962C8B-B14F-4D97-AF65-F5344CB8AC3E}">
-        <p14:creationId xmlns="" xmlns:p14="http://schemas.microsoft.com/office/powerpoint/2010/main" val="2513469507"/>
+        <p14:creationId xmlns:p14="http://schemas.microsoft.com/office/powerpoint/2010/main" val="2513469507"/>
       </p:ext>
     </p:extLst>
   </p:cSld>
@@ -3492,7 +3508,7 @@
     </p:spTree>
     <p:extLst>
       <p:ext uri="{BB962C8B-B14F-4D97-AF65-F5344CB8AC3E}">
-        <p14:creationId xmlns="" xmlns:p14="http://schemas.microsoft.com/office/powerpoint/2010/main" val="2916377460"/>
+        <p14:creationId xmlns:p14="http://schemas.microsoft.com/office/powerpoint/2010/main" val="2916377460"/>
       </p:ext>
     </p:extLst>
   </p:cSld>
@@ -3536,11 +3552,7 @@
           <a:p>
             <a:r>
               <a:rPr lang="ko-KR" altLang="en-US" dirty="0" smtClean="0"/>
-              <a:t>결</a:t>
-            </a:r>
-            <a:r>
-              <a:rPr lang="ko-KR" altLang="en-US" dirty="0" smtClean="0"/>
-              <a:t>과</a:t>
+              <a:t>결과</a:t>
             </a:r>
             <a:endParaRPr lang="ko-KR" altLang="en-US" dirty="0"/>
           </a:p>
@@ -3558,13 +3570,13 @@
         </p:nvSpPr>
         <p:spPr>
           <a:xfrm>
-            <a:off x="628650" y="4920343"/>
-            <a:ext cx="7886700" cy="1256620"/>
+            <a:off x="628650" y="4692560"/>
+            <a:ext cx="7886700" cy="1484403"/>
           </a:xfrm>
         </p:spPr>
         <p:txBody>
           <a:bodyPr>
-            <a:normAutofit fontScale="92500" lnSpcReduction="20000"/>
+            <a:normAutofit lnSpcReduction="10000"/>
           </a:bodyPr>
           <a:lstStyle/>
           <a:p>
@@ -3640,7 +3652,7 @@
           <a:blip r:embed="rId2" cstate="print">
             <a:extLst>
               <a:ext uri="{28A0092B-C50C-407E-A947-70E740481C1C}">
-                <a14:useLocalDpi xmlns="" xmlns:a14="http://schemas.microsoft.com/office/drawing/2010/main" val="0"/>
+                <a14:useLocalDpi xmlns:a14="http://schemas.microsoft.com/office/drawing/2010/main" val="0"/>
               </a:ext>
             </a:extLst>
           </a:blip>
@@ -3660,7 +3672,7 @@
           <a:noFill/>
           <a:extLst>
             <a:ext uri="{909E8E84-426E-40DD-AFC4-6F175D3DCCD1}">
-              <a14:hiddenFill xmlns="" xmlns:a14="http://schemas.microsoft.com/office/drawing/2010/main">
+              <a14:hiddenFill xmlns:a14="http://schemas.microsoft.com/office/drawing/2010/main">
                 <a:solidFill>
                   <a:srgbClr val="FFFFFF"/>
                 </a:solidFill>
@@ -3831,6 +3843,10 @@
           <a:bodyPr/>
           <a:lstStyle/>
           <a:p>
+            <a:r>
+              <a:rPr lang="en-US" altLang="ko-KR" dirty="0" smtClean="0"/>
+              <a:t>Hough circle transform</a:t>
+            </a:r>
             <a:endParaRPr lang="ko-KR" altLang="en-US" dirty="0"/>
           </a:p>
         </p:txBody>
@@ -3850,11 +3866,110 @@
           <a:bodyPr/>
           <a:lstStyle/>
           <a:p>
-            <a:endParaRPr lang="ko-KR" altLang="en-US"/>
+            <a:r>
+              <a:rPr lang="en-US" altLang="ko-KR" dirty="0" smtClean="0"/>
+              <a:t>Hough line </a:t>
+            </a:r>
+            <a:r>
+              <a:rPr lang="en-US" altLang="ko-KR" dirty="0" err="1" smtClean="0"/>
+              <a:t>transfor</a:t>
+            </a:r>
+            <a:r>
+              <a:rPr lang="ko-KR" altLang="en-US" dirty="0" smtClean="0"/>
+              <a:t>과 원리 동일</a:t>
+            </a:r>
+            <a:endParaRPr lang="en-US" altLang="ko-KR" dirty="0" smtClean="0"/>
+          </a:p>
+          <a:p>
+            <a:r>
+              <a:rPr lang="en-US" altLang="ko-KR" dirty="0" smtClean="0"/>
+              <a:t>But </a:t>
+            </a:r>
+            <a:r>
+              <a:rPr lang="en-US" altLang="ko-KR" dirty="0" err="1" smtClean="0"/>
+              <a:t>hough</a:t>
+            </a:r>
+            <a:r>
+              <a:rPr lang="en-US" altLang="ko-KR" dirty="0" smtClean="0"/>
+              <a:t> space</a:t>
+            </a:r>
+            <a:r>
+              <a:rPr lang="ko-KR" altLang="en-US" dirty="0" smtClean="0"/>
+              <a:t>가 </a:t>
+            </a:r>
+            <a:r>
+              <a:rPr lang="en-US" altLang="ko-KR" dirty="0" smtClean="0"/>
+              <a:t>3D</a:t>
+            </a:r>
+            <a:r>
+              <a:rPr lang="ko-KR" altLang="en-US" dirty="0" smtClean="0"/>
+              <a:t>임</a:t>
+            </a:r>
+            <a:r>
+              <a:rPr lang="en-US" altLang="ko-KR" dirty="0" smtClean="0"/>
+              <a:t>. </a:t>
+            </a:r>
+          </a:p>
+          <a:p>
+            <a:pPr lvl="1"/>
+            <a:r>
+              <a:rPr lang="en-US" altLang="ko-KR" dirty="0" smtClean="0"/>
+              <a:t>(x, y, r)</a:t>
+            </a:r>
+          </a:p>
+          <a:p>
+            <a:r>
+              <a:rPr lang="en-US" altLang="ko-KR" dirty="0" smtClean="0"/>
+              <a:t>Pixel </a:t>
+            </a:r>
+            <a:r>
+              <a:rPr lang="ko-KR" altLang="en-US" dirty="0" smtClean="0"/>
+              <a:t>전부를</a:t>
+            </a:r>
+            <a:r>
+              <a:rPr lang="en-US" altLang="ko-KR" dirty="0" smtClean="0"/>
+              <a:t> voting</a:t>
+            </a:r>
+            <a:r>
+              <a:rPr lang="ko-KR" altLang="en-US" dirty="0" smtClean="0"/>
+              <a:t>하면 시간이 </a:t>
+            </a:r>
+            <a:r>
+              <a:rPr lang="ko-KR" altLang="en-US" dirty="0" err="1" smtClean="0"/>
+              <a:t>오래걸리므로</a:t>
+            </a:r>
+            <a:r>
+              <a:rPr lang="ko-KR" altLang="en-US" dirty="0" smtClean="0"/>
+              <a:t> </a:t>
+            </a:r>
+            <a:r>
+              <a:rPr lang="en-US" altLang="ko-KR" dirty="0" smtClean="0"/>
+              <a:t>radius</a:t>
+            </a:r>
+            <a:r>
+              <a:rPr lang="ko-KR" altLang="en-US" dirty="0"/>
+              <a:t> </a:t>
+            </a:r>
+            <a:r>
+              <a:rPr lang="ko-KR" altLang="en-US" dirty="0" smtClean="0"/>
+              <a:t>값 혹은 범위를 지정한 뒤 진행</a:t>
+            </a:r>
+            <a:r>
+              <a:rPr lang="en-US" altLang="ko-KR" dirty="0" smtClean="0"/>
+              <a:t>. </a:t>
+            </a:r>
+          </a:p>
+          <a:p>
+            <a:endParaRPr lang="ko-KR" altLang="en-US" dirty="0"/>
           </a:p>
         </p:txBody>
       </p:sp>
     </p:spTree>
+    <p:extLst>
+      <p:ext uri="{BB962C8B-B14F-4D97-AF65-F5344CB8AC3E}">
+        <p14:creationId xmlns:p14="http://schemas.microsoft.com/office/powerpoint/2010/main" val="1851693428"/>
+      </p:ext>
+    </p:extLst>
   </p:cSld>
   <p:clrMapOvr>
     <a:masterClrMapping/>
@@ -3933,19 +4048,20 @@
               <a:rPr lang="ko-KR" altLang="en-US" dirty="0" smtClean="0"/>
               <a:t>시간이 오래 걸림 </a:t>
             </a:r>
+            <a:r>
+              <a:rPr lang="ko-KR" altLang="en-US" dirty="0" smtClean="0"/>
+              <a:t>!</a:t>
+            </a:r>
             <a:endParaRPr lang="en-US" altLang="ko-KR" dirty="0" smtClean="0"/>
           </a:p>
           <a:p>
             <a:r>
               <a:rPr lang="en-US" altLang="ko-KR" dirty="0" smtClean="0"/>
-              <a:t>-&gt; probabilistic Hough transform</a:t>
-            </a:r>
-            <a:endParaRPr lang="en-US" altLang="ko-KR" dirty="0"/>
-          </a:p>
-          <a:p>
-            <a:r>
-              <a:rPr lang="en-US" altLang="ko-KR" dirty="0" smtClean="0"/>
-              <a:t>Input image</a:t>
+              <a:t>Input </a:t>
+            </a:r>
+            <a:r>
+              <a:rPr lang="en-US" altLang="ko-KR" dirty="0" smtClean="0"/>
+              <a:t>image</a:t>
             </a:r>
             <a:r>
               <a:rPr lang="ko-KR" altLang="en-US" dirty="0" smtClean="0"/>
@@ -4026,7 +4142,7 @@
         </p:nvSpPr>
         <p:spPr>
           <a:xfrm>
-            <a:off x="3383280" y="6080683"/>
+            <a:off x="3337098" y="5563446"/>
             <a:ext cx="4572000" cy="292388"/>
           </a:xfrm>
           <a:prstGeom prst="rect">
@@ -4050,7 +4166,7 @@
     </p:spTree>
     <p:extLst>
       <p:ext uri="{BB962C8B-B14F-4D97-AF65-F5344CB8AC3E}">
-        <p14:creationId xmlns="" xmlns:p14="http://schemas.microsoft.com/office/powerpoint/2010/main" val="1091594488"/>
+        <p14:creationId xmlns:p14="http://schemas.microsoft.com/office/powerpoint/2010/main" val="1091594488"/>
       </p:ext>
     </p:extLst>
   </p:cSld>
@@ -4100,8 +4216,16 @@
           <a:lstStyle/>
           <a:p>
             <a:r>
-              <a:rPr lang="en-US" altLang="ko-KR" dirty="0" smtClean="0"/>
-              <a:t>Algorithm</a:t>
+              <a:rPr lang="en-US" altLang="ko-KR" dirty="0" err="1" smtClean="0"/>
+              <a:t>OpenCV</a:t>
+            </a:r>
+            <a:r>
+              <a:rPr lang="ko-KR" altLang="en-US" dirty="0" smtClean="0"/>
+              <a:t>에 적용된 </a:t>
+            </a:r>
+            <a:r>
+              <a:rPr lang="en-US" altLang="ko-KR" dirty="0" smtClean="0"/>
+              <a:t>algorithm</a:t>
             </a:r>
             <a:endParaRPr lang="ko-KR" altLang="en-US" dirty="0"/>
           </a:p>
@@ -4120,169 +4244,144 @@
         <p:spPr/>
         <p:txBody>
           <a:bodyPr>
-            <a:normAutofit fontScale="47500" lnSpcReduction="20000"/>
+            <a:normAutofit/>
           </a:bodyPr>
           <a:lstStyle/>
           <a:p>
             <a:pPr>
               <a:lnSpc>
-                <a:spcPct val="170000"/>
+                <a:spcPct val="100000"/>
               </a:lnSpc>
             </a:pPr>
             <a:r>
               <a:rPr lang="en-US" altLang="ko-KR" dirty="0" smtClean="0"/>
-              <a:t>Input </a:t>
-            </a:r>
-            <a:r>
-              <a:rPr lang="en-US" altLang="ko-KR" dirty="0" smtClean="0"/>
-              <a:t>image</a:t>
-            </a:r>
-            <a:r>
-              <a:rPr lang="ko-KR" altLang="en-US" dirty="0" smtClean="0"/>
-              <a:t> </a:t>
-            </a:r>
-            <a:r>
-              <a:rPr lang="en-US" altLang="ko-KR" dirty="0" smtClean="0"/>
-              <a:t>check</a:t>
-            </a:r>
-            <a:r>
-              <a:rPr lang="en-US" altLang="ko-KR" dirty="0" smtClean="0"/>
-              <a:t>, </a:t>
-            </a:r>
-            <a:r>
-              <a:rPr lang="ko-KR" altLang="en-US" dirty="0" smtClean="0"/>
-              <a:t>비어있으면 끝</a:t>
+              <a:t>Original</a:t>
+            </a:r>
+          </a:p>
+          <a:p>
+            <a:pPr lvl="1">
+              <a:lnSpc>
+                <a:spcPct val="100000"/>
+              </a:lnSpc>
+            </a:pPr>
+            <a:r>
+              <a:rPr lang="en-US" altLang="ko-KR" dirty="0" smtClean="0"/>
+              <a:t>Vote</a:t>
+            </a:r>
+            <a:r>
+              <a:rPr lang="ko-KR" altLang="en-US" dirty="0" smtClean="0"/>
+              <a:t>를 전부 한 뒤 </a:t>
+            </a:r>
+            <a:r>
+              <a:rPr lang="en-US" altLang="ko-KR" dirty="0" err="1" smtClean="0"/>
+              <a:t>thresholdin</a:t>
+            </a:r>
+            <a:r>
+              <a:rPr lang="en-US" altLang="ko-KR" dirty="0" err="1" smtClean="0"/>
+              <a:t>g</a:t>
             </a:r>
             <a:endParaRPr lang="en-US" altLang="ko-KR" dirty="0" smtClean="0"/>
           </a:p>
           <a:p>
             <a:pPr>
               <a:lnSpc>
-                <a:spcPct val="170000"/>
+                <a:spcPct val="100000"/>
               </a:lnSpc>
             </a:pPr>
             <a:r>
               <a:rPr lang="en-US" altLang="ko-KR" dirty="0" smtClean="0"/>
-              <a:t>1</a:t>
-            </a:r>
-            <a:r>
-              <a:rPr lang="ko-KR" altLang="en-US" dirty="0" smtClean="0"/>
-              <a:t>개 </a:t>
-            </a:r>
-            <a:r>
-              <a:rPr lang="en-US" altLang="ko-KR" dirty="0" smtClean="0"/>
-              <a:t>pixel</a:t>
-            </a:r>
-            <a:r>
-              <a:rPr lang="ko-KR" altLang="en-US" dirty="0" smtClean="0"/>
-              <a:t> </a:t>
-            </a:r>
-            <a:r>
-              <a:rPr lang="en-US" altLang="ko-KR" dirty="0" smtClean="0"/>
-              <a:t>random </a:t>
-            </a:r>
-            <a:r>
-              <a:rPr lang="ko-KR" altLang="en-US" dirty="0" smtClean="0"/>
-              <a:t>선택</a:t>
-            </a:r>
-            <a:r>
-              <a:rPr lang="en-US" altLang="ko-KR" dirty="0" smtClean="0"/>
-              <a:t>, </a:t>
-            </a:r>
-            <a:r>
-              <a:rPr lang="en-US" altLang="ko-KR" dirty="0" smtClean="0"/>
-              <a:t>vote </a:t>
-            </a:r>
-            <a:r>
-              <a:rPr lang="ko-KR" altLang="en-US" dirty="0" smtClean="0"/>
-              <a:t>시행 </a:t>
-            </a:r>
-            <a:endParaRPr lang="en-US" altLang="ko-KR" dirty="0" smtClean="0"/>
-          </a:p>
-          <a:p>
-            <a:pPr>
+              <a:t>Probabilistic</a:t>
+            </a:r>
+          </a:p>
+          <a:p>
+            <a:pPr lvl="1">
               <a:lnSpc>
-                <a:spcPct val="170000"/>
+                <a:spcPct val="100000"/>
               </a:lnSpc>
             </a:pPr>
             <a:r>
               <a:rPr lang="ko-KR" altLang="en-US" dirty="0" smtClean="0"/>
-              <a:t>해당 </a:t>
-            </a:r>
-            <a:r>
-              <a:rPr lang="en-US" altLang="ko-KR" dirty="0" smtClean="0"/>
-              <a:t>pixel </a:t>
-            </a:r>
-            <a:r>
-              <a:rPr lang="ko-KR" altLang="en-US" dirty="0" smtClean="0"/>
-              <a:t>제거</a:t>
+              <a:t>한 </a:t>
+            </a:r>
+            <a:r>
+              <a:rPr lang="en-US" altLang="ko-KR" dirty="0" smtClean="0"/>
+              <a:t>pixel</a:t>
+            </a:r>
+            <a:r>
+              <a:rPr lang="ko-KR" altLang="en-US" dirty="0" smtClean="0"/>
+              <a:t>을 </a:t>
+            </a:r>
+            <a:r>
+              <a:rPr lang="en-US" altLang="ko-KR" dirty="0" smtClean="0"/>
+              <a:t>vote</a:t>
+            </a:r>
+            <a:r>
+              <a:rPr lang="ko-KR" altLang="en-US" dirty="0" smtClean="0"/>
+              <a:t>한 뒤 </a:t>
+            </a:r>
+            <a:r>
+              <a:rPr lang="en-US" altLang="ko-KR" dirty="0" err="1" smtClean="0"/>
+              <a:t>thresholding</a:t>
             </a:r>
             <a:endParaRPr lang="en-US" altLang="ko-KR" dirty="0" smtClean="0"/>
           </a:p>
           <a:p>
-            <a:pPr>
+            <a:pPr lvl="1">
               <a:lnSpc>
-                <a:spcPct val="170000"/>
+                <a:spcPct val="100000"/>
               </a:lnSpc>
             </a:pPr>
             <a:r>
               <a:rPr lang="en-US" altLang="ko-KR" dirty="0" smtClean="0"/>
-              <a:t>Hough space</a:t>
-            </a:r>
-            <a:r>
-              <a:rPr lang="ko-KR" altLang="en-US" dirty="0" smtClean="0"/>
-              <a:t>에서 새 </a:t>
-            </a:r>
-            <a:r>
-              <a:rPr lang="en-US" altLang="ko-KR" dirty="0" smtClean="0"/>
-              <a:t>pixel</a:t>
-            </a:r>
-            <a:r>
-              <a:rPr lang="ko-KR" altLang="en-US" dirty="0" smtClean="0"/>
-              <a:t>에 의해 변경된 값들 중 </a:t>
-            </a:r>
-            <a:r>
-              <a:rPr lang="en-US" altLang="ko-KR" dirty="0" smtClean="0"/>
-              <a:t>highest peak</a:t>
-            </a:r>
-            <a:r>
-              <a:rPr lang="ko-KR" altLang="en-US" dirty="0" smtClean="0"/>
-              <a:t>이 </a:t>
-            </a:r>
-            <a:r>
-              <a:rPr lang="en-US" altLang="ko-KR" dirty="0" smtClean="0"/>
-              <a:t>threshold</a:t>
-            </a:r>
-            <a:r>
-              <a:rPr lang="ko-KR" altLang="en-US" dirty="0" smtClean="0"/>
-              <a:t>보다 큰지 확인</a:t>
-            </a:r>
-            <a:r>
-              <a:rPr lang="en-US" altLang="ko-KR" dirty="0" smtClean="0"/>
-              <a:t>. </a:t>
-            </a:r>
-          </a:p>
-          <a:p>
-            <a:pPr lvl="1">
+              <a:t>Threshold</a:t>
+            </a:r>
+            <a:r>
+              <a:rPr lang="ko-KR" altLang="en-US" dirty="0" smtClean="0"/>
+              <a:t>를 넘는 </a:t>
+            </a:r>
+            <a:r>
+              <a:rPr lang="en-US" altLang="ko-KR" dirty="0" smtClean="0"/>
+              <a:t>line</a:t>
+            </a:r>
+            <a:r>
+              <a:rPr lang="ko-KR" altLang="en-US" dirty="0" smtClean="0"/>
+              <a:t>이 있을 경우</a:t>
+            </a:r>
+            <a:endParaRPr lang="en-US" altLang="ko-KR" dirty="0" smtClean="0"/>
+          </a:p>
+          <a:p>
+            <a:pPr lvl="2">
               <a:lnSpc>
-                <a:spcPct val="170000"/>
+                <a:spcPct val="100000"/>
               </a:lnSpc>
             </a:pPr>
             <a:r>
-              <a:rPr lang="ko-KR" altLang="en-US" dirty="0" err="1" smtClean="0"/>
-              <a:t>안그러면</a:t>
-            </a:r>
-            <a:r>
-              <a:rPr lang="ko-KR" altLang="en-US" dirty="0" smtClean="0"/>
-              <a:t> </a:t>
-            </a:r>
-            <a:r>
-              <a:rPr lang="en-US" altLang="ko-KR" dirty="0" smtClean="0"/>
-              <a:t>1</a:t>
-            </a:r>
-            <a:r>
-              <a:rPr lang="ko-KR" altLang="en-US" dirty="0" smtClean="0"/>
-              <a:t>로 되돌아감</a:t>
+              <a:rPr lang="ko-KR" altLang="en-US" dirty="0" smtClean="0"/>
+              <a:t>해당 </a:t>
+            </a:r>
+            <a:r>
+              <a:rPr lang="en-US" altLang="ko-KR" dirty="0" smtClean="0"/>
+              <a:t>line</a:t>
+            </a:r>
+            <a:r>
+              <a:rPr lang="ko-KR" altLang="en-US" dirty="0" smtClean="0"/>
+              <a:t>에 속해있는 </a:t>
+            </a:r>
+            <a:r>
+              <a:rPr lang="en-US" altLang="ko-KR" dirty="0" smtClean="0"/>
+              <a:t>pixel</a:t>
+            </a:r>
+            <a:r>
+              <a:rPr lang="ko-KR" altLang="en-US" dirty="0" smtClean="0"/>
+              <a:t>은 더 이상 </a:t>
+            </a:r>
+            <a:r>
+              <a:rPr lang="en-US" altLang="ko-KR" dirty="0" smtClean="0"/>
+              <a:t>vote</a:t>
+            </a:r>
+            <a:r>
+              <a:rPr lang="ko-KR" altLang="en-US" dirty="0" smtClean="0"/>
+              <a:t>를 진행하지 않음</a:t>
             </a:r>
             <a:r>
               <a:rPr lang="en-US" altLang="ko-KR" dirty="0" smtClean="0"/>
@@ -4290,129 +4389,13 @@
             </a:r>
           </a:p>
           <a:p>
-            <a:pPr>
+            <a:pPr marL="457200" lvl="1" indent="0">
               <a:lnSpc>
-                <a:spcPct val="170000"/>
+                <a:spcPct val="100000"/>
               </a:lnSpc>
+              <a:buNone/>
             </a:pPr>
-            <a:r>
-              <a:rPr lang="ko-KR" altLang="en-US" dirty="0" smtClean="0"/>
-              <a:t>위의 </a:t>
-            </a:r>
-            <a:r>
-              <a:rPr lang="en-US" altLang="ko-KR" dirty="0" smtClean="0"/>
-              <a:t>line</a:t>
-            </a:r>
-            <a:r>
-              <a:rPr lang="ko-KR" altLang="en-US" dirty="0" smtClean="0"/>
-              <a:t>에서 가장 긴 </a:t>
-            </a:r>
-            <a:r>
-              <a:rPr lang="en-US" altLang="ko-KR" dirty="0" smtClean="0"/>
-              <a:t>segment </a:t>
-            </a:r>
-            <a:r>
-              <a:rPr lang="ko-KR" altLang="en-US" dirty="0" smtClean="0"/>
-              <a:t>찾음</a:t>
-            </a:r>
-            <a:r>
-              <a:rPr lang="en-US" altLang="ko-KR" dirty="0" smtClean="0"/>
-              <a:t>. </a:t>
-            </a:r>
-          </a:p>
-          <a:p>
-            <a:pPr>
-              <a:lnSpc>
-                <a:spcPct val="170000"/>
-              </a:lnSpc>
-            </a:pPr>
-            <a:r>
-              <a:rPr lang="en-US" altLang="ko-KR" dirty="0" smtClean="0"/>
-              <a:t>Input image</a:t>
-            </a:r>
-            <a:r>
-              <a:rPr lang="ko-KR" altLang="en-US" dirty="0" smtClean="0"/>
-              <a:t>에서 </a:t>
-            </a:r>
-            <a:r>
-              <a:rPr lang="en-US" altLang="ko-KR" dirty="0" smtClean="0"/>
-              <a:t>pixel </a:t>
-            </a:r>
-            <a:r>
-              <a:rPr lang="ko-KR" altLang="en-US" dirty="0" smtClean="0"/>
-              <a:t>제거</a:t>
-            </a:r>
             <a:endParaRPr lang="en-US" altLang="ko-KR" dirty="0" smtClean="0"/>
-          </a:p>
-          <a:p>
-            <a:pPr>
-              <a:lnSpc>
-                <a:spcPct val="170000"/>
-              </a:lnSpc>
-            </a:pPr>
-            <a:r>
-              <a:rPr lang="en-US" altLang="ko-KR" dirty="0" smtClean="0"/>
-              <a:t>‘</a:t>
-            </a:r>
-            <a:r>
-              <a:rPr lang="en-US" altLang="ko-KR" dirty="0" err="1" smtClean="0"/>
-              <a:t>Unvote</a:t>
-            </a:r>
-            <a:r>
-              <a:rPr lang="en-US" altLang="ko-KR" dirty="0" smtClean="0"/>
-              <a:t>’ from the accumulator all the pixels from the line that have previously voted</a:t>
-            </a:r>
-          </a:p>
-          <a:p>
-            <a:pPr>
-              <a:lnSpc>
-                <a:spcPct val="170000"/>
-              </a:lnSpc>
-            </a:pPr>
-            <a:r>
-              <a:rPr lang="en-US" altLang="ko-KR" dirty="0" smtClean="0"/>
-              <a:t>Line segment</a:t>
-            </a:r>
-            <a:r>
-              <a:rPr lang="ko-KR" altLang="en-US" dirty="0" smtClean="0"/>
-              <a:t>가 </a:t>
-            </a:r>
-            <a:r>
-              <a:rPr lang="en-US" altLang="ko-KR" dirty="0" smtClean="0"/>
-              <a:t>minimum length</a:t>
-            </a:r>
-            <a:r>
-              <a:rPr lang="ko-KR" altLang="en-US" dirty="0" smtClean="0"/>
-              <a:t>보다 작으면 </a:t>
-            </a:r>
-            <a:r>
-              <a:rPr lang="en-US" altLang="ko-KR" dirty="0" smtClean="0"/>
-              <a:t>output list</a:t>
-            </a:r>
-            <a:r>
-              <a:rPr lang="ko-KR" altLang="en-US" dirty="0" smtClean="0"/>
-              <a:t>에 넣기</a:t>
-            </a:r>
-            <a:endParaRPr lang="en-US" altLang="ko-KR" dirty="0" smtClean="0"/>
-          </a:p>
-          <a:p>
-            <a:pPr>
-              <a:lnSpc>
-                <a:spcPct val="170000"/>
-              </a:lnSpc>
-            </a:pPr>
-            <a:r>
-              <a:rPr lang="en-US" altLang="ko-KR" dirty="0" smtClean="0"/>
-              <a:t>1</a:t>
-            </a:r>
-            <a:r>
-              <a:rPr lang="ko-KR" altLang="en-US" dirty="0" smtClean="0"/>
-              <a:t>로 감</a:t>
-            </a:r>
-            <a:r>
-              <a:rPr lang="en-US" altLang="ko-KR" dirty="0" smtClean="0"/>
-              <a:t>. </a:t>
-            </a:r>
           </a:p>
         </p:txBody>
       </p:sp>
@@ -4649,7 +4632,7 @@
     </p:spTree>
     <p:extLst>
       <p:ext uri="{BB962C8B-B14F-4D97-AF65-F5344CB8AC3E}">
-        <p14:creationId xmlns="" xmlns:p14="http://schemas.microsoft.com/office/powerpoint/2010/main" val="4185180122"/>
+        <p14:creationId xmlns:p14="http://schemas.microsoft.com/office/powerpoint/2010/main" val="4185180122"/>
       </p:ext>
     </p:extLst>
   </p:cSld>
@@ -4724,7 +4707,7 @@
         </p:spPr>
         <p:txBody>
           <a:bodyPr>
-            <a:normAutofit lnSpcReduction="10000"/>
+            <a:normAutofit fontScale="85000" lnSpcReduction="20000"/>
           </a:bodyPr>
           <a:lstStyle/>
           <a:p>
@@ -4808,7 +4791,54 @@
             </a:r>
             <a:r>
               <a:rPr lang="en-US" altLang="ko-KR" dirty="0" smtClean="0"/>
-              <a:t>. </a:t>
+              <a:t>.</a:t>
+            </a:r>
+          </a:p>
+          <a:p>
+            <a:pPr lvl="2"/>
+            <a:r>
+              <a:rPr lang="en-US" altLang="ko-KR" dirty="0" smtClean="0"/>
+              <a:t>Resolution </a:t>
+            </a:r>
+            <a:r>
+              <a:rPr lang="ko-KR" altLang="en-US" dirty="0" smtClean="0"/>
+              <a:t>증가 </a:t>
+            </a:r>
+            <a:r>
+              <a:rPr lang="en-US" altLang="ko-KR" dirty="0" smtClean="0"/>
+              <a:t>-&gt; bin</a:t>
+            </a:r>
+            <a:r>
+              <a:rPr lang="ko-KR" altLang="en-US" dirty="0" smtClean="0"/>
+              <a:t>의 수 증가</a:t>
+            </a:r>
+            <a:r>
+              <a:rPr lang="en-US" altLang="ko-KR" dirty="0" smtClean="0"/>
+              <a:t>/vote</a:t>
+            </a:r>
+            <a:r>
+              <a:rPr lang="ko-KR" altLang="en-US" dirty="0" smtClean="0"/>
+              <a:t>수 그대로</a:t>
+            </a:r>
+            <a:r>
+              <a:rPr lang="en-US" altLang="ko-KR" dirty="0" smtClean="0"/>
+              <a:t>? -&gt; </a:t>
+            </a:r>
+            <a:r>
+              <a:rPr lang="ko-KR" altLang="en-US" dirty="0" smtClean="0"/>
+              <a:t>적정 </a:t>
+            </a:r>
+            <a:r>
+              <a:rPr lang="en-US" altLang="ko-KR" dirty="0" smtClean="0"/>
+              <a:t>threshold</a:t>
+            </a:r>
+            <a:r>
+              <a:rPr lang="ko-KR" altLang="en-US" dirty="0" smtClean="0"/>
+              <a:t>감소 </a:t>
+            </a:r>
+            <a:r>
+              <a:rPr lang="en-US" altLang="ko-KR" dirty="0" smtClean="0"/>
+              <a:t> </a:t>
             </a:r>
             <a:r>
               <a:rPr lang="ko-KR" altLang="en-US" dirty="0" smtClean="0"/>
@@ -4835,7 +4865,7 @@
         </p:blipFill>
         <p:spPr bwMode="auto">
           <a:xfrm>
-            <a:off x="5346700" y="1981200"/>
+            <a:off x="5836227" y="2200277"/>
             <a:ext cx="2398048" cy="2324099"/>
           </a:xfrm>
           <a:prstGeom prst="rect">
@@ -4867,7 +4897,7 @@
         </p:blipFill>
         <p:spPr bwMode="auto">
           <a:xfrm>
-            <a:off x="215901" y="1950080"/>
+            <a:off x="705428" y="2169157"/>
             <a:ext cx="4953000" cy="2310335"/>
           </a:xfrm>
           <a:prstGeom prst="rect">
@@ -4890,7 +4920,7 @@
         </p:nvSpPr>
         <p:spPr>
           <a:xfrm>
-            <a:off x="342900" y="1498600"/>
+            <a:off x="832427" y="1717677"/>
             <a:ext cx="1930400" cy="381000"/>
           </a:xfrm>
           <a:prstGeom prst="rect">
@@ -4920,7 +4950,7 @@
         </p:nvSpPr>
         <p:spPr>
           <a:xfrm>
-            <a:off x="2717800" y="1574801"/>
+            <a:off x="3207327" y="1793878"/>
             <a:ext cx="2413000" cy="369332"/>
           </a:xfrm>
           <a:prstGeom prst="rect">
@@ -4958,7 +4988,7 @@
         </p:nvSpPr>
         <p:spPr>
           <a:xfrm>
-            <a:off x="5499100" y="1536701"/>
+            <a:off x="5988627" y="1755778"/>
             <a:ext cx="2413000" cy="369332"/>
           </a:xfrm>
           <a:prstGeom prst="rect">
@@ -5343,8 +5373,48 @@
             </a:r>
             <a:r>
               <a:rPr lang="en-US" altLang="ko-KR" dirty="0" smtClean="0"/>
-              <a:t>]]]) → lines</a:t>
-            </a:r>
+              <a:t>]]]) → </a:t>
+            </a:r>
+            <a:r>
+              <a:rPr lang="en-US" altLang="ko-KR" dirty="0" smtClean="0"/>
+              <a:t>lines</a:t>
+            </a:r>
+          </a:p>
+          <a:p>
+            <a:pPr lvl="1"/>
+            <a:r>
+              <a:rPr lang="en-US" altLang="ko-KR" dirty="0"/>
+              <a:t>Image : 8bit, single channel binary</a:t>
+            </a:r>
+          </a:p>
+          <a:p>
+            <a:pPr lvl="1"/>
+            <a:r>
+              <a:rPr lang="en-US" altLang="ko-KR" dirty="0"/>
+              <a:t>Lines : output vector of lines </a:t>
+            </a:r>
+            <a:r>
+              <a:rPr lang="en-US" altLang="ko-KR" dirty="0" smtClean="0"/>
+              <a:t>(x1, y1, x2, y2)</a:t>
+            </a:r>
+            <a:endParaRPr lang="en-US" altLang="ko-KR" dirty="0"/>
+          </a:p>
+          <a:p>
+            <a:pPr lvl="1"/>
+            <a:r>
+              <a:rPr lang="en-US" altLang="ko-KR" dirty="0"/>
+              <a:t>Rho : distance resolution in pixels</a:t>
+            </a:r>
+          </a:p>
+          <a:p>
+            <a:pPr lvl="1"/>
+            <a:r>
+              <a:rPr lang="en-US" altLang="ko-KR" dirty="0"/>
+              <a:t>Theta : angle resolution in radian</a:t>
+            </a:r>
+          </a:p>
+          <a:p>
+            <a:pPr lvl="1"/>
             <a:endParaRPr lang="ko-KR" altLang="en-US" dirty="0"/>
           </a:p>
         </p:txBody>
@@ -5352,7 +5422,7 @@
     </p:spTree>
     <p:extLst>
       <p:ext uri="{BB962C8B-B14F-4D97-AF65-F5344CB8AC3E}">
-        <p14:creationId xmlns="" xmlns:p14="http://schemas.microsoft.com/office/powerpoint/2010/main" val="792329231"/>
+        <p14:creationId xmlns:p14="http://schemas.microsoft.com/office/powerpoint/2010/main" val="792329231"/>
       </p:ext>
     </p:extLst>
   </p:cSld>
@@ -5401,7 +5471,15 @@
           <a:bodyPr/>
           <a:lstStyle/>
           <a:p>
-            <a:endParaRPr lang="ko-KR" altLang="en-US"/>
+            <a:r>
+              <a:rPr lang="ko-KR" altLang="en-US" dirty="0" smtClean="0"/>
+              <a:t>이해가 안됨</a:t>
+            </a:r>
+            <a:r>
+              <a:rPr lang="en-US" altLang="ko-KR" dirty="0" smtClean="0"/>
+              <a:t>..</a:t>
+            </a:r>
+            <a:endParaRPr lang="ko-KR" altLang="en-US" dirty="0"/>
           </a:p>
         </p:txBody>
       </p:sp>
@@ -5415,36 +5493,244 @@
             <p:ph idx="1"/>
           </p:nvPr>
         </p:nvSpPr>
-        <p:spPr/>
+        <p:spPr>
+          <a:xfrm>
+            <a:off x="628650" y="5329382"/>
+            <a:ext cx="7886700" cy="847581"/>
+          </a:xfrm>
+        </p:spPr>
         <p:txBody>
           <a:bodyPr/>
           <a:lstStyle/>
           <a:p>
             <a:r>
-              <a:rPr lang="en-US" altLang="ko-KR" dirty="0" smtClean="0"/>
-              <a:t>http://homepages.inf.ed.ac.uk/amos/hough.html</a:t>
+              <a:rPr lang="ko-KR" altLang="en-US" dirty="0" smtClean="0"/>
+              <a:t>일부 </a:t>
+            </a:r>
+            <a:r>
+              <a:rPr lang="en-US" altLang="ko-KR" dirty="0" smtClean="0"/>
+              <a:t>line</a:t>
+            </a:r>
+            <a:r>
+              <a:rPr lang="ko-KR" altLang="en-US" dirty="0" smtClean="0"/>
+              <a:t>은 잡고 일부 </a:t>
+            </a:r>
+            <a:r>
+              <a:rPr lang="en-US" altLang="ko-KR" dirty="0" smtClean="0"/>
+              <a:t>line</a:t>
+            </a:r>
+            <a:r>
+              <a:rPr lang="ko-KR" altLang="en-US" dirty="0" smtClean="0"/>
+              <a:t>은 </a:t>
+            </a:r>
+            <a:r>
+              <a:rPr lang="ko-KR" altLang="en-US" dirty="0" err="1" smtClean="0"/>
+              <a:t>안잡힘</a:t>
+            </a:r>
+            <a:r>
+              <a:rPr lang="en-US" altLang="ko-KR" dirty="0" smtClean="0"/>
+              <a:t>. </a:t>
             </a:r>
             <a:endParaRPr lang="ko-KR" altLang="en-US" dirty="0"/>
+          </a:p>
+        </p:txBody>
+      </p:sp>
+      <p:pic>
+        <p:nvPicPr>
+          <p:cNvPr id="4" name="그림 3"/>
+          <p:cNvPicPr>
+            <a:picLocks noChangeAspect="1"/>
+          </p:cNvPicPr>
+          <p:nvPr/>
+        </p:nvPicPr>
+        <p:blipFill>
+          <a:blip r:embed="rId2"/>
+          <a:stretch>
+            <a:fillRect/>
+          </a:stretch>
+        </p:blipFill>
+        <p:spPr>
+          <a:xfrm>
+            <a:off x="3063429" y="1792990"/>
+            <a:ext cx="3017142" cy="2880000"/>
+          </a:xfrm>
+          <a:prstGeom prst="rect">
+            <a:avLst/>
+          </a:prstGeom>
+        </p:spPr>
+      </p:pic>
+      <p:pic>
+        <p:nvPicPr>
+          <p:cNvPr id="5" name="그림 4"/>
+          <p:cNvPicPr>
+            <a:picLocks noChangeAspect="1"/>
+          </p:cNvPicPr>
+          <p:nvPr/>
+        </p:nvPicPr>
+        <p:blipFill>
+          <a:blip r:embed="rId3"/>
+          <a:stretch>
+            <a:fillRect/>
+          </a:stretch>
+        </p:blipFill>
+        <p:spPr>
+          <a:xfrm>
+            <a:off x="6066255" y="1834771"/>
+            <a:ext cx="2923779" cy="2880000"/>
+          </a:xfrm>
+          <a:prstGeom prst="rect">
+            <a:avLst/>
+          </a:prstGeom>
+        </p:spPr>
+      </p:pic>
+      <p:pic>
+        <p:nvPicPr>
+          <p:cNvPr id="6" name="그림 5"/>
+          <p:cNvPicPr>
+            <a:picLocks noChangeAspect="1"/>
+          </p:cNvPicPr>
+          <p:nvPr/>
+        </p:nvPicPr>
+        <p:blipFill>
+          <a:blip r:embed="rId4"/>
+          <a:stretch>
+            <a:fillRect/>
+          </a:stretch>
+        </p:blipFill>
+        <p:spPr>
+          <a:xfrm>
+            <a:off x="153966" y="1792990"/>
+            <a:ext cx="2942609" cy="2880000"/>
+          </a:xfrm>
+          <a:prstGeom prst="rect">
+            <a:avLst/>
+          </a:prstGeom>
+        </p:spPr>
+      </p:pic>
+      <p:sp>
+        <p:nvSpPr>
+          <p:cNvPr id="7" name="TextBox 6"/>
+          <p:cNvSpPr txBox="1"/>
+          <p:nvPr/>
+        </p:nvSpPr>
+        <p:spPr>
+          <a:xfrm>
+            <a:off x="3206081" y="1506023"/>
+            <a:ext cx="2892138" cy="369332"/>
+          </a:xfrm>
+          <a:prstGeom prst="rect">
+            <a:avLst/>
+          </a:prstGeom>
+          <a:noFill/>
+        </p:spPr>
+        <p:txBody>
+          <a:bodyPr wrap="none" rtlCol="0">
+            <a:spAutoFit/>
+          </a:bodyPr>
+          <a:lstStyle/>
+          <a:p>
+            <a:r>
+              <a:rPr lang="ko-KR" altLang="en-US" b="1" dirty="0" smtClean="0"/>
+              <a:t>원본에 </a:t>
+            </a:r>
+            <a:r>
+              <a:rPr lang="en-US" altLang="ko-KR" b="1" dirty="0" err="1" smtClean="0"/>
+              <a:t>houghlinep</a:t>
+            </a:r>
+            <a:r>
+              <a:rPr lang="en-US" altLang="ko-KR" b="1" dirty="0" smtClean="0"/>
+              <a:t>, </a:t>
+            </a:r>
+            <a:r>
+              <a:rPr lang="ko-KR" altLang="en-US" b="1" dirty="0" smtClean="0"/>
+              <a:t>자름</a:t>
+            </a:r>
+            <a:endParaRPr lang="ko-KR" altLang="en-US" b="1" dirty="0"/>
+          </a:p>
+        </p:txBody>
+      </p:sp>
+      <p:sp>
+        <p:nvSpPr>
+          <p:cNvPr id="9" name="TextBox 8"/>
+          <p:cNvSpPr txBox="1"/>
+          <p:nvPr/>
+        </p:nvSpPr>
+        <p:spPr>
+          <a:xfrm>
+            <a:off x="498255" y="1470274"/>
+            <a:ext cx="1431802" cy="369332"/>
+          </a:xfrm>
+          <a:prstGeom prst="rect">
+            <a:avLst/>
+          </a:prstGeom>
+          <a:noFill/>
+        </p:spPr>
+        <p:txBody>
+          <a:bodyPr wrap="none" rtlCol="0">
+            <a:spAutoFit/>
+          </a:bodyPr>
+          <a:lstStyle/>
+          <a:p>
+            <a:r>
+              <a:rPr lang="ko-KR" altLang="en-US" b="1" dirty="0" smtClean="0"/>
+              <a:t>자름</a:t>
+            </a:r>
+            <a:r>
+              <a:rPr lang="en-US" altLang="ko-KR" b="1" dirty="0" smtClean="0"/>
+              <a:t>, canny</a:t>
+            </a:r>
+            <a:endParaRPr lang="ko-KR" altLang="en-US" b="1" dirty="0"/>
+          </a:p>
+        </p:txBody>
+      </p:sp>
+      <p:sp>
+        <p:nvSpPr>
+          <p:cNvPr id="10" name="TextBox 9"/>
+          <p:cNvSpPr txBox="1"/>
+          <p:nvPr/>
+        </p:nvSpPr>
+        <p:spPr>
+          <a:xfrm>
+            <a:off x="6190077" y="1465439"/>
+            <a:ext cx="2036135" cy="369332"/>
+          </a:xfrm>
+          <a:prstGeom prst="rect">
+            <a:avLst/>
+          </a:prstGeom>
+          <a:noFill/>
+        </p:spPr>
+        <p:txBody>
+          <a:bodyPr wrap="none" rtlCol="0">
+            <a:spAutoFit/>
+          </a:bodyPr>
+          <a:lstStyle/>
+          <a:p>
+            <a:r>
+              <a:rPr lang="ko-KR" altLang="en-US" b="1" dirty="0" smtClean="0"/>
+              <a:t>자름</a:t>
+            </a:r>
+            <a:r>
+              <a:rPr lang="en-US" altLang="ko-KR" b="1" dirty="0" smtClean="0"/>
+              <a:t>, </a:t>
+            </a:r>
+            <a:r>
+              <a:rPr lang="en-US" altLang="ko-KR" b="1" dirty="0" err="1" smtClean="0"/>
+              <a:t>houghlinep</a:t>
+            </a:r>
+            <a:endParaRPr lang="ko-KR" altLang="en-US" b="1" dirty="0"/>
           </a:p>
         </p:txBody>
       </p:sp>
     </p:spTree>
     <p:extLst>
       <p:ext uri="{BB962C8B-B14F-4D97-AF65-F5344CB8AC3E}">
-        <p14:creationId xmlns="" xmlns:p14="http://schemas.microsoft.com/office/powerpoint/2010/main" val="2496624278"/>
+        <p14:creationId xmlns:p14="http://schemas.microsoft.com/office/powerpoint/2010/main" val="514960259"/>
       </p:ext>
     </p:extLst>
   </p:cSld>
   <p:clrMapOvr>
     <a:masterClrMapping/>
   </p:clrMapOvr>
-  <p:timing>
-    <p:tnLst>
-      <p:par>
-        <p:cTn id="1" dur="indefinite" restart="never" nodeType="tmRoot"/>
-      </p:par>
-    </p:tnLst>
-  </p:timing>
 </p:sld>
 </file>
 
@@ -5597,12 +5883,12 @@
               <a:t> : inverse ratio of accumulator </a:t>
             </a:r>
             <a:r>
-              <a:rPr lang="en-US" altLang="ko-KR" sz="1600" dirty="0" err="1" smtClean="0"/>
-              <a:t>reolution</a:t>
-            </a:r>
-            <a:r>
               <a:rPr lang="en-US" altLang="ko-KR" sz="1600" dirty="0" smtClean="0"/>
-              <a:t> to the image resolution </a:t>
+              <a:t>resolution </a:t>
+            </a:r>
+            <a:r>
+              <a:rPr lang="en-US" altLang="ko-KR" sz="1600" dirty="0" smtClean="0"/>
+              <a:t>to the image resolution </a:t>
             </a:r>
           </a:p>
           <a:p>
@@ -5616,12 +5902,12 @@
               <a:t> : minimum distance between the </a:t>
             </a:r>
             <a:r>
-              <a:rPr lang="en-US" altLang="ko-KR" sz="1600" dirty="0" err="1" smtClean="0"/>
-              <a:t>centor</a:t>
-            </a:r>
-            <a:r>
               <a:rPr lang="en-US" altLang="ko-KR" sz="1600" dirty="0" smtClean="0"/>
-              <a:t> of detected circles</a:t>
+              <a:t>center </a:t>
+            </a:r>
+            <a:r>
+              <a:rPr lang="en-US" altLang="ko-KR" sz="1600" dirty="0" smtClean="0"/>
+              <a:t>of detected circles</a:t>
             </a:r>
           </a:p>
           <a:p>
@@ -5838,7 +6124,7 @@
           <a:blip r:embed="rId2" cstate="print">
             <a:extLst>
               <a:ext uri="{28A0092B-C50C-407E-A947-70E740481C1C}">
-                <a14:useLocalDpi xmlns="" xmlns:a14="http://schemas.microsoft.com/office/drawing/2010/main" val="0"/>
+                <a14:useLocalDpi xmlns:a14="http://schemas.microsoft.com/office/drawing/2010/main" val="0"/>
               </a:ext>
             </a:extLst>
           </a:blip>
@@ -5858,7 +6144,7 @@
           <a:noFill/>
           <a:extLst>
             <a:ext uri="{909E8E84-426E-40DD-AFC4-6F175D3DCCD1}">
-              <a14:hiddenFill xmlns="" xmlns:a14="http://schemas.microsoft.com/office/drawing/2010/main">
+              <a14:hiddenFill xmlns:a14="http://schemas.microsoft.com/office/drawing/2010/main">
                 <a:solidFill>
                   <a:srgbClr val="FFFFFF"/>
                 </a:solidFill>
@@ -5879,7 +6165,7 @@
           <a:blip r:embed="rId3" cstate="print">
             <a:extLst>
               <a:ext uri="{28A0092B-C50C-407E-A947-70E740481C1C}">
-                <a14:useLocalDpi xmlns="" xmlns:a14="http://schemas.microsoft.com/office/drawing/2010/main" val="0"/>
+                <a14:useLocalDpi xmlns:a14="http://schemas.microsoft.com/office/drawing/2010/main" val="0"/>
               </a:ext>
             </a:extLst>
           </a:blip>
@@ -5899,7 +6185,7 @@
           <a:noFill/>
           <a:extLst>
             <a:ext uri="{909E8E84-426E-40DD-AFC4-6F175D3DCCD1}">
-              <a14:hiddenFill xmlns="" xmlns:a14="http://schemas.microsoft.com/office/drawing/2010/main">
+              <a14:hiddenFill xmlns:a14="http://schemas.microsoft.com/office/drawing/2010/main">
                 <a:solidFill>
                   <a:srgbClr val="FFFFFF"/>
                 </a:solidFill>
@@ -5911,7 +6197,7 @@
     </p:spTree>
     <p:extLst>
       <p:ext uri="{BB962C8B-B14F-4D97-AF65-F5344CB8AC3E}">
-        <p14:creationId xmlns="" xmlns:p14="http://schemas.microsoft.com/office/powerpoint/2010/main" val="3228266440"/>
+        <p14:creationId xmlns:p14="http://schemas.microsoft.com/office/powerpoint/2010/main" val="3228266440"/>
       </p:ext>
     </p:extLst>
   </p:cSld>
@@ -5955,79 +6241,223 @@
           <a:p>
             <a:r>
               <a:rPr lang="en-US" altLang="ko-KR" dirty="0" smtClean="0"/>
+              <a:t>note</a:t>
+            </a:r>
+            <a:endParaRPr lang="ko-KR" altLang="en-US" dirty="0"/>
+          </a:p>
+        </p:txBody>
+      </p:sp>
+      <p:sp>
+        <p:nvSpPr>
+          <p:cNvPr id="3" name="내용 개체 틀 2"/>
+          <p:cNvSpPr>
+            <a:spLocks noGrp="1"/>
+          </p:cNvSpPr>
+          <p:nvPr>
+            <p:ph idx="1"/>
+          </p:nvPr>
+        </p:nvSpPr>
+        <p:spPr>
+          <a:xfrm>
+            <a:off x="628650" y="4744719"/>
+            <a:ext cx="7886700" cy="1432243"/>
+          </a:xfrm>
+        </p:spPr>
+        <p:txBody>
+          <a:bodyPr>
+            <a:normAutofit fontScale="70000" lnSpcReduction="20000"/>
+          </a:bodyPr>
+          <a:lstStyle/>
+          <a:p>
+            <a:r>
+              <a:rPr lang="en-US" altLang="ko-KR" dirty="0" smtClean="0"/>
               <a:t>Parameter </a:t>
             </a:r>
             <a:r>
               <a:rPr lang="ko-KR" altLang="en-US" dirty="0" smtClean="0"/>
-              <a:t>잡기 어려움</a:t>
+              <a:t>잡기가 매우</a:t>
+            </a:r>
+            <a:r>
+              <a:rPr lang="en-US" altLang="ko-KR" dirty="0" smtClean="0"/>
+              <a:t>! </a:t>
+            </a:r>
+            <a:r>
+              <a:rPr lang="ko-KR" altLang="en-US" dirty="0" smtClean="0"/>
+              <a:t>어려움</a:t>
+            </a:r>
+            <a:r>
+              <a:rPr lang="en-US" altLang="ko-KR" dirty="0" smtClean="0"/>
+              <a:t>. </a:t>
+            </a:r>
+          </a:p>
+          <a:p>
+            <a:r>
+              <a:rPr lang="ko-KR" altLang="en-US" dirty="0" smtClean="0"/>
+              <a:t>원만 있어도 원이 </a:t>
+            </a:r>
+            <a:r>
+              <a:rPr lang="ko-KR" altLang="en-US" dirty="0" err="1" smtClean="0"/>
+              <a:t>안잡힘</a:t>
+            </a:r>
+            <a:r>
+              <a:rPr lang="en-US" altLang="ko-KR" dirty="0" smtClean="0"/>
+              <a:t>. </a:t>
+            </a:r>
+          </a:p>
+          <a:p>
+            <a:pPr lvl="1"/>
+            <a:r>
+              <a:rPr lang="en-US" altLang="ko-KR" dirty="0" smtClean="0"/>
+              <a:t>Resolution</a:t>
+            </a:r>
+            <a:r>
+              <a:rPr lang="ko-KR" altLang="en-US" dirty="0" smtClean="0"/>
+              <a:t>을 잘 선택해야</a:t>
+            </a:r>
+            <a:r>
+              <a:rPr lang="en-US" altLang="ko-KR" dirty="0" smtClean="0"/>
+              <a:t>. </a:t>
+            </a:r>
+            <a:endParaRPr lang="en-US" altLang="ko-KR" dirty="0"/>
+          </a:p>
+          <a:p>
+            <a:pPr lvl="1"/>
+            <a:r>
+              <a:rPr lang="en-US" altLang="ko-KR" dirty="0" smtClean="0"/>
+              <a:t>Resolution</a:t>
+            </a:r>
+            <a:r>
+              <a:rPr lang="ko-KR" altLang="en-US" dirty="0" smtClean="0"/>
+              <a:t>이 큼 </a:t>
+            </a:r>
+            <a:r>
+              <a:rPr lang="en-US" altLang="ko-KR" dirty="0" smtClean="0"/>
+              <a:t>-&gt; </a:t>
+            </a:r>
+            <a:r>
+              <a:rPr lang="ko-KR" altLang="en-US" dirty="0" smtClean="0"/>
+              <a:t>각 </a:t>
+            </a:r>
+            <a:r>
+              <a:rPr lang="en-US" altLang="ko-KR" dirty="0" smtClean="0"/>
+              <a:t>circle </a:t>
+            </a:r>
+            <a:r>
+              <a:rPr lang="ko-KR" altLang="en-US" dirty="0" smtClean="0"/>
+              <a:t>별 </a:t>
+            </a:r>
+            <a:r>
+              <a:rPr lang="en-US" altLang="ko-KR" dirty="0" smtClean="0"/>
+              <a:t>vote</a:t>
+            </a:r>
+            <a:r>
+              <a:rPr lang="ko-KR" altLang="en-US" dirty="0" smtClean="0"/>
+              <a:t>수가 너무 적음</a:t>
+            </a:r>
+            <a:r>
+              <a:rPr lang="en-US" altLang="ko-KR" dirty="0" smtClean="0"/>
+              <a:t>. </a:t>
+            </a:r>
+          </a:p>
+          <a:p>
+            <a:pPr lvl="1"/>
+            <a:r>
+              <a:rPr lang="en-US" altLang="ko-KR" dirty="0" err="1" smtClean="0"/>
+              <a:t>Resolutino</a:t>
+            </a:r>
+            <a:r>
+              <a:rPr lang="ko-KR" altLang="en-US" dirty="0" smtClean="0"/>
+              <a:t>이 작음 </a:t>
+            </a:r>
+            <a:r>
+              <a:rPr lang="en-US" altLang="ko-KR" dirty="0" smtClean="0"/>
+              <a:t>-&gt; </a:t>
+            </a:r>
+            <a:r>
+              <a:rPr lang="ko-KR" altLang="en-US" dirty="0" smtClean="0"/>
+              <a:t>이상한 위치에 너무 많이 잡힘</a:t>
+            </a:r>
+            <a:r>
+              <a:rPr lang="en-US" altLang="ko-KR" dirty="0" smtClean="0"/>
+              <a:t>. </a:t>
             </a:r>
             <a:endParaRPr lang="ko-KR" altLang="en-US" dirty="0"/>
           </a:p>
         </p:txBody>
       </p:sp>
-      <p:sp>
-        <p:nvSpPr>
-          <p:cNvPr id="3" name="내용 개체 틀 2"/>
-          <p:cNvSpPr>
-            <a:spLocks noGrp="1"/>
-          </p:cNvSpPr>
-          <p:nvPr>
-            <p:ph idx="1"/>
-          </p:nvPr>
-        </p:nvSpPr>
-        <p:spPr/>
-        <p:txBody>
-          <a:bodyPr/>
-          <a:lstStyle/>
-          <a:p>
-            <a:r>
-              <a:rPr lang="en-US" altLang="ko-KR" dirty="0" smtClean="0"/>
-              <a:t>Circle geometry</a:t>
-            </a:r>
-            <a:r>
-              <a:rPr lang="ko-KR" altLang="en-US" dirty="0" smtClean="0"/>
-              <a:t>로 </a:t>
-            </a:r>
-            <a:r>
-              <a:rPr lang="en-US" altLang="ko-KR" dirty="0" err="1" smtClean="0"/>
-              <a:t>mijnrad</a:t>
-            </a:r>
-            <a:r>
-              <a:rPr lang="en-US" altLang="ko-KR" dirty="0" smtClean="0"/>
-              <a:t>, </a:t>
-            </a:r>
-            <a:r>
-              <a:rPr lang="en-US" altLang="ko-KR" dirty="0" err="1" smtClean="0"/>
-              <a:t>maxrad</a:t>
-            </a:r>
-            <a:r>
-              <a:rPr lang="en-US" altLang="ko-KR" dirty="0" smtClean="0"/>
-              <a:t>, dist </a:t>
-            </a:r>
-            <a:r>
-              <a:rPr lang="ko-KR" altLang="en-US" dirty="0" smtClean="0"/>
-              <a:t>잡기</a:t>
-            </a:r>
-            <a:endParaRPr lang="en-US" altLang="ko-KR" dirty="0" smtClean="0"/>
-          </a:p>
-          <a:p>
-            <a:r>
-              <a:rPr lang="en-US" altLang="ko-KR" dirty="0" smtClean="0"/>
-              <a:t>Param2</a:t>
-            </a:r>
-            <a:r>
-              <a:rPr lang="ko-KR" altLang="en-US" dirty="0" smtClean="0"/>
-              <a:t>가 결정적인 듯</a:t>
-            </a:r>
-            <a:r>
-              <a:rPr lang="en-US" altLang="ko-KR" dirty="0" smtClean="0"/>
-              <a:t>. </a:t>
-            </a:r>
+      <p:pic>
+        <p:nvPicPr>
+          <p:cNvPr id="4" name="그림 3"/>
+          <p:cNvPicPr>
+            <a:picLocks noChangeAspect="1"/>
+          </p:cNvPicPr>
+          <p:nvPr/>
+        </p:nvPicPr>
+        <p:blipFill>
+          <a:blip r:embed="rId2"/>
+          <a:stretch>
+            <a:fillRect/>
+          </a:stretch>
+        </p:blipFill>
+        <p:spPr>
+          <a:xfrm>
+            <a:off x="154305" y="1354137"/>
+            <a:ext cx="6805295" cy="3240800"/>
+          </a:xfrm>
+          <a:prstGeom prst="rect">
+            <a:avLst/>
+          </a:prstGeom>
+        </p:spPr>
+      </p:pic>
+      <p:sp>
+        <p:nvSpPr>
+          <p:cNvPr id="5" name="직사각형 4"/>
+          <p:cNvSpPr/>
+          <p:nvPr/>
+        </p:nvSpPr>
+        <p:spPr>
+          <a:xfrm>
+            <a:off x="2702560" y="6176962"/>
+            <a:ext cx="4572000" cy="1200329"/>
+          </a:xfrm>
+          <a:prstGeom prst="rect">
+            <a:avLst/>
+          </a:prstGeom>
+        </p:spPr>
+        <p:txBody>
+          <a:bodyPr>
+            <a:spAutoFit/>
+          </a:bodyPr>
+          <a:lstStyle/>
+          <a:p>
             <a:endParaRPr lang="ko-KR" altLang="en-US" dirty="0"/>
           </a:p>
+          <a:p>
+            <a:r>
+              <a:rPr lang="ko-KR" altLang="en-US" dirty="0" err="1"/>
+              <a:t>circles</a:t>
+            </a:r>
+            <a:r>
+              <a:rPr lang="ko-KR" altLang="en-US" dirty="0"/>
+              <a:t> = cv2.HoughCircles(</a:t>
+            </a:r>
+            <a:r>
+              <a:rPr lang="ko-KR" altLang="en-US" dirty="0" err="1"/>
+              <a:t>canny</a:t>
+            </a:r>
+            <a:r>
+              <a:rPr lang="ko-KR" altLang="en-US" dirty="0"/>
+              <a:t>, cv2.HOUGH_GRADIENT, 5, 150, param1 = 1, param2 =20)</a:t>
+            </a:r>
+          </a:p>
         </p:txBody>
       </p:sp>
     </p:spTree>
+    <p:extLst>
+      <p:ext uri="{BB962C8B-B14F-4D97-AF65-F5344CB8AC3E}">
+        <p14:creationId xmlns:p14="http://schemas.microsoft.com/office/powerpoint/2010/main" val="69466334"/>
+      </p:ext>
+    </p:extLst>
   </p:cSld>
   <p:clrMapOvr>
     <a:masterClrMapping/>
@@ -6097,11 +6527,7 @@
           <a:p>
             <a:r>
               <a:rPr lang="en-US" altLang="ko-KR" dirty="0" smtClean="0"/>
-              <a:t>Input = </a:t>
-            </a:r>
-            <a:r>
-              <a:rPr lang="en-US" altLang="ko-KR" dirty="0" smtClean="0"/>
-              <a:t>binary	</a:t>
+              <a:t>Input = binary	</a:t>
             </a:r>
           </a:p>
           <a:p>
@@ -6110,7 +6536,6 @@
               <a:rPr lang="en-US" altLang="ko-KR" dirty="0" smtClean="0"/>
               <a:t>Threshold / Canny</a:t>
             </a:r>
-            <a:endParaRPr lang="en-US" altLang="ko-KR" dirty="0" smtClean="0"/>
           </a:p>
           <a:p>
             <a:r>
@@ -6146,7 +6571,6 @@
               <a:rPr lang="en-US" altLang="ko-KR" dirty="0" smtClean="0"/>
               <a:t>accumulator?</a:t>
             </a:r>
-            <a:endParaRPr lang="en-US" altLang="ko-KR" dirty="0" smtClean="0"/>
           </a:p>
           <a:p>
             <a:r>
@@ -6169,7 +6593,7 @@
           <a:blip r:embed="rId3" cstate="print">
             <a:extLst>
               <a:ext uri="{28A0092B-C50C-407E-A947-70E740481C1C}">
-                <a14:useLocalDpi xmlns="" xmlns:a14="http://schemas.microsoft.com/office/drawing/2010/main" val="0"/>
+                <a14:useLocalDpi xmlns:a14="http://schemas.microsoft.com/office/drawing/2010/main" val="0"/>
               </a:ext>
             </a:extLst>
           </a:blip>
@@ -6189,7 +6613,7 @@
           <a:noFill/>
           <a:extLst>
             <a:ext uri="{909E8E84-426E-40DD-AFC4-6F175D3DCCD1}">
-              <a14:hiddenFill xmlns="" xmlns:a14="http://schemas.microsoft.com/office/drawing/2010/main">
+              <a14:hiddenFill xmlns:a14="http://schemas.microsoft.com/office/drawing/2010/main">
                 <a:solidFill>
                   <a:srgbClr val="FFFFFF"/>
                 </a:solidFill>
@@ -6256,7 +6680,7 @@
     </p:spTree>
     <p:extLst>
       <p:ext uri="{BB962C8B-B14F-4D97-AF65-F5344CB8AC3E}">
-        <p14:creationId xmlns="" xmlns:p14="http://schemas.microsoft.com/office/powerpoint/2010/main" val="2839063633"/>
+        <p14:creationId xmlns:p14="http://schemas.microsoft.com/office/powerpoint/2010/main" val="2839063633"/>
       </p:ext>
     </p:extLst>
   </p:cSld>
@@ -6376,7 +6800,7 @@
           <a:blip r:embed="rId2" cstate="print">
             <a:extLst>
               <a:ext uri="{28A0092B-C50C-407E-A947-70E740481C1C}">
-                <a14:useLocalDpi xmlns="" xmlns:a14="http://schemas.microsoft.com/office/drawing/2010/main" val="0"/>
+                <a14:useLocalDpi xmlns:a14="http://schemas.microsoft.com/office/drawing/2010/main" val="0"/>
               </a:ext>
             </a:extLst>
           </a:blip>
@@ -6396,7 +6820,7 @@
           <a:noFill/>
           <a:extLst>
             <a:ext uri="{909E8E84-426E-40DD-AFC4-6F175D3DCCD1}">
-              <a14:hiddenFill xmlns="" xmlns:a14="http://schemas.microsoft.com/office/drawing/2010/main">
+              <a14:hiddenFill xmlns:a14="http://schemas.microsoft.com/office/drawing/2010/main">
                 <a:solidFill>
                   <a:srgbClr val="FFFFFF"/>
                 </a:solidFill>
@@ -6462,7 +6886,7 @@
     </p:spTree>
     <p:extLst>
       <p:ext uri="{BB962C8B-B14F-4D97-AF65-F5344CB8AC3E}">
-        <p14:creationId xmlns="" xmlns:p14="http://schemas.microsoft.com/office/powerpoint/2010/main" val="285087241"/>
+        <p14:creationId xmlns:p14="http://schemas.microsoft.com/office/powerpoint/2010/main" val="285087241"/>
       </p:ext>
     </p:extLst>
   </p:cSld>
@@ -6563,11 +6987,7 @@
             </a:r>
             <a:r>
               <a:rPr lang="ko-KR" altLang="en-US" dirty="0" smtClean="0"/>
-              <a:t>들을 표현 </a:t>
-            </a:r>
-            <a:r>
-              <a:rPr lang="ko-KR" altLang="en-US" dirty="0" smtClean="0"/>
-              <a:t>가능</a:t>
+              <a:t>들을 표현 가능</a:t>
             </a:r>
             <a:endParaRPr lang="en-US" altLang="ko-KR" dirty="0" smtClean="0"/>
           </a:p>
@@ -6600,11 +7020,7 @@
             </a:r>
             <a:r>
               <a:rPr lang="ko-KR" altLang="en-US" dirty="0" smtClean="0"/>
-              <a:t> </a:t>
-            </a:r>
-            <a:r>
-              <a:rPr lang="ko-KR" altLang="en-US" dirty="0" smtClean="0"/>
-              <a:t>내의 각 원소 </a:t>
+              <a:t> 내의 각 원소 </a:t>
             </a:r>
             <a:r>
               <a:rPr lang="en-US" altLang="ko-KR" dirty="0" smtClean="0"/>
@@ -6713,7 +7129,7 @@
           <p:nvPr>
             <p:extLst>
               <p:ext uri="{D42A27DB-BD31-4B8C-83A1-F6EECF244321}">
-                <p14:modId xmlns="" xmlns:p14="http://schemas.microsoft.com/office/powerpoint/2010/main" val="733903917"/>
+                <p14:modId xmlns:p14="http://schemas.microsoft.com/office/powerpoint/2010/main" val="733903917"/>
               </p:ext>
             </p:extLst>
           </p:nvPr>
@@ -6732,28 +7148,28 @@
                 <a:gridCol w="1139202">
                   <a:extLst>
                     <a:ext uri="{9D8B030D-6E8A-4147-A177-3AD203B41FA5}">
-                      <a16:colId xmlns="" xmlns:a16="http://schemas.microsoft.com/office/drawing/2014/main" val="3988775074"/>
+                      <a16:colId xmlns:a16="http://schemas.microsoft.com/office/drawing/2014/main" val="3988775074"/>
                     </a:ext>
                   </a:extLst>
                 </a:gridCol>
                 <a:gridCol w="1139202">
                   <a:extLst>
                     <a:ext uri="{9D8B030D-6E8A-4147-A177-3AD203B41FA5}">
-                      <a16:colId xmlns="" xmlns:a16="http://schemas.microsoft.com/office/drawing/2014/main" val="3207087765"/>
+                      <a16:colId xmlns:a16="http://schemas.microsoft.com/office/drawing/2014/main" val="3207087765"/>
                     </a:ext>
                   </a:extLst>
                 </a:gridCol>
                 <a:gridCol w="1139202">
                   <a:extLst>
                     <a:ext uri="{9D8B030D-6E8A-4147-A177-3AD203B41FA5}">
-                      <a16:colId xmlns="" xmlns:a16="http://schemas.microsoft.com/office/drawing/2014/main" val="3047351752"/>
+                      <a16:colId xmlns:a16="http://schemas.microsoft.com/office/drawing/2014/main" val="3047351752"/>
                     </a:ext>
                   </a:extLst>
                 </a:gridCol>
                 <a:gridCol w="1139202">
                   <a:extLst>
                     <a:ext uri="{9D8B030D-6E8A-4147-A177-3AD203B41FA5}">
-                      <a16:colId xmlns="" xmlns:a16="http://schemas.microsoft.com/office/drawing/2014/main" val="1786076702"/>
+                      <a16:colId xmlns:a16="http://schemas.microsoft.com/office/drawing/2014/main" val="1786076702"/>
                     </a:ext>
                   </a:extLst>
                 </a:gridCol>
@@ -6817,7 +7233,7 @@
                 </a:tc>
                 <a:extLst>
                   <a:ext uri="{0D108BD9-81ED-4DB2-BD59-A6C34878D82A}">
-                    <a16:rowId xmlns="" xmlns:a16="http://schemas.microsoft.com/office/drawing/2014/main" val="3534270772"/>
+                    <a16:rowId xmlns:a16="http://schemas.microsoft.com/office/drawing/2014/main" val="3534270772"/>
                   </a:ext>
                 </a:extLst>
               </a:tr>
@@ -6847,7 +7263,6 @@
                         <a:rPr lang="en-US" altLang="ko-KR" dirty="0" smtClean="0"/>
                         <a:t>0</a:t>
                       </a:r>
-                      <a:endParaRPr lang="en-US" altLang="ko-KR" dirty="0" smtClean="0"/>
                     </a:p>
                   </a:txBody>
                   <a:tcPr/>
@@ -6884,7 +7299,7 @@
                 </a:tc>
                 <a:extLst>
                   <a:ext uri="{0D108BD9-81ED-4DB2-BD59-A6C34878D82A}">
-                    <a16:rowId xmlns="" xmlns:a16="http://schemas.microsoft.com/office/drawing/2014/main" val="133497317"/>
+                    <a16:rowId xmlns:a16="http://schemas.microsoft.com/office/drawing/2014/main" val="133497317"/>
                   </a:ext>
                 </a:extLst>
               </a:tr>
@@ -6951,7 +7366,7 @@
                 </a:tc>
                 <a:extLst>
                   <a:ext uri="{0D108BD9-81ED-4DB2-BD59-A6C34878D82A}">
-                    <a16:rowId xmlns="" xmlns:a16="http://schemas.microsoft.com/office/drawing/2014/main" val="2212991647"/>
+                    <a16:rowId xmlns:a16="http://schemas.microsoft.com/office/drawing/2014/main" val="2212991647"/>
                   </a:ext>
                 </a:extLst>
               </a:tr>
@@ -7018,7 +7433,7 @@
                 </a:tc>
                 <a:extLst>
                   <a:ext uri="{0D108BD9-81ED-4DB2-BD59-A6C34878D82A}">
-                    <a16:rowId xmlns="" xmlns:a16="http://schemas.microsoft.com/office/drawing/2014/main" val="172703131"/>
+                    <a16:rowId xmlns:a16="http://schemas.microsoft.com/office/drawing/2014/main" val="172703131"/>
                   </a:ext>
                 </a:extLst>
               </a:tr>
@@ -7481,7 +7896,7 @@
     </p:spTree>
     <p:extLst>
       <p:ext uri="{BB962C8B-B14F-4D97-AF65-F5344CB8AC3E}">
-        <p14:creationId xmlns="" xmlns:p14="http://schemas.microsoft.com/office/powerpoint/2010/main" val="3164408349"/>
+        <p14:creationId xmlns:p14="http://schemas.microsoft.com/office/powerpoint/2010/main" val="3164408349"/>
       </p:ext>
     </p:extLst>
   </p:cSld>
@@ -7680,7 +8095,7 @@
           <a:blip r:embed="rId2" cstate="print">
             <a:extLst>
               <a:ext uri="{28A0092B-C50C-407E-A947-70E740481C1C}">
-                <a14:useLocalDpi xmlns="" xmlns:a14="http://schemas.microsoft.com/office/drawing/2010/main" val="0"/>
+                <a14:useLocalDpi xmlns:a14="http://schemas.microsoft.com/office/drawing/2010/main" val="0"/>
               </a:ext>
             </a:extLst>
           </a:blip>
@@ -7700,7 +8115,7 @@
           <a:noFill/>
           <a:extLst>
             <a:ext uri="{909E8E84-426E-40DD-AFC4-6F175D3DCCD1}">
-              <a14:hiddenFill xmlns="" xmlns:a14="http://schemas.microsoft.com/office/drawing/2010/main">
+              <a14:hiddenFill xmlns:a14="http://schemas.microsoft.com/office/drawing/2010/main">
                 <a:solidFill>
                   <a:srgbClr val="FFFFFF"/>
                 </a:solidFill>
@@ -7712,7 +8127,7 @@
     </p:spTree>
     <p:extLst>
       <p:ext uri="{BB962C8B-B14F-4D97-AF65-F5344CB8AC3E}">
-        <p14:creationId xmlns="" xmlns:p14="http://schemas.microsoft.com/office/powerpoint/2010/main" val="2637086306"/>
+        <p14:creationId xmlns:p14="http://schemas.microsoft.com/office/powerpoint/2010/main" val="2637086306"/>
       </p:ext>
     </p:extLst>
   </p:cSld>
@@ -7839,7 +8254,7 @@
           <a:blip r:embed="rId2" cstate="print">
             <a:extLst>
               <a:ext uri="{28A0092B-C50C-407E-A947-70E740481C1C}">
-                <a14:useLocalDpi xmlns="" xmlns:a14="http://schemas.microsoft.com/office/drawing/2010/main" val="0"/>
+                <a14:useLocalDpi xmlns:a14="http://schemas.microsoft.com/office/drawing/2010/main" val="0"/>
               </a:ext>
             </a:extLst>
           </a:blip>
@@ -7859,7 +8274,7 @@
           <a:noFill/>
           <a:extLst>
             <a:ext uri="{909E8E84-426E-40DD-AFC4-6F175D3DCCD1}">
-              <a14:hiddenFill xmlns="" xmlns:a14="http://schemas.microsoft.com/office/drawing/2010/main">
+              <a14:hiddenFill xmlns:a14="http://schemas.microsoft.com/office/drawing/2010/main">
                 <a:solidFill>
                   <a:srgbClr val="FFFFFF"/>
                 </a:solidFill>
@@ -7871,7 +8286,7 @@
     </p:spTree>
     <p:extLst>
       <p:ext uri="{BB962C8B-B14F-4D97-AF65-F5344CB8AC3E}">
-        <p14:creationId xmlns="" xmlns:p14="http://schemas.microsoft.com/office/powerpoint/2010/main" val="2877354479"/>
+        <p14:creationId xmlns:p14="http://schemas.microsoft.com/office/powerpoint/2010/main" val="2877354479"/>
       </p:ext>
     </p:extLst>
   </p:cSld>
@@ -7940,7 +8355,7 @@
           <a:blip r:embed="rId2" cstate="print">
             <a:extLst>
               <a:ext uri="{28A0092B-C50C-407E-A947-70E740481C1C}">
-                <a14:useLocalDpi xmlns="" xmlns:a14="http://schemas.microsoft.com/office/drawing/2010/main" val="0"/>
+                <a14:useLocalDpi xmlns:a14="http://schemas.microsoft.com/office/drawing/2010/main" val="0"/>
               </a:ext>
             </a:extLst>
           </a:blip>
@@ -7960,7 +8375,7 @@
           <a:noFill/>
           <a:extLst>
             <a:ext uri="{909E8E84-426E-40DD-AFC4-6F175D3DCCD1}">
-              <a14:hiddenFill xmlns="" xmlns:a14="http://schemas.microsoft.com/office/drawing/2010/main">
+              <a14:hiddenFill xmlns:a14="http://schemas.microsoft.com/office/drawing/2010/main">
                 <a:solidFill>
                   <a:srgbClr val="FFFFFF"/>
                 </a:solidFill>
@@ -8101,7 +8516,7 @@
     </p:spTree>
     <p:extLst>
       <p:ext uri="{BB962C8B-B14F-4D97-AF65-F5344CB8AC3E}">
-        <p14:creationId xmlns="" xmlns:p14="http://schemas.microsoft.com/office/powerpoint/2010/main" val="3508601607"/>
+        <p14:creationId xmlns:p14="http://schemas.microsoft.com/office/powerpoint/2010/main" val="3508601607"/>
       </p:ext>
     </p:extLst>
   </p:cSld>
@@ -8196,7 +8611,7 @@
     </p:spTree>
     <p:extLst>
       <p:ext uri="{BB962C8B-B14F-4D97-AF65-F5344CB8AC3E}">
-        <p14:creationId xmlns="" xmlns:p14="http://schemas.microsoft.com/office/powerpoint/2010/main" val="3438637767"/>
+        <p14:creationId xmlns:p14="http://schemas.microsoft.com/office/powerpoint/2010/main" val="3438637767"/>
       </p:ext>
     </p:extLst>
   </p:cSld>
@@ -8468,7 +8883,7 @@
   <a:extraClrSchemeLst/>
   <a:extLst>
     <a:ext uri="{05A4C25C-085E-4340-85A3-A5531E510DB2}">
-      <thm15:themeFamily xmlns="" xmlns:thm15="http://schemas.microsoft.com/office/thememl/2012/main" name="Office Theme" id="{62F939B6-93AF-4DB8-9C6B-D6C7DFDC589F}" vid="{4A3C46E8-61CC-4603-A589-7422A47A8E4A}"/>
+      <thm15:themeFamily xmlns:thm15="http://schemas.microsoft.com/office/thememl/2012/main" name="Office Theme" id="{62F939B6-93AF-4DB8-9C6B-D6C7DFDC589F}" vid="{4A3C46E8-61CC-4603-A589-7422A47A8E4A}"/>
     </a:ext>
   </a:extLst>
 </a:theme>
@@ -8729,7 +9144,7 @@
   <a:extraClrSchemeLst/>
   <a:extLst>
     <a:ext uri="{05A4C25C-085E-4340-85A3-A5531E510DB2}">
-      <thm15:themeFamily xmlns="" xmlns:thm15="http://schemas.microsoft.com/office/thememl/2012/main" name="Office Theme" id="{62F939B6-93AF-4DB8-9C6B-D6C7DFDC589F}" vid="{4A3C46E8-61CC-4603-A589-7422A47A8E4A}"/>
+      <thm15:themeFamily xmlns:thm15="http://schemas.microsoft.com/office/thememl/2012/main" name="Office Theme" id="{62F939B6-93AF-4DB8-9C6B-D6C7DFDC589F}" vid="{4A3C46E8-61CC-4603-A589-7422A47A8E4A}"/>
     </a:ext>
   </a:extLst>
 </a:theme>

--- a/hough transform/hough transform ver1.pptx
+++ b/hough transform/hough transform ver1.pptx
@@ -128,7 +128,7 @@
   </p:defaultTextStyle>
   <p:extLst>
     <p:ext uri="{EFAFB233-063F-42B5-8137-9DF3F51BA10A}">
-      <p15:sldGuideLst xmlns:p15="http://schemas.microsoft.com/office/powerpoint/2012/main">
+      <p15:sldGuideLst xmlns:p15="http://schemas.microsoft.com/office/powerpoint/2012/main" xmlns="">
         <p15:guide id="1" orient="horz" pos="2160">
           <p15:clr>
             <a:srgbClr val="A4A3A4"/>
@@ -228,7 +228,7 @@
             <a:fld id="{E98F2347-B9B1-43DD-B42B-FDBFF7F4384D}" type="datetimeFigureOut">
               <a:rPr lang="ko-KR" altLang="en-US" smtClean="0"/>
               <a:pPr/>
-              <a:t>2018-07-31</a:t>
+              <a:t>2018-08-01</a:t>
             </a:fld>
             <a:endParaRPr lang="ko-KR" altLang="en-US"/>
           </a:p>
@@ -397,7 +397,7 @@
     </p:spTree>
     <p:extLst>
       <p:ext uri="{BB962C8B-B14F-4D97-AF65-F5344CB8AC3E}">
-        <p14:creationId xmlns:p14="http://schemas.microsoft.com/office/powerpoint/2010/main" val="1458759009"/>
+        <p14:creationId xmlns:p14="http://schemas.microsoft.com/office/powerpoint/2010/main" xmlns="" val="1458759009"/>
       </p:ext>
     </p:extLst>
   </p:cSld>
@@ -572,7 +572,7 @@
     </p:spTree>
     <p:extLst>
       <p:ext uri="{BB962C8B-B14F-4D97-AF65-F5344CB8AC3E}">
-        <p14:creationId xmlns:p14="http://schemas.microsoft.com/office/powerpoint/2010/main" val="481486606"/>
+        <p14:creationId xmlns:p14="http://schemas.microsoft.com/office/powerpoint/2010/main" xmlns="" val="481486606"/>
       </p:ext>
     </p:extLst>
   </p:cSld>
@@ -714,7 +714,7 @@
             <a:fld id="{EF788394-B629-4511-9349-FD8338CD4544}" type="datetimeFigureOut">
               <a:rPr lang="ko-KR" altLang="en-US" smtClean="0"/>
               <a:pPr/>
-              <a:t>2018-07-31</a:t>
+              <a:t>2018-08-01</a:t>
             </a:fld>
             <a:endParaRPr lang="ko-KR" altLang="en-US"/>
           </a:p>
@@ -766,7 +766,7 @@
     </p:spTree>
     <p:extLst>
       <p:ext uri="{BB962C8B-B14F-4D97-AF65-F5344CB8AC3E}">
-        <p14:creationId xmlns:p14="http://schemas.microsoft.com/office/powerpoint/2010/main" val="2198731872"/>
+        <p14:creationId xmlns:p14="http://schemas.microsoft.com/office/powerpoint/2010/main" xmlns="" val="2198731872"/>
       </p:ext>
     </p:extLst>
   </p:cSld>
@@ -886,7 +886,7 @@
             <a:fld id="{EF788394-B629-4511-9349-FD8338CD4544}" type="datetimeFigureOut">
               <a:rPr lang="ko-KR" altLang="en-US" smtClean="0"/>
               <a:pPr/>
-              <a:t>2018-07-31</a:t>
+              <a:t>2018-08-01</a:t>
             </a:fld>
             <a:endParaRPr lang="ko-KR" altLang="en-US"/>
           </a:p>
@@ -938,7 +938,7 @@
     </p:spTree>
     <p:extLst>
       <p:ext uri="{BB962C8B-B14F-4D97-AF65-F5344CB8AC3E}">
-        <p14:creationId xmlns:p14="http://schemas.microsoft.com/office/powerpoint/2010/main" val="2471533085"/>
+        <p14:creationId xmlns:p14="http://schemas.microsoft.com/office/powerpoint/2010/main" xmlns="" val="2471533085"/>
       </p:ext>
     </p:extLst>
   </p:cSld>
@@ -1068,7 +1068,7 @@
             <a:fld id="{EF788394-B629-4511-9349-FD8338CD4544}" type="datetimeFigureOut">
               <a:rPr lang="ko-KR" altLang="en-US" smtClean="0"/>
               <a:pPr/>
-              <a:t>2018-07-31</a:t>
+              <a:t>2018-08-01</a:t>
             </a:fld>
             <a:endParaRPr lang="ko-KR" altLang="en-US"/>
           </a:p>
@@ -1120,7 +1120,7 @@
     </p:spTree>
     <p:extLst>
       <p:ext uri="{BB962C8B-B14F-4D97-AF65-F5344CB8AC3E}">
-        <p14:creationId xmlns:p14="http://schemas.microsoft.com/office/powerpoint/2010/main" val="1613960709"/>
+        <p14:creationId xmlns:p14="http://schemas.microsoft.com/office/powerpoint/2010/main" xmlns="" val="1613960709"/>
       </p:ext>
     </p:extLst>
   </p:cSld>
@@ -1240,7 +1240,7 @@
             <a:fld id="{EF788394-B629-4511-9349-FD8338CD4544}" type="datetimeFigureOut">
               <a:rPr lang="ko-KR" altLang="en-US" smtClean="0"/>
               <a:pPr/>
-              <a:t>2018-07-31</a:t>
+              <a:t>2018-08-01</a:t>
             </a:fld>
             <a:endParaRPr lang="ko-KR" altLang="en-US"/>
           </a:p>
@@ -1292,7 +1292,7 @@
     </p:spTree>
     <p:extLst>
       <p:ext uri="{BB962C8B-B14F-4D97-AF65-F5344CB8AC3E}">
-        <p14:creationId xmlns:p14="http://schemas.microsoft.com/office/powerpoint/2010/main" val="2237841291"/>
+        <p14:creationId xmlns:p14="http://schemas.microsoft.com/office/powerpoint/2010/main" xmlns="" val="2237841291"/>
       </p:ext>
     </p:extLst>
   </p:cSld>
@@ -1488,7 +1488,7 @@
             <a:fld id="{EF788394-B629-4511-9349-FD8338CD4544}" type="datetimeFigureOut">
               <a:rPr lang="ko-KR" altLang="en-US" smtClean="0"/>
               <a:pPr/>
-              <a:t>2018-07-31</a:t>
+              <a:t>2018-08-01</a:t>
             </a:fld>
             <a:endParaRPr lang="ko-KR" altLang="en-US"/>
           </a:p>
@@ -1540,7 +1540,7 @@
     </p:spTree>
     <p:extLst>
       <p:ext uri="{BB962C8B-B14F-4D97-AF65-F5344CB8AC3E}">
-        <p14:creationId xmlns:p14="http://schemas.microsoft.com/office/powerpoint/2010/main" val="3294631850"/>
+        <p14:creationId xmlns:p14="http://schemas.microsoft.com/office/powerpoint/2010/main" xmlns="" val="3294631850"/>
       </p:ext>
     </p:extLst>
   </p:cSld>
@@ -1722,7 +1722,7 @@
             <a:fld id="{EF788394-B629-4511-9349-FD8338CD4544}" type="datetimeFigureOut">
               <a:rPr lang="ko-KR" altLang="en-US" smtClean="0"/>
               <a:pPr/>
-              <a:t>2018-07-31</a:t>
+              <a:t>2018-08-01</a:t>
             </a:fld>
             <a:endParaRPr lang="ko-KR" altLang="en-US"/>
           </a:p>
@@ -1774,7 +1774,7 @@
     </p:spTree>
     <p:extLst>
       <p:ext uri="{BB962C8B-B14F-4D97-AF65-F5344CB8AC3E}">
-        <p14:creationId xmlns:p14="http://schemas.microsoft.com/office/powerpoint/2010/main" val="1410486831"/>
+        <p14:creationId xmlns:p14="http://schemas.microsoft.com/office/powerpoint/2010/main" xmlns="" val="1410486831"/>
       </p:ext>
     </p:extLst>
   </p:cSld>
@@ -2091,7 +2091,7 @@
             <a:fld id="{EF788394-B629-4511-9349-FD8338CD4544}" type="datetimeFigureOut">
               <a:rPr lang="ko-KR" altLang="en-US" smtClean="0"/>
               <a:pPr/>
-              <a:t>2018-07-31</a:t>
+              <a:t>2018-08-01</a:t>
             </a:fld>
             <a:endParaRPr lang="ko-KR" altLang="en-US"/>
           </a:p>
@@ -2143,7 +2143,7 @@
     </p:spTree>
     <p:extLst>
       <p:ext uri="{BB962C8B-B14F-4D97-AF65-F5344CB8AC3E}">
-        <p14:creationId xmlns:p14="http://schemas.microsoft.com/office/powerpoint/2010/main" val="841733362"/>
+        <p14:creationId xmlns:p14="http://schemas.microsoft.com/office/powerpoint/2010/main" xmlns="" val="841733362"/>
       </p:ext>
     </p:extLst>
   </p:cSld>
@@ -2211,7 +2211,7 @@
             <a:fld id="{EF788394-B629-4511-9349-FD8338CD4544}" type="datetimeFigureOut">
               <a:rPr lang="ko-KR" altLang="en-US" smtClean="0"/>
               <a:pPr/>
-              <a:t>2018-07-31</a:t>
+              <a:t>2018-08-01</a:t>
             </a:fld>
             <a:endParaRPr lang="ko-KR" altLang="en-US"/>
           </a:p>
@@ -2263,7 +2263,7 @@
     </p:spTree>
     <p:extLst>
       <p:ext uri="{BB962C8B-B14F-4D97-AF65-F5344CB8AC3E}">
-        <p14:creationId xmlns:p14="http://schemas.microsoft.com/office/powerpoint/2010/main" val="2953962516"/>
+        <p14:creationId xmlns:p14="http://schemas.microsoft.com/office/powerpoint/2010/main" xmlns="" val="2953962516"/>
       </p:ext>
     </p:extLst>
   </p:cSld>
@@ -2308,7 +2308,7 @@
             <a:fld id="{EF788394-B629-4511-9349-FD8338CD4544}" type="datetimeFigureOut">
               <a:rPr lang="ko-KR" altLang="en-US" smtClean="0"/>
               <a:pPr/>
-              <a:t>2018-07-31</a:t>
+              <a:t>2018-08-01</a:t>
             </a:fld>
             <a:endParaRPr lang="ko-KR" altLang="en-US"/>
           </a:p>
@@ -2360,7 +2360,7 @@
     </p:spTree>
     <p:extLst>
       <p:ext uri="{BB962C8B-B14F-4D97-AF65-F5344CB8AC3E}">
-        <p14:creationId xmlns:p14="http://schemas.microsoft.com/office/powerpoint/2010/main" val="294430269"/>
+        <p14:creationId xmlns:p14="http://schemas.microsoft.com/office/powerpoint/2010/main" xmlns="" val="294430269"/>
       </p:ext>
     </p:extLst>
   </p:cSld>
@@ -2587,7 +2587,7 @@
             <a:fld id="{EF788394-B629-4511-9349-FD8338CD4544}" type="datetimeFigureOut">
               <a:rPr lang="ko-KR" altLang="en-US" smtClean="0"/>
               <a:pPr/>
-              <a:t>2018-07-31</a:t>
+              <a:t>2018-08-01</a:t>
             </a:fld>
             <a:endParaRPr lang="ko-KR" altLang="en-US"/>
           </a:p>
@@ -2639,7 +2639,7 @@
     </p:spTree>
     <p:extLst>
       <p:ext uri="{BB962C8B-B14F-4D97-AF65-F5344CB8AC3E}">
-        <p14:creationId xmlns:p14="http://schemas.microsoft.com/office/powerpoint/2010/main" val="510757519"/>
+        <p14:creationId xmlns:p14="http://schemas.microsoft.com/office/powerpoint/2010/main" xmlns="" val="510757519"/>
       </p:ext>
     </p:extLst>
   </p:cSld>
@@ -2842,7 +2842,7 @@
             <a:fld id="{EF788394-B629-4511-9349-FD8338CD4544}" type="datetimeFigureOut">
               <a:rPr lang="ko-KR" altLang="en-US" smtClean="0"/>
               <a:pPr/>
-              <a:t>2018-07-31</a:t>
+              <a:t>2018-08-01</a:t>
             </a:fld>
             <a:endParaRPr lang="ko-KR" altLang="en-US"/>
           </a:p>
@@ -2894,7 +2894,7 @@
     </p:spTree>
     <p:extLst>
       <p:ext uri="{BB962C8B-B14F-4D97-AF65-F5344CB8AC3E}">
-        <p14:creationId xmlns:p14="http://schemas.microsoft.com/office/powerpoint/2010/main" val="953964621"/>
+        <p14:creationId xmlns:p14="http://schemas.microsoft.com/office/powerpoint/2010/main" xmlns="" val="953964621"/>
       </p:ext>
     </p:extLst>
   </p:cSld>
@@ -3057,7 +3057,7 @@
             <a:fld id="{EF788394-B629-4511-9349-FD8338CD4544}" type="datetimeFigureOut">
               <a:rPr lang="ko-KR" altLang="en-US" smtClean="0"/>
               <a:pPr/>
-              <a:t>2018-07-31</a:t>
+              <a:t>2018-08-01</a:t>
             </a:fld>
             <a:endParaRPr lang="ko-KR" altLang="en-US"/>
           </a:p>
@@ -3145,7 +3145,7 @@
     </p:spTree>
     <p:extLst>
       <p:ext uri="{BB962C8B-B14F-4D97-AF65-F5344CB8AC3E}">
-        <p14:creationId xmlns:p14="http://schemas.microsoft.com/office/powerpoint/2010/main" val="2513469507"/>
+        <p14:creationId xmlns:p14="http://schemas.microsoft.com/office/powerpoint/2010/main" xmlns="" val="2513469507"/>
       </p:ext>
     </p:extLst>
   </p:cSld>
@@ -3508,7 +3508,7 @@
     </p:spTree>
     <p:extLst>
       <p:ext uri="{BB962C8B-B14F-4D97-AF65-F5344CB8AC3E}">
-        <p14:creationId xmlns:p14="http://schemas.microsoft.com/office/powerpoint/2010/main" val="2916377460"/>
+        <p14:creationId xmlns:p14="http://schemas.microsoft.com/office/powerpoint/2010/main" xmlns="" val="2916377460"/>
       </p:ext>
     </p:extLst>
   </p:cSld>
@@ -3652,7 +3652,7 @@
           <a:blip r:embed="rId2" cstate="print">
             <a:extLst>
               <a:ext uri="{28A0092B-C50C-407E-A947-70E740481C1C}">
-                <a14:useLocalDpi xmlns:a14="http://schemas.microsoft.com/office/drawing/2010/main" val="0"/>
+                <a14:useLocalDpi xmlns:a14="http://schemas.microsoft.com/office/drawing/2010/main" xmlns="" val="0"/>
               </a:ext>
             </a:extLst>
           </a:blip>
@@ -3672,7 +3672,7 @@
           <a:noFill/>
           <a:extLst>
             <a:ext uri="{909E8E84-426E-40DD-AFC4-6F175D3DCCD1}">
-              <a14:hiddenFill xmlns:a14="http://schemas.microsoft.com/office/drawing/2010/main">
+              <a14:hiddenFill xmlns:a14="http://schemas.microsoft.com/office/drawing/2010/main" xmlns="">
                 <a:solidFill>
                   <a:srgbClr val="FFFFFF"/>
                 </a:solidFill>
@@ -3967,7 +3967,7 @@
     </p:spTree>
     <p:extLst>
       <p:ext uri="{BB962C8B-B14F-4D97-AF65-F5344CB8AC3E}">
-        <p14:creationId xmlns:p14="http://schemas.microsoft.com/office/powerpoint/2010/main" val="1851693428"/>
+        <p14:creationId xmlns:p14="http://schemas.microsoft.com/office/powerpoint/2010/main" xmlns="" val="1851693428"/>
       </p:ext>
     </p:extLst>
   </p:cSld>
@@ -4046,22 +4046,14 @@
             </a:r>
             <a:r>
               <a:rPr lang="ko-KR" altLang="en-US" dirty="0" smtClean="0"/>
-              <a:t>시간이 오래 걸림 </a:t>
-            </a:r>
-            <a:r>
-              <a:rPr lang="ko-KR" altLang="en-US" dirty="0" smtClean="0"/>
-              <a:t>!</a:t>
+              <a:t>시간이 오래 걸림 !</a:t>
             </a:r>
             <a:endParaRPr lang="en-US" altLang="ko-KR" dirty="0" smtClean="0"/>
           </a:p>
           <a:p>
             <a:r>
               <a:rPr lang="en-US" altLang="ko-KR" dirty="0" smtClean="0"/>
-              <a:t>Input </a:t>
-            </a:r>
-            <a:r>
-              <a:rPr lang="en-US" altLang="ko-KR" dirty="0" smtClean="0"/>
-              <a:t>image</a:t>
+              <a:t>Input image</a:t>
             </a:r>
             <a:r>
               <a:rPr lang="ko-KR" altLang="en-US" dirty="0" smtClean="0"/>
@@ -4109,7 +4101,15 @@
             </a:r>
           </a:p>
           <a:p>
-            <a:endParaRPr lang="en-US" altLang="ko-KR" dirty="0"/>
+            <a:pPr lvl="1"/>
+            <a:r>
+              <a:rPr lang="ko-KR" altLang="en-US" dirty="0" smtClean="0"/>
+              <a:t>http://phdfb1.free.fr/robot/mscthesis/node14.html</a:t>
+            </a:r>
+          </a:p>
+          <a:p>
+            <a:pPr lvl="1"/>
+            <a:endParaRPr lang="en-US" altLang="ko-KR" dirty="0" smtClean="0"/>
           </a:p>
           <a:p>
             <a:r>
@@ -4131,42 +4131,13 @@
           </a:p>
           <a:p>
             <a:endParaRPr lang="en-US" altLang="ko-KR" dirty="0" smtClean="0"/>
-          </a:p>
-        </p:txBody>
-      </p:sp>
-      <p:sp>
-        <p:nvSpPr>
-          <p:cNvPr id="4" name="직사각형 3"/>
-          <p:cNvSpPr/>
-          <p:nvPr/>
-        </p:nvSpPr>
-        <p:spPr>
-          <a:xfrm>
-            <a:off x="3337098" y="5563446"/>
-            <a:ext cx="4572000" cy="292388"/>
-          </a:xfrm>
-          <a:prstGeom prst="rect">
-            <a:avLst/>
-          </a:prstGeom>
-        </p:spPr>
-        <p:txBody>
-          <a:bodyPr>
-            <a:spAutoFit/>
-          </a:bodyPr>
-          <a:lstStyle/>
-          <a:p>
-            <a:r>
-              <a:rPr lang="ko-KR" altLang="en-US" sz="1300" dirty="0" smtClean="0"/>
-              <a:t>http://phdfb1.free.fr/robot/mscthesis/node14.html</a:t>
-            </a:r>
-            <a:endParaRPr lang="ko-KR" altLang="en-US" sz="1300" dirty="0"/>
           </a:p>
         </p:txBody>
       </p:sp>
     </p:spTree>
     <p:extLst>
       <p:ext uri="{BB962C8B-B14F-4D97-AF65-F5344CB8AC3E}">
-        <p14:creationId xmlns:p14="http://schemas.microsoft.com/office/powerpoint/2010/main" val="1091594488"/>
+        <p14:creationId xmlns:p14="http://schemas.microsoft.com/office/powerpoint/2010/main" xmlns="" val="1091594488"/>
       </p:ext>
     </p:extLst>
   </p:cSld>
@@ -4274,11 +4245,7 @@
             </a:r>
             <a:r>
               <a:rPr lang="en-US" altLang="ko-KR" dirty="0" err="1" smtClean="0"/>
-              <a:t>thresholdin</a:t>
-            </a:r>
-            <a:r>
-              <a:rPr lang="en-US" altLang="ko-KR" dirty="0" err="1" smtClean="0"/>
-              <a:t>g</a:t>
+              <a:t>thresholding</a:t>
             </a:r>
             <a:endParaRPr lang="en-US" altLang="ko-KR" dirty="0" smtClean="0"/>
           </a:p>
@@ -4460,7 +4427,7 @@
         <p:spPr/>
         <p:txBody>
           <a:bodyPr>
-            <a:normAutofit fontScale="85000" lnSpcReduction="20000"/>
+            <a:normAutofit lnSpcReduction="10000"/>
           </a:bodyPr>
           <a:lstStyle/>
           <a:p>
@@ -4605,34 +4572,13 @@
           <a:p>
             <a:pPr lvl="1"/>
             <a:endParaRPr lang="en-US" altLang="ko-KR" dirty="0"/>
-          </a:p>
-          <a:p>
-            <a:pPr lvl="1"/>
-            <a:r>
-              <a:rPr lang="en-US" altLang="ko-KR" dirty="0" smtClean="0"/>
-              <a:t>CV_HOUGH_STANDARD</a:t>
-            </a:r>
-          </a:p>
-          <a:p>
-            <a:pPr lvl="1"/>
-            <a:r>
-              <a:rPr lang="en-US" altLang="ko-KR" dirty="0" smtClean="0"/>
-              <a:t>CV_HOUGH_PROBABILISTIC</a:t>
-            </a:r>
-          </a:p>
-          <a:p>
-            <a:pPr lvl="1"/>
-            <a:r>
-              <a:rPr lang="en-US" altLang="ko-KR" dirty="0" smtClean="0"/>
-              <a:t>CV_HOUGH_MULTI_SCALE</a:t>
-            </a:r>
           </a:p>
         </p:txBody>
       </p:sp>
     </p:spTree>
     <p:extLst>
       <p:ext uri="{BB962C8B-B14F-4D97-AF65-F5344CB8AC3E}">
-        <p14:creationId xmlns:p14="http://schemas.microsoft.com/office/powerpoint/2010/main" val="4185180122"/>
+        <p14:creationId xmlns:p14="http://schemas.microsoft.com/office/powerpoint/2010/main" xmlns="" val="4185180122"/>
       </p:ext>
     </p:extLst>
   </p:cSld>
@@ -5373,11 +5319,7 @@
             </a:r>
             <a:r>
               <a:rPr lang="en-US" altLang="ko-KR" dirty="0" smtClean="0"/>
-              <a:t>]]]) → </a:t>
-            </a:r>
-            <a:r>
-              <a:rPr lang="en-US" altLang="ko-KR" dirty="0" smtClean="0"/>
-              <a:t>lines</a:t>
+              <a:t>]]]) → lines</a:t>
             </a:r>
           </a:p>
           <a:p>
@@ -5422,7 +5364,7 @@
     </p:spTree>
     <p:extLst>
       <p:ext uri="{BB962C8B-B14F-4D97-AF65-F5344CB8AC3E}">
-        <p14:creationId xmlns:p14="http://schemas.microsoft.com/office/powerpoint/2010/main" val="792329231"/>
+        <p14:creationId xmlns:p14="http://schemas.microsoft.com/office/powerpoint/2010/main" xmlns="" val="792329231"/>
       </p:ext>
     </p:extLst>
   </p:cSld>
@@ -5544,7 +5486,7 @@
           <p:nvPr/>
         </p:nvPicPr>
         <p:blipFill>
-          <a:blip r:embed="rId2"/>
+          <a:blip r:embed="rId2" cstate="print"/>
           <a:stretch>
             <a:fillRect/>
           </a:stretch>
@@ -5568,7 +5510,7 @@
           <p:nvPr/>
         </p:nvPicPr>
         <p:blipFill>
-          <a:blip r:embed="rId3"/>
+          <a:blip r:embed="rId3" cstate="print"/>
           <a:stretch>
             <a:fillRect/>
           </a:stretch>
@@ -5592,7 +5534,7 @@
           <p:nvPr/>
         </p:nvPicPr>
         <p:blipFill>
-          <a:blip r:embed="rId4"/>
+          <a:blip r:embed="rId4" cstate="print"/>
           <a:stretch>
             <a:fillRect/>
           </a:stretch>
@@ -5724,7 +5666,7 @@
     </p:spTree>
     <p:extLst>
       <p:ext uri="{BB962C8B-B14F-4D97-AF65-F5344CB8AC3E}">
-        <p14:creationId xmlns:p14="http://schemas.microsoft.com/office/powerpoint/2010/main" val="514960259"/>
+        <p14:creationId xmlns:p14="http://schemas.microsoft.com/office/powerpoint/2010/main" xmlns="" val="514960259"/>
       </p:ext>
     </p:extLst>
   </p:cSld>
@@ -5880,15 +5822,7 @@
             </a:r>
             <a:r>
               <a:rPr lang="en-US" altLang="ko-KR" sz="1600" dirty="0" smtClean="0"/>
-              <a:t> : inverse ratio of accumulator </a:t>
-            </a:r>
-            <a:r>
-              <a:rPr lang="en-US" altLang="ko-KR" sz="1600" dirty="0" smtClean="0"/>
-              <a:t>resolution </a:t>
-            </a:r>
-            <a:r>
-              <a:rPr lang="en-US" altLang="ko-KR" sz="1600" dirty="0" smtClean="0"/>
-              <a:t>to the image resolution </a:t>
+              <a:t> : inverse ratio of accumulator resolution to the image resolution </a:t>
             </a:r>
           </a:p>
           <a:p>
@@ -5899,15 +5833,7 @@
             </a:r>
             <a:r>
               <a:rPr lang="en-US" altLang="ko-KR" sz="1600" dirty="0" smtClean="0"/>
-              <a:t> : minimum distance between the </a:t>
-            </a:r>
-            <a:r>
-              <a:rPr lang="en-US" altLang="ko-KR" sz="1600" dirty="0" smtClean="0"/>
-              <a:t>center </a:t>
-            </a:r>
-            <a:r>
-              <a:rPr lang="en-US" altLang="ko-KR" sz="1600" dirty="0" smtClean="0"/>
-              <a:t>of detected circles</a:t>
+              <a:t> : minimum distance between the center of detected circles</a:t>
             </a:r>
           </a:p>
           <a:p>
@@ -6124,7 +6050,7 @@
           <a:blip r:embed="rId2" cstate="print">
             <a:extLst>
               <a:ext uri="{28A0092B-C50C-407E-A947-70E740481C1C}">
-                <a14:useLocalDpi xmlns:a14="http://schemas.microsoft.com/office/drawing/2010/main" val="0"/>
+                <a14:useLocalDpi xmlns:a14="http://schemas.microsoft.com/office/drawing/2010/main" xmlns="" val="0"/>
               </a:ext>
             </a:extLst>
           </a:blip>
@@ -6144,7 +6070,7 @@
           <a:noFill/>
           <a:extLst>
             <a:ext uri="{909E8E84-426E-40DD-AFC4-6F175D3DCCD1}">
-              <a14:hiddenFill xmlns:a14="http://schemas.microsoft.com/office/drawing/2010/main">
+              <a14:hiddenFill xmlns:a14="http://schemas.microsoft.com/office/drawing/2010/main" xmlns="">
                 <a:solidFill>
                   <a:srgbClr val="FFFFFF"/>
                 </a:solidFill>
@@ -6165,7 +6091,7 @@
           <a:blip r:embed="rId3" cstate="print">
             <a:extLst>
               <a:ext uri="{28A0092B-C50C-407E-A947-70E740481C1C}">
-                <a14:useLocalDpi xmlns:a14="http://schemas.microsoft.com/office/drawing/2010/main" val="0"/>
+                <a14:useLocalDpi xmlns:a14="http://schemas.microsoft.com/office/drawing/2010/main" xmlns="" val="0"/>
               </a:ext>
             </a:extLst>
           </a:blip>
@@ -6185,7 +6111,7 @@
           <a:noFill/>
           <a:extLst>
             <a:ext uri="{909E8E84-426E-40DD-AFC4-6F175D3DCCD1}">
-              <a14:hiddenFill xmlns:a14="http://schemas.microsoft.com/office/drawing/2010/main">
+              <a14:hiddenFill xmlns:a14="http://schemas.microsoft.com/office/drawing/2010/main" xmlns="">
                 <a:solidFill>
                   <a:srgbClr val="FFFFFF"/>
                 </a:solidFill>
@@ -6197,7 +6123,7 @@
     </p:spTree>
     <p:extLst>
       <p:ext uri="{BB962C8B-B14F-4D97-AF65-F5344CB8AC3E}">
-        <p14:creationId xmlns:p14="http://schemas.microsoft.com/office/powerpoint/2010/main" val="3228266440"/>
+        <p14:creationId xmlns:p14="http://schemas.microsoft.com/office/powerpoint/2010/main" xmlns="" val="3228266440"/>
       </p:ext>
     </p:extLst>
   </p:cSld>
@@ -6394,7 +6320,7 @@
           <p:nvPr/>
         </p:nvPicPr>
         <p:blipFill>
-          <a:blip r:embed="rId2"/>
+          <a:blip r:embed="rId2" cstate="print"/>
           <a:stretch>
             <a:fillRect/>
           </a:stretch>
@@ -6455,7 +6381,7 @@
     </p:spTree>
     <p:extLst>
       <p:ext uri="{BB962C8B-B14F-4D97-AF65-F5344CB8AC3E}">
-        <p14:creationId xmlns:p14="http://schemas.microsoft.com/office/powerpoint/2010/main" val="69466334"/>
+        <p14:creationId xmlns:p14="http://schemas.microsoft.com/office/powerpoint/2010/main" xmlns="" val="69466334"/>
       </p:ext>
     </p:extLst>
   </p:cSld>
@@ -6593,7 +6519,7 @@
           <a:blip r:embed="rId3" cstate="print">
             <a:extLst>
               <a:ext uri="{28A0092B-C50C-407E-A947-70E740481C1C}">
-                <a14:useLocalDpi xmlns:a14="http://schemas.microsoft.com/office/drawing/2010/main" val="0"/>
+                <a14:useLocalDpi xmlns:a14="http://schemas.microsoft.com/office/drawing/2010/main" xmlns="" val="0"/>
               </a:ext>
             </a:extLst>
           </a:blip>
@@ -6613,7 +6539,7 @@
           <a:noFill/>
           <a:extLst>
             <a:ext uri="{909E8E84-426E-40DD-AFC4-6F175D3DCCD1}">
-              <a14:hiddenFill xmlns:a14="http://schemas.microsoft.com/office/drawing/2010/main">
+              <a14:hiddenFill xmlns:a14="http://schemas.microsoft.com/office/drawing/2010/main" xmlns="">
                 <a:solidFill>
                   <a:srgbClr val="FFFFFF"/>
                 </a:solidFill>
@@ -6680,7 +6606,7 @@
     </p:spTree>
     <p:extLst>
       <p:ext uri="{BB962C8B-B14F-4D97-AF65-F5344CB8AC3E}">
-        <p14:creationId xmlns:p14="http://schemas.microsoft.com/office/powerpoint/2010/main" val="2839063633"/>
+        <p14:creationId xmlns:p14="http://schemas.microsoft.com/office/powerpoint/2010/main" xmlns="" val="2839063633"/>
       </p:ext>
     </p:extLst>
   </p:cSld>
@@ -6800,7 +6726,7 @@
           <a:blip r:embed="rId2" cstate="print">
             <a:extLst>
               <a:ext uri="{28A0092B-C50C-407E-A947-70E740481C1C}">
-                <a14:useLocalDpi xmlns:a14="http://schemas.microsoft.com/office/drawing/2010/main" val="0"/>
+                <a14:useLocalDpi xmlns:a14="http://schemas.microsoft.com/office/drawing/2010/main" xmlns="" val="0"/>
               </a:ext>
             </a:extLst>
           </a:blip>
@@ -6820,7 +6746,7 @@
           <a:noFill/>
           <a:extLst>
             <a:ext uri="{909E8E84-426E-40DD-AFC4-6F175D3DCCD1}">
-              <a14:hiddenFill xmlns:a14="http://schemas.microsoft.com/office/drawing/2010/main">
+              <a14:hiddenFill xmlns:a14="http://schemas.microsoft.com/office/drawing/2010/main" xmlns="">
                 <a:solidFill>
                   <a:srgbClr val="FFFFFF"/>
                 </a:solidFill>
@@ -6886,7 +6812,7 @@
     </p:spTree>
     <p:extLst>
       <p:ext uri="{BB962C8B-B14F-4D97-AF65-F5344CB8AC3E}">
-        <p14:creationId xmlns:p14="http://schemas.microsoft.com/office/powerpoint/2010/main" val="285087241"/>
+        <p14:creationId xmlns:p14="http://schemas.microsoft.com/office/powerpoint/2010/main" xmlns="" val="285087241"/>
       </p:ext>
     </p:extLst>
   </p:cSld>
@@ -7129,7 +7055,7 @@
           <p:nvPr>
             <p:extLst>
               <p:ext uri="{D42A27DB-BD31-4B8C-83A1-F6EECF244321}">
-                <p14:modId xmlns:p14="http://schemas.microsoft.com/office/powerpoint/2010/main" val="733903917"/>
+                <p14:modId xmlns:p14="http://schemas.microsoft.com/office/powerpoint/2010/main" xmlns="" val="733903917"/>
               </p:ext>
             </p:extLst>
           </p:nvPr>
@@ -7148,28 +7074,28 @@
                 <a:gridCol w="1139202">
                   <a:extLst>
                     <a:ext uri="{9D8B030D-6E8A-4147-A177-3AD203B41FA5}">
-                      <a16:colId xmlns:a16="http://schemas.microsoft.com/office/drawing/2014/main" val="3988775074"/>
+                      <a16:colId xmlns:a16="http://schemas.microsoft.com/office/drawing/2014/main" xmlns="" val="3988775074"/>
                     </a:ext>
                   </a:extLst>
                 </a:gridCol>
                 <a:gridCol w="1139202">
                   <a:extLst>
                     <a:ext uri="{9D8B030D-6E8A-4147-A177-3AD203B41FA5}">
-                      <a16:colId xmlns:a16="http://schemas.microsoft.com/office/drawing/2014/main" val="3207087765"/>
+                      <a16:colId xmlns:a16="http://schemas.microsoft.com/office/drawing/2014/main" xmlns="" val="3207087765"/>
                     </a:ext>
                   </a:extLst>
                 </a:gridCol>
                 <a:gridCol w="1139202">
                   <a:extLst>
                     <a:ext uri="{9D8B030D-6E8A-4147-A177-3AD203B41FA5}">
-                      <a16:colId xmlns:a16="http://schemas.microsoft.com/office/drawing/2014/main" val="3047351752"/>
+                      <a16:colId xmlns:a16="http://schemas.microsoft.com/office/drawing/2014/main" xmlns="" val="3047351752"/>
                     </a:ext>
                   </a:extLst>
                 </a:gridCol>
                 <a:gridCol w="1139202">
                   <a:extLst>
                     <a:ext uri="{9D8B030D-6E8A-4147-A177-3AD203B41FA5}">
-                      <a16:colId xmlns:a16="http://schemas.microsoft.com/office/drawing/2014/main" val="1786076702"/>
+                      <a16:colId xmlns:a16="http://schemas.microsoft.com/office/drawing/2014/main" xmlns="" val="1786076702"/>
                     </a:ext>
                   </a:extLst>
                 </a:gridCol>
@@ -7233,7 +7159,7 @@
                 </a:tc>
                 <a:extLst>
                   <a:ext uri="{0D108BD9-81ED-4DB2-BD59-A6C34878D82A}">
-                    <a16:rowId xmlns:a16="http://schemas.microsoft.com/office/drawing/2014/main" val="3534270772"/>
+                    <a16:rowId xmlns:a16="http://schemas.microsoft.com/office/drawing/2014/main" xmlns="" val="3534270772"/>
                   </a:ext>
                 </a:extLst>
               </a:tr>
@@ -7299,7 +7225,7 @@
                 </a:tc>
                 <a:extLst>
                   <a:ext uri="{0D108BD9-81ED-4DB2-BD59-A6C34878D82A}">
-                    <a16:rowId xmlns:a16="http://schemas.microsoft.com/office/drawing/2014/main" val="133497317"/>
+                    <a16:rowId xmlns:a16="http://schemas.microsoft.com/office/drawing/2014/main" xmlns="" val="133497317"/>
                   </a:ext>
                 </a:extLst>
               </a:tr>
@@ -7366,7 +7292,7 @@
                 </a:tc>
                 <a:extLst>
                   <a:ext uri="{0D108BD9-81ED-4DB2-BD59-A6C34878D82A}">
-                    <a16:rowId xmlns:a16="http://schemas.microsoft.com/office/drawing/2014/main" val="2212991647"/>
+                    <a16:rowId xmlns:a16="http://schemas.microsoft.com/office/drawing/2014/main" xmlns="" val="2212991647"/>
                   </a:ext>
                 </a:extLst>
               </a:tr>
@@ -7433,7 +7359,7 @@
                 </a:tc>
                 <a:extLst>
                   <a:ext uri="{0D108BD9-81ED-4DB2-BD59-A6C34878D82A}">
-                    <a16:rowId xmlns:a16="http://schemas.microsoft.com/office/drawing/2014/main" val="172703131"/>
+                    <a16:rowId xmlns:a16="http://schemas.microsoft.com/office/drawing/2014/main" xmlns="" val="172703131"/>
                   </a:ext>
                 </a:extLst>
               </a:tr>
@@ -7896,7 +7822,7 @@
     </p:spTree>
     <p:extLst>
       <p:ext uri="{BB962C8B-B14F-4D97-AF65-F5344CB8AC3E}">
-        <p14:creationId xmlns:p14="http://schemas.microsoft.com/office/powerpoint/2010/main" val="3164408349"/>
+        <p14:creationId xmlns:p14="http://schemas.microsoft.com/office/powerpoint/2010/main" xmlns="" val="3164408349"/>
       </p:ext>
     </p:extLst>
   </p:cSld>
@@ -8095,7 +8021,7 @@
           <a:blip r:embed="rId2" cstate="print">
             <a:extLst>
               <a:ext uri="{28A0092B-C50C-407E-A947-70E740481C1C}">
-                <a14:useLocalDpi xmlns:a14="http://schemas.microsoft.com/office/drawing/2010/main" val="0"/>
+                <a14:useLocalDpi xmlns:a14="http://schemas.microsoft.com/office/drawing/2010/main" xmlns="" val="0"/>
               </a:ext>
             </a:extLst>
           </a:blip>
@@ -8115,7 +8041,7 @@
           <a:noFill/>
           <a:extLst>
             <a:ext uri="{909E8E84-426E-40DD-AFC4-6F175D3DCCD1}">
-              <a14:hiddenFill xmlns:a14="http://schemas.microsoft.com/office/drawing/2010/main">
+              <a14:hiddenFill xmlns:a14="http://schemas.microsoft.com/office/drawing/2010/main" xmlns="">
                 <a:solidFill>
                   <a:srgbClr val="FFFFFF"/>
                 </a:solidFill>
@@ -8127,7 +8053,7 @@
     </p:spTree>
     <p:extLst>
       <p:ext uri="{BB962C8B-B14F-4D97-AF65-F5344CB8AC3E}">
-        <p14:creationId xmlns:p14="http://schemas.microsoft.com/office/powerpoint/2010/main" val="2637086306"/>
+        <p14:creationId xmlns:p14="http://schemas.microsoft.com/office/powerpoint/2010/main" xmlns="" val="2637086306"/>
       </p:ext>
     </p:extLst>
   </p:cSld>
@@ -8254,7 +8180,7 @@
           <a:blip r:embed="rId2" cstate="print">
             <a:extLst>
               <a:ext uri="{28A0092B-C50C-407E-A947-70E740481C1C}">
-                <a14:useLocalDpi xmlns:a14="http://schemas.microsoft.com/office/drawing/2010/main" val="0"/>
+                <a14:useLocalDpi xmlns:a14="http://schemas.microsoft.com/office/drawing/2010/main" xmlns="" val="0"/>
               </a:ext>
             </a:extLst>
           </a:blip>
@@ -8274,7 +8200,7 @@
           <a:noFill/>
           <a:extLst>
             <a:ext uri="{909E8E84-426E-40DD-AFC4-6F175D3DCCD1}">
-              <a14:hiddenFill xmlns:a14="http://schemas.microsoft.com/office/drawing/2010/main">
+              <a14:hiddenFill xmlns:a14="http://schemas.microsoft.com/office/drawing/2010/main" xmlns="">
                 <a:solidFill>
                   <a:srgbClr val="FFFFFF"/>
                 </a:solidFill>
@@ -8286,7 +8212,7 @@
     </p:spTree>
     <p:extLst>
       <p:ext uri="{BB962C8B-B14F-4D97-AF65-F5344CB8AC3E}">
-        <p14:creationId xmlns:p14="http://schemas.microsoft.com/office/powerpoint/2010/main" val="2877354479"/>
+        <p14:creationId xmlns:p14="http://schemas.microsoft.com/office/powerpoint/2010/main" xmlns="" val="2877354479"/>
       </p:ext>
     </p:extLst>
   </p:cSld>
@@ -8355,7 +8281,7 @@
           <a:blip r:embed="rId2" cstate="print">
             <a:extLst>
               <a:ext uri="{28A0092B-C50C-407E-A947-70E740481C1C}">
-                <a14:useLocalDpi xmlns:a14="http://schemas.microsoft.com/office/drawing/2010/main" val="0"/>
+                <a14:useLocalDpi xmlns:a14="http://schemas.microsoft.com/office/drawing/2010/main" xmlns="" val="0"/>
               </a:ext>
             </a:extLst>
           </a:blip>
@@ -8375,7 +8301,7 @@
           <a:noFill/>
           <a:extLst>
             <a:ext uri="{909E8E84-426E-40DD-AFC4-6F175D3DCCD1}">
-              <a14:hiddenFill xmlns:a14="http://schemas.microsoft.com/office/drawing/2010/main">
+              <a14:hiddenFill xmlns:a14="http://schemas.microsoft.com/office/drawing/2010/main" xmlns="">
                 <a:solidFill>
                   <a:srgbClr val="FFFFFF"/>
                 </a:solidFill>
@@ -8516,7 +8442,7 @@
     </p:spTree>
     <p:extLst>
       <p:ext uri="{BB962C8B-B14F-4D97-AF65-F5344CB8AC3E}">
-        <p14:creationId xmlns:p14="http://schemas.microsoft.com/office/powerpoint/2010/main" val="3508601607"/>
+        <p14:creationId xmlns:p14="http://schemas.microsoft.com/office/powerpoint/2010/main" xmlns="" val="3508601607"/>
       </p:ext>
     </p:extLst>
   </p:cSld>
@@ -8611,7 +8537,7 @@
     </p:spTree>
     <p:extLst>
       <p:ext uri="{BB962C8B-B14F-4D97-AF65-F5344CB8AC3E}">
-        <p14:creationId xmlns:p14="http://schemas.microsoft.com/office/powerpoint/2010/main" val="3438637767"/>
+        <p14:creationId xmlns:p14="http://schemas.microsoft.com/office/powerpoint/2010/main" xmlns="" val="3438637767"/>
       </p:ext>
     </p:extLst>
   </p:cSld>
@@ -8883,7 +8809,7 @@
   <a:extraClrSchemeLst/>
   <a:extLst>
     <a:ext uri="{05A4C25C-085E-4340-85A3-A5531E510DB2}">
-      <thm15:themeFamily xmlns:thm15="http://schemas.microsoft.com/office/thememl/2012/main" name="Office Theme" id="{62F939B6-93AF-4DB8-9C6B-D6C7DFDC589F}" vid="{4A3C46E8-61CC-4603-A589-7422A47A8E4A}"/>
+      <thm15:themeFamily xmlns:thm15="http://schemas.microsoft.com/office/thememl/2012/main" xmlns="" name="Office Theme" id="{62F939B6-93AF-4DB8-9C6B-D6C7DFDC589F}" vid="{4A3C46E8-61CC-4603-A589-7422A47A8E4A}"/>
     </a:ext>
   </a:extLst>
 </a:theme>
@@ -9144,7 +9070,7 @@
   <a:extraClrSchemeLst/>
   <a:extLst>
     <a:ext uri="{05A4C25C-085E-4340-85A3-A5531E510DB2}">
-      <thm15:themeFamily xmlns:thm15="http://schemas.microsoft.com/office/thememl/2012/main" name="Office Theme" id="{62F939B6-93AF-4DB8-9C6B-D6C7DFDC589F}" vid="{4A3C46E8-61CC-4603-A589-7422A47A8E4A}"/>
+      <thm15:themeFamily xmlns:thm15="http://schemas.microsoft.com/office/thememl/2012/main" xmlns="" name="Office Theme" id="{62F939B6-93AF-4DB8-9C6B-D6C7DFDC589F}" vid="{4A3C46E8-61CC-4603-A589-7422A47A8E4A}"/>
     </a:ext>
   </a:extLst>
 </a:theme>
